--- a/Linux/WSL_Notes.pptx
+++ b/Linux/WSL_Notes.pptx
@@ -164,8 +164,8 @@
           </a:lstStyle>
           <a:p>
             <a:endParaRPr lang="zh-CN" altLang="en-US">
-              <a:latin typeface="Microsoft YaHei" panose="020B0503020204020204" charset="-122"/>
-              <a:ea typeface="Microsoft YaHei" panose="020B0503020204020204" charset="-122"/>
+              <a:latin typeface="微软雅黑" panose="020B0503020204020204" charset="-122"/>
+              <a:ea typeface="微软雅黑" panose="020B0503020204020204" charset="-122"/>
             </a:endParaRPr>
           </a:p>
         </p:txBody>
@@ -199,13 +199,13 @@
           <a:p>
             <a:fld id="{0F9B84EA-7D68-4D60-9CB1-D50884785D1C}" type="datetimeFigureOut">
               <a:rPr lang="zh-CN" altLang="en-US" smtClean="0">
-                <a:latin typeface="Microsoft YaHei" panose="020B0503020204020204" charset="-122"/>
-                <a:ea typeface="Microsoft YaHei" panose="020B0503020204020204" charset="-122"/>
+                <a:latin typeface="微软雅黑" panose="020B0503020204020204" charset="-122"/>
+                <a:ea typeface="微软雅黑" panose="020B0503020204020204" charset="-122"/>
               </a:rPr>
             </a:fld>
             <a:endParaRPr lang="zh-CN" altLang="en-US" smtClean="0">
-              <a:latin typeface="Microsoft YaHei" panose="020B0503020204020204" charset="-122"/>
-              <a:ea typeface="Microsoft YaHei" panose="020B0503020204020204" charset="-122"/>
+              <a:latin typeface="微软雅黑" panose="020B0503020204020204" charset="-122"/>
+              <a:ea typeface="微软雅黑" panose="020B0503020204020204" charset="-122"/>
             </a:endParaRPr>
           </a:p>
         </p:txBody>
@@ -238,8 +238,8 @@
           </a:lstStyle>
           <a:p>
             <a:endParaRPr lang="zh-CN" altLang="en-US">
-              <a:latin typeface="Microsoft YaHei" panose="020B0503020204020204" charset="-122"/>
-              <a:ea typeface="Microsoft YaHei" panose="020B0503020204020204" charset="-122"/>
+              <a:latin typeface="微软雅黑" panose="020B0503020204020204" charset="-122"/>
+              <a:ea typeface="微软雅黑" panose="020B0503020204020204" charset="-122"/>
             </a:endParaRPr>
           </a:p>
         </p:txBody>
@@ -273,13 +273,13 @@
           <a:p>
             <a:fld id="{8D4E0FC9-F1F8-4FAE-9988-3BA365CFD46F}" type="slidenum">
               <a:rPr lang="zh-CN" altLang="en-US" smtClean="0">
-                <a:latin typeface="Microsoft YaHei" panose="020B0503020204020204" charset="-122"/>
-                <a:ea typeface="Microsoft YaHei" panose="020B0503020204020204" charset="-122"/>
+                <a:latin typeface="微软雅黑" panose="020B0503020204020204" charset="-122"/>
+                <a:ea typeface="微软雅黑" panose="020B0503020204020204" charset="-122"/>
               </a:rPr>
             </a:fld>
             <a:endParaRPr lang="zh-CN" altLang="en-US" smtClean="0">
-              <a:latin typeface="Microsoft YaHei" panose="020B0503020204020204" charset="-122"/>
-              <a:ea typeface="Microsoft YaHei" panose="020B0503020204020204" charset="-122"/>
+              <a:latin typeface="微软雅黑" panose="020B0503020204020204" charset="-122"/>
+              <a:ea typeface="微软雅黑" panose="020B0503020204020204" charset="-122"/>
             </a:endParaRPr>
           </a:p>
         </p:txBody>
@@ -336,8 +336,8 @@
           <a:lstStyle>
             <a:lvl1pPr algn="l">
               <a:defRPr sz="1200">
-                <a:latin typeface="Microsoft YaHei" panose="020B0503020204020204" charset="-122"/>
-                <a:ea typeface="Microsoft YaHei" panose="020B0503020204020204" charset="-122"/>
+                <a:latin typeface="微软雅黑" panose="020B0503020204020204" charset="-122"/>
+                <a:ea typeface="微软雅黑" panose="020B0503020204020204" charset="-122"/>
               </a:defRPr>
             </a:lvl1pPr>
           </a:lstStyle>
@@ -370,8 +370,8 @@
           <a:lstStyle>
             <a:lvl1pPr algn="r">
               <a:defRPr sz="1200">
-                <a:latin typeface="Microsoft YaHei" panose="020B0503020204020204" charset="-122"/>
-                <a:ea typeface="Microsoft YaHei" panose="020B0503020204020204" charset="-122"/>
+                <a:latin typeface="微软雅黑" panose="020B0503020204020204" charset="-122"/>
+                <a:ea typeface="微软雅黑" panose="020B0503020204020204" charset="-122"/>
               </a:defRPr>
             </a:lvl1pPr>
           </a:lstStyle>
@@ -504,8 +504,8 @@
           <a:lstStyle>
             <a:lvl1pPr algn="l">
               <a:defRPr sz="1200">
-                <a:latin typeface="Microsoft YaHei" panose="020B0503020204020204" charset="-122"/>
-                <a:ea typeface="Microsoft YaHei" panose="020B0503020204020204" charset="-122"/>
+                <a:latin typeface="微软雅黑" panose="020B0503020204020204" charset="-122"/>
+                <a:ea typeface="微软雅黑" panose="020B0503020204020204" charset="-122"/>
               </a:defRPr>
             </a:lvl1pPr>
           </a:lstStyle>
@@ -538,8 +538,8 @@
           <a:lstStyle>
             <a:lvl1pPr algn="r">
               <a:defRPr sz="1200">
-                <a:latin typeface="Microsoft YaHei" panose="020B0503020204020204" charset="-122"/>
-                <a:ea typeface="Microsoft YaHei" panose="020B0503020204020204" charset="-122"/>
+                <a:latin typeface="微软雅黑" panose="020B0503020204020204" charset="-122"/>
+                <a:ea typeface="微软雅黑" panose="020B0503020204020204" charset="-122"/>
               </a:defRPr>
             </a:lvl1pPr>
           </a:lstStyle>
@@ -560,8 +560,8 @@
         <a:solidFill>
           <a:schemeClr val="tx1"/>
         </a:solidFill>
-        <a:latin typeface="Microsoft YaHei" panose="020B0503020204020204" charset="-122"/>
-        <a:ea typeface="Microsoft YaHei" panose="020B0503020204020204" charset="-122"/>
+        <a:latin typeface="微软雅黑" panose="020B0503020204020204" charset="-122"/>
+        <a:ea typeface="微软雅黑" panose="020B0503020204020204" charset="-122"/>
         <a:cs typeface="+mn-cs"/>
       </a:defRPr>
     </a:lvl1pPr>
@@ -570,8 +570,8 @@
         <a:solidFill>
           <a:schemeClr val="tx1"/>
         </a:solidFill>
-        <a:latin typeface="Microsoft YaHei" panose="020B0503020204020204" charset="-122"/>
-        <a:ea typeface="Microsoft YaHei" panose="020B0503020204020204" charset="-122"/>
+        <a:latin typeface="微软雅黑" panose="020B0503020204020204" charset="-122"/>
+        <a:ea typeface="微软雅黑" panose="020B0503020204020204" charset="-122"/>
         <a:cs typeface="+mn-cs"/>
       </a:defRPr>
     </a:lvl2pPr>
@@ -580,8 +580,8 @@
         <a:solidFill>
           <a:schemeClr val="tx1"/>
         </a:solidFill>
-        <a:latin typeface="Microsoft YaHei" panose="020B0503020204020204" charset="-122"/>
-        <a:ea typeface="Microsoft YaHei" panose="020B0503020204020204" charset="-122"/>
+        <a:latin typeface="微软雅黑" panose="020B0503020204020204" charset="-122"/>
+        <a:ea typeface="微软雅黑" panose="020B0503020204020204" charset="-122"/>
         <a:cs typeface="+mn-cs"/>
       </a:defRPr>
     </a:lvl3pPr>
@@ -590,8 +590,8 @@
         <a:solidFill>
           <a:schemeClr val="tx1"/>
         </a:solidFill>
-        <a:latin typeface="Microsoft YaHei" panose="020B0503020204020204" charset="-122"/>
-        <a:ea typeface="Microsoft YaHei" panose="020B0503020204020204" charset="-122"/>
+        <a:latin typeface="微软雅黑" panose="020B0503020204020204" charset="-122"/>
+        <a:ea typeface="微软雅黑" panose="020B0503020204020204" charset="-122"/>
         <a:cs typeface="+mn-cs"/>
       </a:defRPr>
     </a:lvl4pPr>
@@ -600,8 +600,8 @@
         <a:solidFill>
           <a:schemeClr val="tx1"/>
         </a:solidFill>
-        <a:latin typeface="Microsoft YaHei" panose="020B0503020204020204" charset="-122"/>
-        <a:ea typeface="Microsoft YaHei" panose="020B0503020204020204" charset="-122"/>
+        <a:latin typeface="微软雅黑" panose="020B0503020204020204" charset="-122"/>
+        <a:ea typeface="微软雅黑" panose="020B0503020204020204" charset="-122"/>
         <a:cs typeface="+mn-cs"/>
       </a:defRPr>
     </a:lvl5pPr>
@@ -1585,7 +1585,7 @@
               <a:pPr algn="ctr"/>
               <a:endParaRPr lang="zh-CN" altLang="en-US" baseline="0">
                 <a:latin typeface="Arial" panose="020B0604020202020204" pitchFamily="34" charset="0"/>
-                <a:ea typeface="SimHei" panose="02010609060101010101" pitchFamily="49" charset="-122"/>
+                <a:ea typeface="黑体" panose="02010609060101010101" pitchFamily="49" charset="-122"/>
               </a:endParaRPr>
             </a:p>
           </p:txBody>
@@ -1636,7 +1636,7 @@
               <a:pPr algn="ctr"/>
               <a:endParaRPr lang="zh-CN" altLang="en-US" baseline="0">
                 <a:latin typeface="Arial" panose="020B0604020202020204" pitchFamily="34" charset="0"/>
-                <a:ea typeface="SimHei" panose="02010609060101010101" pitchFamily="49" charset="-122"/>
+                <a:ea typeface="黑体" panose="02010609060101010101" pitchFamily="49" charset="-122"/>
               </a:endParaRPr>
             </a:p>
           </p:txBody>
@@ -1689,7 +1689,7 @@
               <a:pPr algn="ctr"/>
               <a:endParaRPr lang="zh-CN" altLang="en-US" baseline="0">
                 <a:latin typeface="Arial" panose="020B0604020202020204" pitchFamily="34" charset="0"/>
-                <a:ea typeface="SimHei" panose="02010609060101010101" pitchFamily="49" charset="-122"/>
+                <a:ea typeface="黑体" panose="02010609060101010101" pitchFamily="49" charset="-122"/>
               </a:endParaRPr>
             </a:p>
           </p:txBody>
@@ -2489,7 +2489,7 @@
                 <a:schemeClr val="tx1"/>
               </a:solidFill>
               <a:latin typeface="Arial" panose="020B0604020202020204" pitchFamily="34" charset="0"/>
-              <a:ea typeface="SimHei" panose="02010609060101010101" pitchFamily="49" charset="-122"/>
+              <a:ea typeface="黑体" panose="02010609060101010101" pitchFamily="49" charset="-122"/>
             </a:endParaRPr>
           </a:p>
         </p:txBody>
@@ -3415,7 +3415,7 @@
         <a:spcBef>
           <a:spcPts val="1000"/>
         </a:spcBef>
-        <a:buFont typeface="SimHei" panose="02010609060101010101" pitchFamily="49" charset="-122"/>
+        <a:buFont typeface="黑体" panose="02010609060101010101" pitchFamily="49" charset="-122"/>
         <a:buChar char="〉"/>
         <a:defRPr sz="2400" kern="1200">
           <a:solidFill>
@@ -3739,10 +3739,15 @@
             </p:custDataLst>
           </p:nvPr>
         </p:nvSpPr>
-        <p:spPr/>
+        <p:spPr>
+          <a:xfrm>
+            <a:off x="1524000" y="5350135"/>
+            <a:ext cx="9144000" cy="376237"/>
+          </a:xfrm>
+        </p:spPr>
         <p:txBody>
           <a:bodyPr>
-            <a:normAutofit/>
+            <a:noAutofit/>
           </a:bodyPr>
           <a:p>
             <a:pPr marL="0" indent="0" algn="ctr">
@@ -3758,10 +3763,29 @@
               <a:buSzPct val="100000"/>
             </a:pPr>
             <a:r>
-              <a:rPr lang="en-US" altLang="zh-CN" sz="1700" smtClean="0"/>
+              <a:rPr lang="en-US" altLang="zh-CN" sz="1400" smtClean="0"/>
+              <a:t>Sparks Lu</a:t>
+            </a:r>
+            <a:endParaRPr lang="en-US" altLang="zh-CN" sz="1400" smtClean="0"/>
+          </a:p>
+          <a:p>
+            <a:pPr marL="0" indent="0" algn="ctr">
+              <a:lnSpc>
+                <a:spcPct val="90000"/>
+              </a:lnSpc>
+              <a:spcBef>
+                <a:spcPts val="1000"/>
+              </a:spcBef>
+              <a:spcAft>
+                <a:spcPts val="0"/>
+              </a:spcAft>
+              <a:buSzPct val="100000"/>
+            </a:pPr>
+            <a:r>
+              <a:rPr lang="en-US" altLang="zh-CN" sz="1400" smtClean="0"/>
               <a:t>Last updated: 9/13/2019</a:t>
             </a:r>
-            <a:endParaRPr lang="en-US" altLang="zh-CN" sz="1700" smtClean="0"/>
+            <a:endParaRPr lang="en-US" altLang="zh-CN" sz="1400" smtClean="0"/>
           </a:p>
         </p:txBody>
       </p:sp>

--- a/Linux/WSL_Notes.pptx
+++ b/Linux/WSL_Notes.pptx
@@ -8,11 +8,13 @@
     <p:notesMasterId r:id="rId4"/>
   </p:notesMasterIdLst>
   <p:handoutMasterIdLst>
-    <p:handoutMasterId r:id="rId6"/>
+    <p:handoutMasterId r:id="rId8"/>
   </p:handoutMasterIdLst>
   <p:sldIdLst>
     <p:sldId id="256" r:id="rId3"/>
-    <p:sldId id="257" r:id="rId5"/>
+    <p:sldId id="258" r:id="rId5"/>
+    <p:sldId id="257" r:id="rId6"/>
+    <p:sldId id="259" r:id="rId7"/>
   </p:sldIdLst>
   <p:sldSz cx="12192000" cy="6858000"/>
   <p:notesSz cx="6858000" cy="9144000"/>
@@ -3741,8 +3743,8 @@
         </p:nvSpPr>
         <p:spPr>
           <a:xfrm>
-            <a:off x="1524000" y="5350135"/>
-            <a:ext cx="9144000" cy="376237"/>
+            <a:off x="1524000" y="5349875"/>
+            <a:ext cx="9144000" cy="732790"/>
           </a:xfrm>
         </p:spPr>
         <p:txBody>
@@ -3783,7 +3785,7 @@
             </a:pPr>
             <a:r>
               <a:rPr lang="en-US" altLang="zh-CN" sz="1400" smtClean="0"/>
-              <a:t>Last updated: 9/13/2019</a:t>
+              <a:t>Last updated: 5/2/2020</a:t>
             </a:r>
             <a:endParaRPr lang="en-US" altLang="zh-CN" sz="1400" smtClean="0"/>
           </a:p>
@@ -3826,6 +3828,71 @@
           <a:p>
             <a:r>
               <a:rPr lang="en-US" altLang="zh-CN"/>
+              <a:t>References</a:t>
+            </a:r>
+            <a:endParaRPr lang="en-US" altLang="zh-CN"/>
+          </a:p>
+        </p:txBody>
+      </p:sp>
+      <p:sp>
+        <p:nvSpPr>
+          <p:cNvPr id="3" name="内容占位符 2"/>
+          <p:cNvSpPr>
+            <a:spLocks noGrp="1"/>
+          </p:cNvSpPr>
+          <p:nvPr>
+            <p:ph idx="1"/>
+          </p:nvPr>
+        </p:nvSpPr>
+        <p:spPr/>
+        <p:txBody>
+          <a:bodyPr/>
+          <a:p>
+            <a:r>
+              <a:rPr lang="zh-CN" altLang="en-US"/>
+              <a:t>https://github.com/QMonkey/wsl-tutorial</a:t>
+            </a:r>
+            <a:endParaRPr lang="zh-CN" altLang="en-US"/>
+          </a:p>
+        </p:txBody>
+      </p:sp>
+    </p:spTree>
+    <p:custDataLst>
+      <p:tags r:id="rId1"/>
+    </p:custDataLst>
+  </p:cSld>
+  <p:clrMapOvr>
+    <a:masterClrMapping/>
+  </p:clrMapOvr>
+</p:sld>
+</file>
+
+<file path=ppt/slides/slide3.xml><?xml version="1.0" encoding="utf-8"?>
+<p:sld xmlns:a="http://schemas.openxmlformats.org/drawingml/2006/main" xmlns:r="http://schemas.openxmlformats.org/officeDocument/2006/relationships" xmlns:p="http://schemas.openxmlformats.org/presentationml/2006/main">
+  <p:cSld>
+    <p:spTree>
+      <p:nvGrpSpPr>
+        <p:cNvPr id="1" name=""/>
+        <p:cNvGrpSpPr/>
+        <p:nvPr/>
+      </p:nvGrpSpPr>
+      <p:grpSpPr/>
+      <p:sp>
+        <p:nvSpPr>
+          <p:cNvPr id="2" name="标题 1"/>
+          <p:cNvSpPr>
+            <a:spLocks noGrp="1"/>
+          </p:cNvSpPr>
+          <p:nvPr>
+            <p:ph type="title"/>
+          </p:nvPr>
+        </p:nvSpPr>
+        <p:spPr/>
+        <p:txBody>
+          <a:bodyPr/>
+          <a:p>
+            <a:r>
+              <a:rPr lang="en-US" altLang="zh-CN"/>
               <a:t>Install</a:t>
             </a:r>
             <a:endParaRPr lang="en-US" altLang="zh-CN"/>
@@ -3921,6 +3988,78 @@
             <a:r>
               <a:rPr lang="en-US" altLang="zh-CN"/>
               <a:t>export LIBGL_ALWAYS_INDIRECT=1</a:t>
+            </a:r>
+            <a:endParaRPr lang="en-US" altLang="zh-CN"/>
+          </a:p>
+        </p:txBody>
+      </p:sp>
+    </p:spTree>
+    <p:custDataLst>
+      <p:tags r:id="rId1"/>
+    </p:custDataLst>
+  </p:cSld>
+  <p:clrMapOvr>
+    <a:masterClrMapping/>
+  </p:clrMapOvr>
+</p:sld>
+</file>
+
+<file path=ppt/slides/slide4.xml><?xml version="1.0" encoding="utf-8"?>
+<p:sld xmlns:a="http://schemas.openxmlformats.org/drawingml/2006/main" xmlns:r="http://schemas.openxmlformats.org/officeDocument/2006/relationships" xmlns:p="http://schemas.openxmlformats.org/presentationml/2006/main">
+  <p:cSld>
+    <p:spTree>
+      <p:nvGrpSpPr>
+        <p:cNvPr id="1" name=""/>
+        <p:cNvGrpSpPr/>
+        <p:nvPr/>
+      </p:nvGrpSpPr>
+      <p:grpSpPr/>
+      <p:sp>
+        <p:nvSpPr>
+          <p:cNvPr id="2" name="标题 1"/>
+          <p:cNvSpPr>
+            <a:spLocks noGrp="1"/>
+          </p:cNvSpPr>
+          <p:nvPr>
+            <p:ph type="title"/>
+          </p:nvPr>
+        </p:nvSpPr>
+        <p:spPr/>
+        <p:txBody>
+          <a:bodyPr/>
+          <a:p>
+            <a:r>
+              <a:rPr lang="en-US" altLang="zh-CN"/>
+              <a:t>GPU</a:t>
+            </a:r>
+            <a:endParaRPr lang="en-US" altLang="zh-CN"/>
+          </a:p>
+        </p:txBody>
+      </p:sp>
+      <p:sp>
+        <p:nvSpPr>
+          <p:cNvPr id="3" name="内容占位符 2"/>
+          <p:cNvSpPr>
+            <a:spLocks noGrp="1"/>
+          </p:cNvSpPr>
+          <p:nvPr>
+            <p:ph idx="1"/>
+          </p:nvPr>
+        </p:nvSpPr>
+        <p:spPr/>
+        <p:txBody>
+          <a:bodyPr/>
+          <a:p>
+            <a:r>
+              <a:rPr lang="en-US" altLang="zh-CN"/>
+              <a:t>sudo apt install nvidia-384</a:t>
+            </a:r>
+            <a:endParaRPr lang="en-US" altLang="zh-CN"/>
+          </a:p>
+          <a:p>
+            <a:r>
+              <a:rPr lang="en-US" altLang="zh-CN"/>
+              <a:t>glxinfo | grep “OpenGL”</a:t>
             </a:r>
             <a:endParaRPr lang="en-US" altLang="zh-CN"/>
           </a:p>
@@ -4023,6 +4162,22 @@
 </file>
 
 <file path=ppt/tags/tag7.xml><?xml version="1.0" encoding="utf-8"?>
+<p:tagLst xmlns:p="http://schemas.openxmlformats.org/presentationml/2006/main">
+  <p:tag name="KSO_WM_BEAUTIFY_FLAG" val="#wm#"/>
+  <p:tag name="KSO_WM_TEMPLATE_CATEGORY" val="custom"/>
+  <p:tag name="KSO_WM_TEMPLATE_INDEX" val="160402"/>
+</p:tagLst>
+</file>
+
+<file path=ppt/tags/tag8.xml><?xml version="1.0" encoding="utf-8"?>
+<p:tagLst xmlns:p="http://schemas.openxmlformats.org/presentationml/2006/main">
+  <p:tag name="KSO_WM_BEAUTIFY_FLAG" val="#wm#"/>
+  <p:tag name="KSO_WM_TEMPLATE_CATEGORY" val="custom"/>
+  <p:tag name="KSO_WM_TEMPLATE_INDEX" val="160402"/>
+</p:tagLst>
+</file>
+
+<file path=ppt/tags/tag9.xml><?xml version="1.0" encoding="utf-8"?>
 <p:tagLst xmlns:p="http://schemas.openxmlformats.org/presentationml/2006/main">
   <p:tag name="KSO_WM_BEAUTIFY_FLAG" val="#wm#"/>
   <p:tag name="KSO_WM_TEMPLATE_CATEGORY" val="custom"/>

--- a/Linux/WSL_Notes.pptx
+++ b/Linux/WSL_Notes.pptx
@@ -8,13 +8,15 @@
     <p:notesMasterId r:id="rId4"/>
   </p:notesMasterIdLst>
   <p:handoutMasterIdLst>
-    <p:handoutMasterId r:id="rId8"/>
+    <p:handoutMasterId r:id="rId10"/>
   </p:handoutMasterIdLst>
   <p:sldIdLst>
     <p:sldId id="256" r:id="rId3"/>
     <p:sldId id="258" r:id="rId5"/>
     <p:sldId id="257" r:id="rId6"/>
-    <p:sldId id="259" r:id="rId7"/>
+    <p:sldId id="261" r:id="rId7"/>
+    <p:sldId id="263" r:id="rId8"/>
+    <p:sldId id="259" r:id="rId9"/>
   </p:sldIdLst>
   <p:sldSz cx="12192000" cy="6858000"/>
   <p:notesSz cx="6858000" cy="9144000"/>
@@ -3854,6 +3856,20 @@
             </a:r>
             <a:endParaRPr lang="zh-CN" altLang="en-US"/>
           </a:p>
+          <a:p>
+            <a:r>
+              <a:rPr lang="zh-CN" altLang="en-US"/>
+              <a:t>https://medium.com/@japheth.yates/the-complete-wsl2-gui-setup-2582828f4577</a:t>
+            </a:r>
+            <a:endParaRPr lang="zh-CN" altLang="en-US"/>
+          </a:p>
+          <a:p>
+            <a:r>
+              <a:rPr lang="zh-CN" altLang="en-US"/>
+              <a:t>https://github.com/lackovic/notes/tree/master/Windows/Windows%20Subsystem%20for%20Linux#use-chromedriver-in-wsl</a:t>
+            </a:r>
+            <a:endParaRPr lang="zh-CN" altLang="en-US"/>
+          </a:p>
         </p:txBody>
       </p:sp>
     </p:spTree>
@@ -3909,9 +3925,16 @@
             <p:ph idx="1"/>
           </p:nvPr>
         </p:nvSpPr>
-        <p:spPr/>
-        <p:txBody>
-          <a:bodyPr/>
+        <p:spPr>
+          <a:xfrm>
+            <a:off x="838200" y="1211580"/>
+            <a:ext cx="10515600" cy="4887595"/>
+          </a:xfrm>
+        </p:spPr>
+        <p:txBody>
+          <a:bodyPr>
+            <a:normAutofit fontScale="70000"/>
+          </a:bodyPr>
           <a:p>
             <a:r>
               <a:rPr lang="en-US" altLang="zh-CN"/>
@@ -3944,6 +3967,14 @@
             <a:endParaRPr lang="en-US" altLang="zh-CN"/>
           </a:p>
           <a:p>
+            <a:pPr lvl="1"/>
+            <a:r>
+              <a:rPr lang="en-US" altLang="zh-CN"/>
+              <a:t>Run “wsl -l -v” to determine version 1/2</a:t>
+            </a:r>
+            <a:endParaRPr lang="en-US" altLang="zh-CN"/>
+          </a:p>
+          <a:p>
             <a:pPr lvl="0"/>
             <a:r>
               <a:rPr lang="en-US" altLang="zh-CN"/>
@@ -3988,6 +4019,56 @@
             <a:r>
               <a:rPr lang="en-US" altLang="zh-CN"/>
               <a:t>export LIBGL_ALWAYS_INDIRECT=1</a:t>
+            </a:r>
+            <a:endParaRPr lang="en-US" altLang="zh-CN"/>
+          </a:p>
+          <a:p>
+            <a:pPr lvl="0"/>
+            <a:r>
+              <a:rPr lang="en-US" altLang="zh-CN"/>
+              <a:t>Upgrade to WSL2</a:t>
+            </a:r>
+            <a:endParaRPr lang="en-US" altLang="zh-CN"/>
+          </a:p>
+          <a:p>
+            <a:pPr lvl="1"/>
+            <a:r>
+              <a:rPr lang="en-US" altLang="zh-CN"/>
+              <a:t>https://aka.ms/wsl2-install</a:t>
+            </a:r>
+            <a:endParaRPr lang="en-US" altLang="zh-CN"/>
+          </a:p>
+          <a:p>
+            <a:pPr lvl="1"/>
+            <a:r>
+              <a:rPr lang="en-US" altLang="zh-CN">
+                <a:sym typeface="+mn-ea"/>
+              </a:rPr>
+              <a:t>https://aka.ms/wsl2kernel</a:t>
+            </a:r>
+            <a:endParaRPr lang="en-US" altLang="zh-CN"/>
+          </a:p>
+          <a:p>
+            <a:pPr lvl="1"/>
+            <a:r>
+              <a:rPr lang="en-US" altLang="zh-CN"/>
+              <a:t>https://docs.microsoft.com/en-gb/windows/wsl/wsl2-kernel</a:t>
+            </a:r>
+            <a:endParaRPr lang="en-US" altLang="zh-CN"/>
+          </a:p>
+          <a:p>
+            <a:pPr lvl="1"/>
+            <a:r>
+              <a:rPr lang="en-US" altLang="zh-CN"/>
+              <a:t>wsl --set-version {Ubuntu-16.04} 2</a:t>
+            </a:r>
+            <a:endParaRPr lang="en-US" altLang="zh-CN"/>
+          </a:p>
+          <a:p>
+            <a:pPr lvl="1"/>
+            <a:r>
+              <a:rPr lang="en-US" altLang="zh-CN"/>
+              <a:t>wsl --set-default-version 2</a:t>
             </a:r>
             <a:endParaRPr lang="en-US" altLang="zh-CN"/>
           </a:p>
@@ -4030,6 +4111,282 @@
           <a:p>
             <a:r>
               <a:rPr lang="en-US" altLang="zh-CN"/>
+              <a:t>Run GUI Apps</a:t>
+            </a:r>
+            <a:endParaRPr lang="en-US" altLang="zh-CN"/>
+          </a:p>
+        </p:txBody>
+      </p:sp>
+      <p:sp>
+        <p:nvSpPr>
+          <p:cNvPr id="3" name="内容占位符 2"/>
+          <p:cNvSpPr>
+            <a:spLocks noGrp="1"/>
+          </p:cNvSpPr>
+          <p:nvPr>
+            <p:ph idx="1"/>
+          </p:nvPr>
+        </p:nvSpPr>
+        <p:spPr>
+          <a:xfrm>
+            <a:off x="838200" y="1211580"/>
+            <a:ext cx="7179310" cy="5252720"/>
+          </a:xfrm>
+        </p:spPr>
+        <p:txBody>
+          <a:bodyPr>
+            <a:normAutofit fontScale="90000" lnSpcReduction="20000"/>
+          </a:bodyPr>
+          <a:p>
+            <a:r>
+              <a:rPr lang="en-US" altLang="zh-CN"/>
+              <a:t>Steps</a:t>
+            </a:r>
+            <a:endParaRPr lang="en-US" altLang="zh-CN"/>
+          </a:p>
+          <a:p>
+            <a:pPr lvl="1"/>
+            <a:r>
+              <a:rPr lang="en-US" altLang="zh-CN"/>
+              <a:t>Windows</a:t>
+            </a:r>
+            <a:endParaRPr lang="en-US" altLang="zh-CN"/>
+          </a:p>
+          <a:p>
+            <a:pPr lvl="2"/>
+            <a:r>
+              <a:rPr lang="en-US" altLang="zh-CN"/>
+              <a:t>Install VcXsrv</a:t>
+            </a:r>
+            <a:endParaRPr lang="en-US" altLang="zh-CN"/>
+          </a:p>
+          <a:p>
+            <a:pPr lvl="2"/>
+            <a:r>
+              <a:rPr lang="en-US" altLang="zh-CN"/>
+              <a:t>Change property of vcxsrv.exe</a:t>
+            </a:r>
+            <a:endParaRPr lang="en-US" altLang="zh-CN"/>
+          </a:p>
+          <a:p>
+            <a:pPr lvl="3"/>
+            <a:r>
+              <a:rPr lang="en-US" altLang="zh-CN" sz="1600"/>
+              <a:t>Compatibility -&gt; Change high DPI settings, check “Override high DPI scaling behavior”, select App</a:t>
+            </a:r>
+            <a:endParaRPr lang="en-US" altLang="zh-CN" sz="1600"/>
+          </a:p>
+          <a:p>
+            <a:pPr lvl="2"/>
+            <a:r>
+              <a:rPr lang="en-US" altLang="zh-CN"/>
+              <a:t>Control Panel\System and Security\Windows Defender Firewall\Allowed apps</a:t>
+            </a:r>
+            <a:endParaRPr lang="en-US" altLang="zh-CN"/>
+          </a:p>
+          <a:p>
+            <a:pPr lvl="3"/>
+            <a:r>
+              <a:rPr lang="en-US" altLang="zh-CN" sz="1600"/>
+              <a:t>Select VcXsrv windows xserver, Check both Private and Public checkboxes</a:t>
+            </a:r>
+            <a:endParaRPr lang="en-US" altLang="zh-CN"/>
+          </a:p>
+          <a:p>
+            <a:pPr lvl="2"/>
+            <a:r>
+              <a:rPr lang="en-US" altLang="zh-CN"/>
+              <a:t>Launch VcXsrv with “disable access control”</a:t>
+            </a:r>
+            <a:endParaRPr lang="en-US" altLang="zh-CN"/>
+          </a:p>
+          <a:p>
+            <a:pPr lvl="2"/>
+            <a:r>
+              <a:rPr lang="en-US" altLang="zh-CN"/>
+              <a:t>Download config.xlaunch</a:t>
+            </a:r>
+            <a:endParaRPr lang="en-US" altLang="zh-CN"/>
+          </a:p>
+          <a:p>
+            <a:pPr lvl="3"/>
+            <a:r>
+              <a:rPr lang="en-US" altLang="zh-CN"/>
+              <a:t>f</a:t>
+            </a:r>
+            <a:r>
+              <a:rPr lang="en-US" altLang="zh-CN" sz="1600"/>
+              <a:t>rom https://github.com/lackovic/notes/blob/master/Windows/Windows%20Subsystem%20for%20Linux/config.xlaunch to your file system (save it in %AppData%\Microsoft\Windows\Start Menu\Programs\Startup if you want to make XLaunch automatically run at startup) and double click on it to run XLaunch</a:t>
+            </a:r>
+            <a:endParaRPr lang="en-US" altLang="zh-CN" sz="1600"/>
+          </a:p>
+          <a:p>
+            <a:pPr lvl="1"/>
+            <a:r>
+              <a:rPr lang="en-US" altLang="zh-CN"/>
+              <a:t>WSL</a:t>
+            </a:r>
+            <a:endParaRPr lang="en-US" altLang="zh-CN"/>
+          </a:p>
+          <a:p>
+            <a:pPr lvl="2"/>
+            <a:r>
+              <a:rPr lang="en-US" altLang="zh-CN"/>
+              <a:t>Add to ~/.profile</a:t>
+            </a:r>
+            <a:endParaRPr lang="en-US" altLang="zh-CN"/>
+          </a:p>
+          <a:p>
+            <a:pPr lvl="3"/>
+            <a:r>
+              <a:rPr lang="en-US" altLang="zh-CN" sz="1600"/>
+              <a:t>export DISPLAY=${DISPLAY:-$(grep -Po '(?&lt;=nameserver ).*' /etc/resolv.conf):0}</a:t>
+            </a:r>
+            <a:endParaRPr lang="en-US" altLang="zh-CN" sz="1600"/>
+          </a:p>
+          <a:p>
+            <a:pPr lvl="3"/>
+            <a:r>
+              <a:rPr lang="en-US" altLang="zh-CN" sz="1600"/>
+              <a:t>export LIBGL_ALWAYS_INDIRECT=1</a:t>
+            </a:r>
+            <a:endParaRPr lang="en-US" altLang="zh-CN" sz="1600"/>
+          </a:p>
+        </p:txBody>
+      </p:sp>
+      <p:pic>
+        <p:nvPicPr>
+          <p:cNvPr id="4" name="图片 3"/>
+          <p:cNvPicPr>
+            <a:picLocks noChangeAspect="1"/>
+          </p:cNvPicPr>
+          <p:nvPr/>
+        </p:nvPicPr>
+        <p:blipFill>
+          <a:blip r:embed="rId1"/>
+          <a:stretch>
+            <a:fillRect/>
+          </a:stretch>
+        </p:blipFill>
+        <p:spPr>
+          <a:xfrm>
+            <a:off x="8018145" y="824865"/>
+            <a:ext cx="4043680" cy="3188335"/>
+          </a:xfrm>
+          <a:prstGeom prst="rect">
+            <a:avLst/>
+          </a:prstGeom>
+        </p:spPr>
+      </p:pic>
+    </p:spTree>
+    <p:custDataLst>
+      <p:tags r:id="rId2"/>
+    </p:custDataLst>
+  </p:cSld>
+  <p:clrMapOvr>
+    <a:masterClrMapping/>
+  </p:clrMapOvr>
+</p:sld>
+</file>
+
+<file path=ppt/slides/slide5.xml><?xml version="1.0" encoding="utf-8"?>
+<p:sld xmlns:a="http://schemas.openxmlformats.org/drawingml/2006/main" xmlns:r="http://schemas.openxmlformats.org/officeDocument/2006/relationships" xmlns:p="http://schemas.openxmlformats.org/presentationml/2006/main">
+  <p:cSld>
+    <p:spTree>
+      <p:nvGrpSpPr>
+        <p:cNvPr id="1" name=""/>
+        <p:cNvGrpSpPr/>
+        <p:nvPr/>
+      </p:nvGrpSpPr>
+      <p:grpSpPr/>
+      <p:sp>
+        <p:nvSpPr>
+          <p:cNvPr id="2" name="标题 1"/>
+          <p:cNvSpPr>
+            <a:spLocks noGrp="1"/>
+          </p:cNvSpPr>
+          <p:nvPr>
+            <p:ph type="title"/>
+          </p:nvPr>
+        </p:nvSpPr>
+        <p:spPr/>
+        <p:txBody>
+          <a:bodyPr/>
+          <a:p>
+            <a:r>
+              <a:rPr lang="en-US" altLang="zh-CN"/>
+              <a:t>Access WSL files in Windows</a:t>
+            </a:r>
+            <a:endParaRPr lang="en-US" altLang="zh-CN"/>
+          </a:p>
+        </p:txBody>
+      </p:sp>
+      <p:sp>
+        <p:nvSpPr>
+          <p:cNvPr id="3" name="内容占位符 2"/>
+          <p:cNvSpPr>
+            <a:spLocks noGrp="1"/>
+          </p:cNvSpPr>
+          <p:nvPr>
+            <p:ph idx="1"/>
+          </p:nvPr>
+        </p:nvSpPr>
+        <p:spPr/>
+        <p:txBody>
+          <a:bodyPr/>
+          <a:p>
+            <a:r>
+              <a:rPr lang="en-US" altLang="zh-CN"/>
+              <a:t>In Explorer, input “\\wsl$”</a:t>
+            </a:r>
+            <a:endParaRPr lang="en-US" altLang="zh-CN"/>
+          </a:p>
+          <a:p>
+            <a:r>
+              <a:rPr lang="en-US" altLang="zh-CN"/>
+              <a:t>In WSL, input “explorer.exe .”</a:t>
+            </a:r>
+            <a:endParaRPr lang="en-US" altLang="zh-CN"/>
+          </a:p>
+        </p:txBody>
+      </p:sp>
+    </p:spTree>
+    <p:custDataLst>
+      <p:tags r:id="rId1"/>
+    </p:custDataLst>
+  </p:cSld>
+  <p:clrMapOvr>
+    <a:masterClrMapping/>
+  </p:clrMapOvr>
+</p:sld>
+</file>
+
+<file path=ppt/slides/slide6.xml><?xml version="1.0" encoding="utf-8"?>
+<p:sld xmlns:a="http://schemas.openxmlformats.org/drawingml/2006/main" xmlns:r="http://schemas.openxmlformats.org/officeDocument/2006/relationships" xmlns:p="http://schemas.openxmlformats.org/presentationml/2006/main">
+  <p:cSld>
+    <p:spTree>
+      <p:nvGrpSpPr>
+        <p:cNvPr id="1" name=""/>
+        <p:cNvGrpSpPr/>
+        <p:nvPr/>
+      </p:nvGrpSpPr>
+      <p:grpSpPr/>
+      <p:sp>
+        <p:nvSpPr>
+          <p:cNvPr id="2" name="标题 1"/>
+          <p:cNvSpPr>
+            <a:spLocks noGrp="1"/>
+          </p:cNvSpPr>
+          <p:nvPr>
+            <p:ph type="title"/>
+          </p:nvPr>
+        </p:nvSpPr>
+        <p:spPr/>
+        <p:txBody>
+          <a:bodyPr/>
+          <a:p>
+            <a:r>
+              <a:rPr lang="en-US" altLang="zh-CN"/>
               <a:t>GPU</a:t>
             </a:r>
             <a:endParaRPr lang="en-US" altLang="zh-CN"/>
@@ -4079,6 +4436,22 @@
 <file path=ppt/tags/tag1.xml><?xml version="1.0" encoding="utf-8"?>
 <p:tagLst xmlns:p="http://schemas.openxmlformats.org/presentationml/2006/main">
   <p:tag name="KSO_WM_TAG_VERSION" val="1.0"/>
+  <p:tag name="KSO_WM_TEMPLATE_CATEGORY" val="custom"/>
+  <p:tag name="KSO_WM_TEMPLATE_INDEX" val="160402"/>
+</p:tagLst>
+</file>
+
+<file path=ppt/tags/tag10.xml><?xml version="1.0" encoding="utf-8"?>
+<p:tagLst xmlns:p="http://schemas.openxmlformats.org/presentationml/2006/main">
+  <p:tag name="KSO_WM_BEAUTIFY_FLAG" val="#wm#"/>
+  <p:tag name="KSO_WM_TEMPLATE_CATEGORY" val="custom"/>
+  <p:tag name="KSO_WM_TEMPLATE_INDEX" val="160402"/>
+</p:tagLst>
+</file>
+
+<file path=ppt/tags/tag11.xml><?xml version="1.0" encoding="utf-8"?>
+<p:tagLst xmlns:p="http://schemas.openxmlformats.org/presentationml/2006/main">
+  <p:tag name="KSO_WM_BEAUTIFY_FLAG" val="#wm#"/>
   <p:tag name="KSO_WM_TEMPLATE_CATEGORY" val="custom"/>
   <p:tag name="KSO_WM_TEMPLATE_INDEX" val="160402"/>
 </p:tagLst>

--- a/Linux/WSL_Notes.pptx
+++ b/Linux/WSL_Notes.pptx
@@ -8,15 +8,16 @@
     <p:notesMasterId r:id="rId4"/>
   </p:notesMasterIdLst>
   <p:handoutMasterIdLst>
-    <p:handoutMasterId r:id="rId10"/>
+    <p:handoutMasterId r:id="rId11"/>
   </p:handoutMasterIdLst>
   <p:sldIdLst>
     <p:sldId id="256" r:id="rId3"/>
     <p:sldId id="258" r:id="rId5"/>
     <p:sldId id="257" r:id="rId6"/>
     <p:sldId id="261" r:id="rId7"/>
-    <p:sldId id="263" r:id="rId8"/>
-    <p:sldId id="259" r:id="rId9"/>
+    <p:sldId id="265" r:id="rId8"/>
+    <p:sldId id="263" r:id="rId9"/>
+    <p:sldId id="259" r:id="rId10"/>
   </p:sldIdLst>
   <p:sldSz cx="12192000" cy="6858000"/>
   <p:notesSz cx="6858000" cy="9144000"/>
@@ -3746,7 +3747,7 @@
         <p:spPr>
           <a:xfrm>
             <a:off x="1524000" y="5349875"/>
-            <a:ext cx="9144000" cy="732790"/>
+            <a:ext cx="9144000" cy="797560"/>
           </a:xfrm>
         </p:spPr>
         <p:txBody>
@@ -3767,10 +3768,10 @@
               <a:buSzPct val="100000"/>
             </a:pPr>
             <a:r>
-              <a:rPr lang="en-US" altLang="zh-CN" sz="1400" smtClean="0"/>
+              <a:rPr lang="en-US" altLang="zh-CN" sz="1600" smtClean="0"/>
               <a:t>Sparks Lu</a:t>
             </a:r>
-            <a:endParaRPr lang="en-US" altLang="zh-CN" sz="1400" smtClean="0"/>
+            <a:endParaRPr lang="en-US" altLang="zh-CN" sz="1600" smtClean="0"/>
           </a:p>
           <a:p>
             <a:pPr marL="0" indent="0" algn="ctr">
@@ -3786,10 +3787,10 @@
               <a:buSzPct val="100000"/>
             </a:pPr>
             <a:r>
-              <a:rPr lang="en-US" altLang="zh-CN" sz="1400" smtClean="0"/>
+              <a:rPr lang="en-US" altLang="zh-CN" sz="1600" smtClean="0"/>
               <a:t>Last updated: 5/2/2020</a:t>
             </a:r>
-            <a:endParaRPr lang="en-US" altLang="zh-CN" sz="1400" smtClean="0"/>
+            <a:endParaRPr lang="en-US" altLang="zh-CN" sz="1600" smtClean="0"/>
           </a:p>
         </p:txBody>
       </p:sp>
@@ -4315,6 +4316,252 @@
           <a:p>
             <a:r>
               <a:rPr lang="en-US" altLang="zh-CN"/>
+              <a:t>Run GUI Apps in WSL2</a:t>
+            </a:r>
+            <a:endParaRPr lang="en-US" altLang="zh-CN"/>
+          </a:p>
+        </p:txBody>
+      </p:sp>
+      <p:sp>
+        <p:nvSpPr>
+          <p:cNvPr id="3" name="内容占位符 2"/>
+          <p:cNvSpPr>
+            <a:spLocks noGrp="1"/>
+          </p:cNvSpPr>
+          <p:nvPr>
+            <p:ph idx="1"/>
+          </p:nvPr>
+        </p:nvSpPr>
+        <p:spPr>
+          <a:xfrm>
+            <a:off x="838200" y="1211580"/>
+            <a:ext cx="5078730" cy="4549140"/>
+          </a:xfrm>
+        </p:spPr>
+        <p:txBody>
+          <a:bodyPr/>
+          <a:p>
+            <a:r>
+              <a:rPr lang="en-US" altLang="zh-CN"/>
+              <a:t>References</a:t>
+            </a:r>
+            <a:endParaRPr lang="en-US" altLang="zh-CN"/>
+          </a:p>
+          <a:p>
+            <a:pPr lvl="1"/>
+            <a:r>
+              <a:rPr lang="en-US" altLang="zh-CN"/>
+              <a:t>https://skeptric.com/wsl2-xserver/</a:t>
+            </a:r>
+            <a:endParaRPr lang="en-US" altLang="zh-CN"/>
+          </a:p>
+          <a:p>
+            <a:pPr lvl="0"/>
+            <a:r>
+              <a:rPr lang="en-US" altLang="zh-CN"/>
+              <a:t>Steps</a:t>
+            </a:r>
+            <a:endParaRPr lang="en-US" altLang="zh-CN"/>
+          </a:p>
+          <a:p>
+            <a:pPr lvl="1"/>
+            <a:r>
+              <a:rPr lang="en-US" altLang="zh-CN"/>
+              <a:t>Allow WSL access via Windows Firefall</a:t>
+            </a:r>
+            <a:endParaRPr lang="en-US" altLang="zh-CN"/>
+          </a:p>
+          <a:p>
+            <a:pPr lvl="1"/>
+            <a:r>
+              <a:rPr lang="en-US" altLang="zh-CN"/>
+              <a:t>Enable public access from an X11 server when starting VcXsrv</a:t>
+            </a:r>
+            <a:endParaRPr lang="en-US" altLang="zh-CN"/>
+          </a:p>
+          <a:p>
+            <a:pPr lvl="1"/>
+            <a:r>
+              <a:rPr lang="en-US" altLang="zh-CN"/>
+              <a:t>Configure .bashrc</a:t>
+            </a:r>
+            <a:endParaRPr lang="en-US" altLang="zh-CN"/>
+          </a:p>
+          <a:p>
+            <a:pPr lvl="2"/>
+            <a:r>
+              <a:rPr lang="en-US" altLang="zh-CN"/>
+              <a:t>export DISPLAY=$(awk '/nameserver / {print $2; exit}' /etc/resolv.conf 2&gt;/dev/null):0</a:t>
+            </a:r>
+            <a:endParaRPr lang="en-US" altLang="zh-CN"/>
+          </a:p>
+          <a:p>
+            <a:pPr lvl="2"/>
+            <a:r>
+              <a:rPr lang="en-US" altLang="zh-CN"/>
+              <a:t>export LIBGL_ALWAYS_INDIRECT=1</a:t>
+            </a:r>
+            <a:endParaRPr lang="en-US" altLang="zh-CN"/>
+          </a:p>
+        </p:txBody>
+      </p:sp>
+      <p:pic>
+        <p:nvPicPr>
+          <p:cNvPr id="4" name="图片 3"/>
+          <p:cNvPicPr>
+            <a:picLocks noChangeAspect="1"/>
+          </p:cNvPicPr>
+          <p:nvPr/>
+        </p:nvPicPr>
+        <p:blipFill>
+          <a:blip r:embed="rId1"/>
+          <a:stretch>
+            <a:fillRect/>
+          </a:stretch>
+        </p:blipFill>
+        <p:spPr>
+          <a:xfrm>
+            <a:off x="5916930" y="1025525"/>
+            <a:ext cx="2924175" cy="3581400"/>
+          </a:xfrm>
+          <a:prstGeom prst="rect">
+            <a:avLst/>
+          </a:prstGeom>
+        </p:spPr>
+      </p:pic>
+      <p:pic>
+        <p:nvPicPr>
+          <p:cNvPr id="5" name="图片 4"/>
+          <p:cNvPicPr>
+            <a:picLocks noChangeAspect="1"/>
+          </p:cNvPicPr>
+          <p:nvPr/>
+        </p:nvPicPr>
+        <p:blipFill>
+          <a:blip r:embed="rId2"/>
+          <a:stretch>
+            <a:fillRect/>
+          </a:stretch>
+        </p:blipFill>
+        <p:spPr>
+          <a:xfrm>
+            <a:off x="9369425" y="1025525"/>
+            <a:ext cx="2390775" cy="1304925"/>
+          </a:xfrm>
+          <a:prstGeom prst="rect">
+            <a:avLst/>
+          </a:prstGeom>
+        </p:spPr>
+      </p:pic>
+      <p:pic>
+        <p:nvPicPr>
+          <p:cNvPr id="6" name="图片 5"/>
+          <p:cNvPicPr>
+            <a:picLocks noChangeAspect="1"/>
+          </p:cNvPicPr>
+          <p:nvPr/>
+        </p:nvPicPr>
+        <p:blipFill>
+          <a:blip r:embed="rId3"/>
+          <a:stretch>
+            <a:fillRect/>
+          </a:stretch>
+        </p:blipFill>
+        <p:spPr>
+          <a:xfrm>
+            <a:off x="5916930" y="4522470"/>
+            <a:ext cx="4263390" cy="2039620"/>
+          </a:xfrm>
+          <a:prstGeom prst="rect">
+            <a:avLst/>
+          </a:prstGeom>
+        </p:spPr>
+      </p:pic>
+      <p:pic>
+        <p:nvPicPr>
+          <p:cNvPr id="7" name="图片 6"/>
+          <p:cNvPicPr>
+            <a:picLocks noChangeAspect="1"/>
+          </p:cNvPicPr>
+          <p:nvPr/>
+        </p:nvPicPr>
+        <p:blipFill>
+          <a:blip r:embed="rId4"/>
+          <a:stretch>
+            <a:fillRect/>
+          </a:stretch>
+        </p:blipFill>
+        <p:spPr>
+          <a:xfrm>
+            <a:off x="9197340" y="2460625"/>
+            <a:ext cx="2734310" cy="2773680"/>
+          </a:xfrm>
+          <a:prstGeom prst="rect">
+            <a:avLst/>
+          </a:prstGeom>
+        </p:spPr>
+      </p:pic>
+      <p:pic>
+        <p:nvPicPr>
+          <p:cNvPr id="8" name="图片 7"/>
+          <p:cNvPicPr>
+            <a:picLocks noChangeAspect="1"/>
+          </p:cNvPicPr>
+          <p:nvPr/>
+        </p:nvPicPr>
+        <p:blipFill>
+          <a:blip r:embed="rId5"/>
+          <a:stretch>
+            <a:fillRect/>
+          </a:stretch>
+        </p:blipFill>
+        <p:spPr>
+          <a:xfrm>
+            <a:off x="9197340" y="4521200"/>
+            <a:ext cx="2959100" cy="2336800"/>
+          </a:xfrm>
+          <a:prstGeom prst="rect">
+            <a:avLst/>
+          </a:prstGeom>
+        </p:spPr>
+      </p:pic>
+    </p:spTree>
+    <p:custDataLst>
+      <p:tags r:id="rId6"/>
+    </p:custDataLst>
+  </p:cSld>
+  <p:clrMapOvr>
+    <a:masterClrMapping/>
+  </p:clrMapOvr>
+</p:sld>
+</file>
+
+<file path=ppt/slides/slide6.xml><?xml version="1.0" encoding="utf-8"?>
+<p:sld xmlns:a="http://schemas.openxmlformats.org/drawingml/2006/main" xmlns:r="http://schemas.openxmlformats.org/officeDocument/2006/relationships" xmlns:p="http://schemas.openxmlformats.org/presentationml/2006/main">
+  <p:cSld>
+    <p:spTree>
+      <p:nvGrpSpPr>
+        <p:cNvPr id="1" name=""/>
+        <p:cNvGrpSpPr/>
+        <p:nvPr/>
+      </p:nvGrpSpPr>
+      <p:grpSpPr/>
+      <p:sp>
+        <p:nvSpPr>
+          <p:cNvPr id="2" name="标题 1"/>
+          <p:cNvSpPr>
+            <a:spLocks noGrp="1"/>
+          </p:cNvSpPr>
+          <p:nvPr>
+            <p:ph type="title"/>
+          </p:nvPr>
+        </p:nvSpPr>
+        <p:spPr/>
+        <p:txBody>
+          <a:bodyPr/>
+          <a:p>
+            <a:r>
+              <a:rPr lang="en-US" altLang="zh-CN"/>
               <a:t>Access WSL files in Windows</a:t>
             </a:r>
             <a:endParaRPr lang="en-US" altLang="zh-CN"/>
@@ -4361,7 +4608,7 @@
 </p:sld>
 </file>
 
-<file path=ppt/slides/slide6.xml><?xml version="1.0" encoding="utf-8"?>
+<file path=ppt/slides/slide7.xml><?xml version="1.0" encoding="utf-8"?>
 <p:sld xmlns:a="http://schemas.openxmlformats.org/drawingml/2006/main" xmlns:r="http://schemas.openxmlformats.org/officeDocument/2006/relationships" xmlns:p="http://schemas.openxmlformats.org/presentationml/2006/main">
   <p:cSld>
     <p:spTree>
@@ -4450,6 +4697,14 @@
 </file>
 
 <file path=ppt/tags/tag11.xml><?xml version="1.0" encoding="utf-8"?>
+<p:tagLst xmlns:p="http://schemas.openxmlformats.org/presentationml/2006/main">
+  <p:tag name="KSO_WM_BEAUTIFY_FLAG" val="#wm#"/>
+  <p:tag name="KSO_WM_TEMPLATE_CATEGORY" val="custom"/>
+  <p:tag name="KSO_WM_TEMPLATE_INDEX" val="160402"/>
+</p:tagLst>
+</file>
+
+<file path=ppt/tags/tag12.xml><?xml version="1.0" encoding="utf-8"?>
 <p:tagLst xmlns:p="http://schemas.openxmlformats.org/presentationml/2006/main">
   <p:tag name="KSO_WM_BEAUTIFY_FLAG" val="#wm#"/>
   <p:tag name="KSO_WM_TEMPLATE_CATEGORY" val="custom"/>

--- a/Linux/WSL_Notes.pptx
+++ b/Linux/WSL_Notes.pptx
@@ -8,16 +8,21 @@
     <p:notesMasterId r:id="rId4"/>
   </p:notesMasterIdLst>
   <p:handoutMasterIdLst>
-    <p:handoutMasterId r:id="rId11"/>
+    <p:handoutMasterId r:id="rId16"/>
   </p:handoutMasterIdLst>
   <p:sldIdLst>
     <p:sldId id="256" r:id="rId3"/>
     <p:sldId id="258" r:id="rId5"/>
     <p:sldId id="257" r:id="rId6"/>
-    <p:sldId id="261" r:id="rId7"/>
-    <p:sldId id="265" r:id="rId8"/>
-    <p:sldId id="263" r:id="rId9"/>
-    <p:sldId id="259" r:id="rId10"/>
+    <p:sldId id="268" r:id="rId7"/>
+    <p:sldId id="261" r:id="rId8"/>
+    <p:sldId id="265" r:id="rId9"/>
+    <p:sldId id="263" r:id="rId10"/>
+    <p:sldId id="275" r:id="rId11"/>
+    <p:sldId id="259" r:id="rId12"/>
+    <p:sldId id="269" r:id="rId13"/>
+    <p:sldId id="274" r:id="rId14"/>
+    <p:sldId id="279" r:id="rId15"/>
   </p:sldIdLst>
   <p:sldSz cx="12192000" cy="6858000"/>
   <p:notesSz cx="6858000" cy="9144000"/>
@@ -3788,7 +3793,7 @@
             </a:pPr>
             <a:r>
               <a:rPr lang="en-US" altLang="zh-CN" sz="1600" smtClean="0"/>
-              <a:t>Last updated: 5/2/2020</a:t>
+              <a:t>Last updated: 1/27/2021</a:t>
             </a:r>
             <a:endParaRPr lang="en-US" altLang="zh-CN" sz="1600" smtClean="0"/>
           </a:p>
@@ -3797,6 +3802,212 @@
     </p:spTree>
     <p:custDataLst>
       <p:tags r:id="rId3"/>
+    </p:custDataLst>
+  </p:cSld>
+  <p:clrMapOvr>
+    <a:masterClrMapping/>
+  </p:clrMapOvr>
+</p:sld>
+</file>
+
+<file path=ppt/slides/slide10.xml><?xml version="1.0" encoding="utf-8"?>
+<p:sld xmlns:a="http://schemas.openxmlformats.org/drawingml/2006/main" xmlns:r="http://schemas.openxmlformats.org/officeDocument/2006/relationships" xmlns:p="http://schemas.openxmlformats.org/presentationml/2006/main">
+  <p:cSld>
+    <p:spTree>
+      <p:nvGrpSpPr>
+        <p:cNvPr id="1" name=""/>
+        <p:cNvGrpSpPr/>
+        <p:nvPr/>
+      </p:nvGrpSpPr>
+      <p:grpSpPr/>
+      <p:sp>
+        <p:nvSpPr>
+          <p:cNvPr id="2" name="标题 1"/>
+          <p:cNvSpPr>
+            <a:spLocks noGrp="1"/>
+          </p:cNvSpPr>
+          <p:nvPr>
+            <p:ph type="title"/>
+          </p:nvPr>
+        </p:nvSpPr>
+        <p:spPr/>
+        <p:txBody>
+          <a:bodyPr/>
+          <a:p>
+            <a:r>
+              <a:rPr lang="en-US" altLang="zh-CN"/>
+              <a:t>Audio</a:t>
+            </a:r>
+            <a:endParaRPr lang="en-US" altLang="zh-CN"/>
+          </a:p>
+        </p:txBody>
+      </p:sp>
+      <p:sp>
+        <p:nvSpPr>
+          <p:cNvPr id="3" name="内容占位符 2"/>
+          <p:cNvSpPr>
+            <a:spLocks noGrp="1"/>
+          </p:cNvSpPr>
+          <p:nvPr>
+            <p:ph idx="1"/>
+          </p:nvPr>
+        </p:nvSpPr>
+        <p:spPr/>
+        <p:txBody>
+          <a:bodyPr/>
+          <a:p>
+            <a:endParaRPr lang="en-US" altLang="zh-CN"/>
+          </a:p>
+        </p:txBody>
+      </p:sp>
+    </p:spTree>
+    <p:custDataLst>
+      <p:tags r:id="rId1"/>
+    </p:custDataLst>
+  </p:cSld>
+  <p:clrMapOvr>
+    <a:masterClrMapping/>
+  </p:clrMapOvr>
+</p:sld>
+</file>
+
+<file path=ppt/slides/slide11.xml><?xml version="1.0" encoding="utf-8"?>
+<p:sld xmlns:a="http://schemas.openxmlformats.org/drawingml/2006/main" xmlns:r="http://schemas.openxmlformats.org/officeDocument/2006/relationships" xmlns:p="http://schemas.openxmlformats.org/presentationml/2006/main">
+  <p:cSld>
+    <p:spTree>
+      <p:nvGrpSpPr>
+        <p:cNvPr id="1" name=""/>
+        <p:cNvGrpSpPr/>
+        <p:nvPr/>
+      </p:nvGrpSpPr>
+      <p:grpSpPr/>
+      <p:sp>
+        <p:nvSpPr>
+          <p:cNvPr id="2" name="标题 1"/>
+          <p:cNvSpPr>
+            <a:spLocks noGrp="1"/>
+          </p:cNvSpPr>
+          <p:nvPr>
+            <p:ph type="title"/>
+          </p:nvPr>
+        </p:nvSpPr>
+        <p:spPr/>
+        <p:txBody>
+          <a:bodyPr/>
+          <a:p>
+            <a:r>
+              <a:rPr lang="en-US" altLang="zh-CN"/>
+              <a:t>Commands</a:t>
+            </a:r>
+            <a:endParaRPr lang="en-US" altLang="zh-CN"/>
+          </a:p>
+        </p:txBody>
+      </p:sp>
+      <p:sp>
+        <p:nvSpPr>
+          <p:cNvPr id="3" name="内容占位符 2"/>
+          <p:cNvSpPr>
+            <a:spLocks noGrp="1"/>
+          </p:cNvSpPr>
+          <p:nvPr>
+            <p:ph idx="1"/>
+          </p:nvPr>
+        </p:nvSpPr>
+        <p:spPr/>
+        <p:txBody>
+          <a:bodyPr/>
+          <a:p>
+            <a:r>
+              <a:rPr lang="en-US" altLang="zh-CN"/>
+              <a:t>wsl -l 	// List distro</a:t>
+            </a:r>
+            <a:endParaRPr lang="en-US" altLang="zh-CN"/>
+          </a:p>
+          <a:p>
+            <a:r>
+              <a:rPr lang="en-US" altLang="zh-CN"/>
+              <a:t>wsl --unregister &lt;distroName&gt;</a:t>
+            </a:r>
+            <a:endParaRPr lang="en-US" altLang="zh-CN"/>
+          </a:p>
+        </p:txBody>
+      </p:sp>
+    </p:spTree>
+    <p:custDataLst>
+      <p:tags r:id="rId1"/>
+    </p:custDataLst>
+  </p:cSld>
+  <p:clrMapOvr>
+    <a:masterClrMapping/>
+  </p:clrMapOvr>
+</p:sld>
+</file>
+
+<file path=ppt/slides/slide12.xml><?xml version="1.0" encoding="utf-8"?>
+<p:sld xmlns:a="http://schemas.openxmlformats.org/drawingml/2006/main" xmlns:r="http://schemas.openxmlformats.org/officeDocument/2006/relationships" xmlns:p="http://schemas.openxmlformats.org/presentationml/2006/main">
+  <p:cSld>
+    <p:spTree>
+      <p:nvGrpSpPr>
+        <p:cNvPr id="1" name=""/>
+        <p:cNvGrpSpPr/>
+        <p:nvPr/>
+      </p:nvGrpSpPr>
+      <p:grpSpPr/>
+      <p:sp>
+        <p:nvSpPr>
+          <p:cNvPr id="2" name="标题 1"/>
+          <p:cNvSpPr>
+            <a:spLocks noGrp="1"/>
+          </p:cNvSpPr>
+          <p:nvPr>
+            <p:ph type="title"/>
+          </p:nvPr>
+        </p:nvSpPr>
+        <p:spPr/>
+        <p:txBody>
+          <a:bodyPr/>
+          <a:p>
+            <a:r>
+              <a:rPr lang="en-US" altLang="zh-CN"/>
+              <a:t>FAQ</a:t>
+            </a:r>
+            <a:endParaRPr lang="en-US" altLang="zh-CN"/>
+          </a:p>
+        </p:txBody>
+      </p:sp>
+      <p:sp>
+        <p:nvSpPr>
+          <p:cNvPr id="3" name="内容占位符 2"/>
+          <p:cNvSpPr>
+            <a:spLocks noGrp="1"/>
+          </p:cNvSpPr>
+          <p:nvPr>
+            <p:ph idx="1"/>
+          </p:nvPr>
+        </p:nvSpPr>
+        <p:spPr/>
+        <p:txBody>
+          <a:bodyPr/>
+          <a:p>
+            <a:r>
+              <a:rPr lang="zh-CN" altLang="en-US"/>
+              <a:t>System has not been booted with systemd as init system (PID 1). Can't operate.</a:t>
+            </a:r>
+            <a:endParaRPr lang="zh-CN" altLang="en-US"/>
+          </a:p>
+          <a:p>
+            <a:pPr lvl="1"/>
+            <a:r>
+              <a:rPr lang="en-US" altLang="zh-CN"/>
+              <a:t>Use “sudo service redis-server start” instead</a:t>
+            </a:r>
+            <a:endParaRPr lang="en-US" altLang="zh-CN"/>
+          </a:p>
+        </p:txBody>
+      </p:sp>
+    </p:spTree>
+    <p:custDataLst>
+      <p:tags r:id="rId1"/>
     </p:custDataLst>
   </p:cSld>
   <p:clrMapOvr>
@@ -3868,6 +4079,13 @@
             <a:r>
               <a:rPr lang="zh-CN" altLang="en-US"/>
               <a:t>https://github.com/lackovic/notes/tree/master/Windows/Windows%20Subsystem%20for%20Linux#use-chromedriver-in-wsl</a:t>
+            </a:r>
+            <a:endParaRPr lang="zh-CN" altLang="en-US"/>
+          </a:p>
+          <a:p>
+            <a:r>
+              <a:rPr lang="zh-CN" altLang="en-US"/>
+              <a:t>https://research.wmz.ninja/articles/2017/11/setting-up-wsl-with-graphics-and-audio.html</a:t>
             </a:r>
             <a:endParaRPr lang="zh-CN" altLang="en-US"/>
           </a:p>
@@ -4087,6 +4305,87 @@
 </file>
 
 <file path=ppt/slides/slide4.xml><?xml version="1.0" encoding="utf-8"?>
+<p:sld xmlns:a="http://schemas.openxmlformats.org/drawingml/2006/main" xmlns:r="http://schemas.openxmlformats.org/officeDocument/2006/relationships" xmlns:p="http://schemas.openxmlformats.org/presentationml/2006/main">
+  <p:cSld>
+    <p:spTree>
+      <p:nvGrpSpPr>
+        <p:cNvPr id="1" name=""/>
+        <p:cNvGrpSpPr/>
+        <p:nvPr/>
+      </p:nvGrpSpPr>
+      <p:grpSpPr/>
+      <p:sp>
+        <p:nvSpPr>
+          <p:cNvPr id="2" name="标题 1"/>
+          <p:cNvSpPr>
+            <a:spLocks noGrp="1"/>
+          </p:cNvSpPr>
+          <p:nvPr>
+            <p:ph type="title"/>
+          </p:nvPr>
+        </p:nvSpPr>
+        <p:spPr/>
+        <p:txBody>
+          <a:bodyPr/>
+          <a:p>
+            <a:r>
+              <a:rPr lang="en-US" altLang="zh-CN"/>
+              <a:t>Storage</a:t>
+            </a:r>
+            <a:endParaRPr lang="en-US" altLang="zh-CN"/>
+          </a:p>
+        </p:txBody>
+      </p:sp>
+      <p:sp>
+        <p:nvSpPr>
+          <p:cNvPr id="3" name="内容占位符 2"/>
+          <p:cNvSpPr>
+            <a:spLocks noGrp="1"/>
+          </p:cNvSpPr>
+          <p:nvPr>
+            <p:ph idx="1"/>
+          </p:nvPr>
+        </p:nvSpPr>
+        <p:spPr/>
+        <p:txBody>
+          <a:bodyPr/>
+          <a:p>
+            <a:r>
+              <a:rPr lang="zh-CN" altLang="en-US"/>
+              <a:t>C:\Users\</a:t>
+            </a:r>
+            <a:r>
+              <a:rPr lang="en-US" altLang="zh-CN"/>
+              <a:t>{username}</a:t>
+            </a:r>
+            <a:r>
+              <a:rPr lang="zh-CN" altLang="en-US"/>
+              <a:t>\AppData\Local\Packages</a:t>
+            </a:r>
+            <a:endParaRPr lang="zh-CN" altLang="en-US"/>
+          </a:p>
+          <a:p>
+            <a:pPr lvl="1"/>
+            <a:r>
+              <a:rPr lang="zh-CN" altLang="en-US"/>
+              <a:t>CanonicalGroupLimited.Ubuntu18.04onWindows_79rhkp1fndgsc</a:t>
+            </a:r>
+            <a:endParaRPr lang="zh-CN" altLang="en-US"/>
+          </a:p>
+        </p:txBody>
+      </p:sp>
+    </p:spTree>
+    <p:custDataLst>
+      <p:tags r:id="rId1"/>
+    </p:custDataLst>
+  </p:cSld>
+  <p:clrMapOvr>
+    <a:masterClrMapping/>
+  </p:clrMapOvr>
+</p:sld>
+</file>
+
+<file path=ppt/slides/slide5.xml><?xml version="1.0" encoding="utf-8"?>
 <p:sld xmlns:a="http://schemas.openxmlformats.org/drawingml/2006/main" xmlns:r="http://schemas.openxmlformats.org/officeDocument/2006/relationships" xmlns:p="http://schemas.openxmlformats.org/presentationml/2006/main">
   <p:cSld>
     <p:spTree>
@@ -4290,7 +4589,7 @@
 </p:sld>
 </file>
 
-<file path=ppt/slides/slide5.xml><?xml version="1.0" encoding="utf-8"?>
+<file path=ppt/slides/slide6.xml><?xml version="1.0" encoding="utf-8"?>
 <p:sld xmlns:a="http://schemas.openxmlformats.org/drawingml/2006/main" xmlns:r="http://schemas.openxmlformats.org/officeDocument/2006/relationships" xmlns:p="http://schemas.openxmlformats.org/presentationml/2006/main">
   <p:cSld>
     <p:spTree>
@@ -4536,7 +4835,7 @@
 </p:sld>
 </file>
 
-<file path=ppt/slides/slide6.xml><?xml version="1.0" encoding="utf-8"?>
+<file path=ppt/slides/slide7.xml><?xml version="1.0" encoding="utf-8"?>
 <p:sld xmlns:a="http://schemas.openxmlformats.org/drawingml/2006/main" xmlns:r="http://schemas.openxmlformats.org/officeDocument/2006/relationships" xmlns:p="http://schemas.openxmlformats.org/presentationml/2006/main">
   <p:cSld>
     <p:spTree>
@@ -4608,7 +4907,7 @@
 </p:sld>
 </file>
 
-<file path=ppt/slides/slide7.xml><?xml version="1.0" encoding="utf-8"?>
+<file path=ppt/slides/slide8.xml><?xml version="1.0" encoding="utf-8"?>
 <p:sld xmlns:a="http://schemas.openxmlformats.org/drawingml/2006/main" xmlns:r="http://schemas.openxmlformats.org/officeDocument/2006/relationships" xmlns:p="http://schemas.openxmlformats.org/presentationml/2006/main">
   <p:cSld>
     <p:spTree>
@@ -4634,6 +4933,79 @@
           <a:p>
             <a:r>
               <a:rPr lang="en-US" altLang="zh-CN"/>
+              <a:t>Network</a:t>
+            </a:r>
+            <a:endParaRPr lang="en-US" altLang="zh-CN"/>
+          </a:p>
+        </p:txBody>
+      </p:sp>
+      <p:sp>
+        <p:nvSpPr>
+          <p:cNvPr id="3" name="内容占位符 2"/>
+          <p:cNvSpPr>
+            <a:spLocks noGrp="1"/>
+          </p:cNvSpPr>
+          <p:nvPr>
+            <p:ph idx="1"/>
+          </p:nvPr>
+        </p:nvSpPr>
+        <p:spPr/>
+        <p:txBody>
+          <a:bodyPr/>
+          <a:p>
+            <a:r>
+              <a:rPr lang="en-US" altLang="zh-CN"/>
+              <a:t>Access Windows local host</a:t>
+            </a:r>
+            <a:endParaRPr lang="en-US" altLang="zh-CN"/>
+          </a:p>
+          <a:p>
+            <a:pPr lvl="1"/>
+            <a:r>
+              <a:rPr lang="en-US" altLang="zh-CN"/>
+              <a:t>cat /etc/resolve.conf</a:t>
+            </a:r>
+            <a:endParaRPr lang="en-US" altLang="zh-CN"/>
+          </a:p>
+        </p:txBody>
+      </p:sp>
+    </p:spTree>
+    <p:custDataLst>
+      <p:tags r:id="rId1"/>
+    </p:custDataLst>
+  </p:cSld>
+  <p:clrMapOvr>
+    <a:masterClrMapping/>
+  </p:clrMapOvr>
+</p:sld>
+</file>
+
+<file path=ppt/slides/slide9.xml><?xml version="1.0" encoding="utf-8"?>
+<p:sld xmlns:a="http://schemas.openxmlformats.org/drawingml/2006/main" xmlns:r="http://schemas.openxmlformats.org/officeDocument/2006/relationships" xmlns:p="http://schemas.openxmlformats.org/presentationml/2006/main">
+  <p:cSld>
+    <p:spTree>
+      <p:nvGrpSpPr>
+        <p:cNvPr id="1" name=""/>
+        <p:cNvGrpSpPr/>
+        <p:nvPr/>
+      </p:nvGrpSpPr>
+      <p:grpSpPr/>
+      <p:sp>
+        <p:nvSpPr>
+          <p:cNvPr id="2" name="标题 1"/>
+          <p:cNvSpPr>
+            <a:spLocks noGrp="1"/>
+          </p:cNvSpPr>
+          <p:nvPr>
+            <p:ph type="title"/>
+          </p:nvPr>
+        </p:nvSpPr>
+        <p:spPr/>
+        <p:txBody>
+          <a:bodyPr/>
+          <a:p>
+            <a:r>
+              <a:rPr lang="en-US" altLang="zh-CN"/>
               <a:t>GPU</a:t>
             </a:r>
             <a:endParaRPr lang="en-US" altLang="zh-CN"/>
@@ -4664,6 +5036,21 @@
             <a:r>
               <a:rPr lang="en-US" altLang="zh-CN"/>
               <a:t>glxinfo | grep “OpenGL”</a:t>
+            </a:r>
+            <a:endParaRPr lang="en-US" altLang="zh-CN"/>
+          </a:p>
+          <a:p>
+            <a:r>
+              <a:rPr lang="en-US" altLang="zh-CN"/>
+              <a:t>sudo apt install mesa-utils</a:t>
+            </a:r>
+            <a:endParaRPr lang="en-US" altLang="zh-CN"/>
+          </a:p>
+          <a:p>
+            <a:pPr lvl="1"/>
+            <a:r>
+              <a:rPr lang="en-US" altLang="zh-CN"/>
+              <a:t>glxgears -info</a:t>
             </a:r>
             <a:endParaRPr lang="en-US" altLang="zh-CN"/>
           </a:p>
@@ -4705,6 +5092,46 @@
 </file>
 
 <file path=ppt/tags/tag12.xml><?xml version="1.0" encoding="utf-8"?>
+<p:tagLst xmlns:p="http://schemas.openxmlformats.org/presentationml/2006/main">
+  <p:tag name="KSO_WM_BEAUTIFY_FLAG" val="#wm#"/>
+  <p:tag name="KSO_WM_TEMPLATE_CATEGORY" val="custom"/>
+  <p:tag name="KSO_WM_TEMPLATE_INDEX" val="160402"/>
+</p:tagLst>
+</file>
+
+<file path=ppt/tags/tag13.xml><?xml version="1.0" encoding="utf-8"?>
+<p:tagLst xmlns:p="http://schemas.openxmlformats.org/presentationml/2006/main">
+  <p:tag name="KSO_WM_BEAUTIFY_FLAG" val="#wm#"/>
+  <p:tag name="KSO_WM_TEMPLATE_CATEGORY" val="custom"/>
+  <p:tag name="KSO_WM_TEMPLATE_INDEX" val="160402"/>
+</p:tagLst>
+</file>
+
+<file path=ppt/tags/tag14.xml><?xml version="1.0" encoding="utf-8"?>
+<p:tagLst xmlns:p="http://schemas.openxmlformats.org/presentationml/2006/main">
+  <p:tag name="KSO_WM_BEAUTIFY_FLAG" val="#wm#"/>
+  <p:tag name="KSO_WM_TEMPLATE_CATEGORY" val="custom"/>
+  <p:tag name="KSO_WM_TEMPLATE_INDEX" val="160402"/>
+</p:tagLst>
+</file>
+
+<file path=ppt/tags/tag15.xml><?xml version="1.0" encoding="utf-8"?>
+<p:tagLst xmlns:p="http://schemas.openxmlformats.org/presentationml/2006/main">
+  <p:tag name="KSO_WM_BEAUTIFY_FLAG" val="#wm#"/>
+  <p:tag name="KSO_WM_TEMPLATE_CATEGORY" val="custom"/>
+  <p:tag name="KSO_WM_TEMPLATE_INDEX" val="160402"/>
+</p:tagLst>
+</file>
+
+<file path=ppt/tags/tag16.xml><?xml version="1.0" encoding="utf-8"?>
+<p:tagLst xmlns:p="http://schemas.openxmlformats.org/presentationml/2006/main">
+  <p:tag name="KSO_WM_BEAUTIFY_FLAG" val="#wm#"/>
+  <p:tag name="KSO_WM_TEMPLATE_CATEGORY" val="custom"/>
+  <p:tag name="KSO_WM_TEMPLATE_INDEX" val="160402"/>
+</p:tagLst>
+</file>
+
+<file path=ppt/tags/tag17.xml><?xml version="1.0" encoding="utf-8"?>
 <p:tagLst xmlns:p="http://schemas.openxmlformats.org/presentationml/2006/main">
   <p:tag name="KSO_WM_BEAUTIFY_FLAG" val="#wm#"/>
   <p:tag name="KSO_WM_TEMPLATE_CATEGORY" val="custom"/>

--- a/Linux/WSL_Notes.pptx
+++ b/Linux/WSL_Notes.pptx
@@ -4189,7 +4189,15 @@
             <a:pPr lvl="1"/>
             <a:r>
               <a:rPr lang="en-US" altLang="zh-CN"/>
-              <a:t>Run “wsl -l -v” to determine version 1/2</a:t>
+              <a:t>Run “</a:t>
+            </a:r>
+            <a:r>
+              <a:rPr lang="en-US" altLang="zh-CN" b="1"/>
+              <a:t>wsl -l -v</a:t>
+            </a:r>
+            <a:r>
+              <a:rPr lang="en-US" altLang="zh-CN"/>
+              <a:t>” to determine version 1/2</a:t>
             </a:r>
             <a:endParaRPr lang="en-US" altLang="zh-CN"/>
           </a:p>
@@ -4371,6 +4379,58 @@
               <a:t>CanonicalGroupLimited.Ubuntu18.04onWindows_79rhkp1fndgsc</a:t>
             </a:r>
             <a:endParaRPr lang="zh-CN" altLang="en-US"/>
+          </a:p>
+          <a:p>
+            <a:pPr lvl="0"/>
+            <a:r>
+              <a:rPr lang="en-US" altLang="zh-CN"/>
+              <a:t>Disk in Linux</a:t>
+            </a:r>
+            <a:endParaRPr lang="en-US" altLang="zh-CN"/>
+          </a:p>
+          <a:p>
+            <a:pPr lvl="1"/>
+            <a:r>
+              <a:rPr lang="en-US" altLang="zh-CN"/>
+              <a:t>C:\Windows\WinSxS\amd64_microsoft-windows-lxss-vm-mode_31bf3856ad364e35_10.0.18362.1049_none_dc51d333d925c283\ext4.vhdx.gz</a:t>
+            </a:r>
+            <a:endParaRPr lang="en-US" altLang="zh-CN"/>
+          </a:p>
+          <a:p>
+            <a:pPr lvl="0"/>
+            <a:r>
+              <a:rPr lang="en-US" altLang="zh-CN"/>
+              <a:t>Shrink disk size in Linux</a:t>
+            </a:r>
+            <a:endParaRPr lang="en-US" altLang="zh-CN"/>
+          </a:p>
+          <a:p>
+            <a:pPr lvl="1"/>
+            <a:r>
+              <a:rPr lang="en-US" altLang="zh-CN"/>
+              <a:t>References: https://stephenreescarter.net/how-to-shrink-a-wsl2-virtual-disk/</a:t>
+            </a:r>
+            <a:endParaRPr lang="en-US" altLang="zh-CN"/>
+          </a:p>
+          <a:p>
+            <a:pPr lvl="1"/>
+            <a:r>
+              <a:rPr lang="en-US" altLang="zh-CN"/>
+              <a:t>wsl -l -v</a:t>
+            </a:r>
+            <a:endParaRPr lang="en-US" altLang="zh-CN"/>
+          </a:p>
+          <a:p>
+            <a:pPr lvl="1"/>
+            <a:r>
+              <a:rPr lang="en-US" altLang="zh-CN"/>
+              <a:t>wsl --terminate {Ubuntu-18.04}</a:t>
+            </a:r>
+            <a:endParaRPr lang="en-US" altLang="zh-CN"/>
+          </a:p>
+          <a:p>
+            <a:pPr lvl="1"/>
+            <a:endParaRPr lang="en-US" altLang="zh-CN"/>
           </a:p>
         </p:txBody>
       </p:sp>

--- a/Linux/WSL_Notes.pptx
+++ b/Linux/WSL_Notes.pptx
@@ -8,7 +8,7 @@
     <p:notesMasterId r:id="rId4"/>
   </p:notesMasterIdLst>
   <p:handoutMasterIdLst>
-    <p:handoutMasterId r:id="rId16"/>
+    <p:handoutMasterId r:id="rId17"/>
   </p:handoutMasterIdLst>
   <p:sldIdLst>
     <p:sldId id="256" r:id="rId3"/>
@@ -22,10 +22,14 @@
     <p:sldId id="259" r:id="rId12"/>
     <p:sldId id="269" r:id="rId13"/>
     <p:sldId id="274" r:id="rId14"/>
-    <p:sldId id="279" r:id="rId15"/>
+    <p:sldId id="280" r:id="rId15"/>
+    <p:sldId id="279" r:id="rId16"/>
   </p:sldIdLst>
   <p:sldSz cx="12192000" cy="6858000"/>
   <p:notesSz cx="6858000" cy="9144000"/>
+  <p:custDataLst>
+    <p:tags r:id="rId21"/>
+  </p:custDataLst>
   <p:defaultTextStyle>
     <a:defPPr>
       <a:defRPr lang="zh-CN"/>
@@ -3930,6 +3934,20 @@
             </a:r>
             <a:endParaRPr lang="en-US" altLang="zh-CN"/>
           </a:p>
+          <a:p>
+            <a:r>
+              <a:rPr lang="en-US" altLang="zh-CN"/>
+              <a:t>wsl -l -v</a:t>
+            </a:r>
+            <a:endParaRPr lang="en-US" altLang="zh-CN"/>
+          </a:p>
+          <a:p>
+            <a:r>
+              <a:rPr lang="en-US" altLang="zh-CN"/>
+              <a:t>wsl --terminate {distro-name}</a:t>
+            </a:r>
+            <a:endParaRPr lang="en-US" altLang="zh-CN"/>
+          </a:p>
         </p:txBody>
       </p:sp>
     </p:spTree>
@@ -3969,6 +3987,197 @@
           <a:p>
             <a:r>
               <a:rPr lang="en-US" altLang="zh-CN"/>
+              <a:t>Change Swap Size</a:t>
+            </a:r>
+            <a:endParaRPr lang="en-US" altLang="zh-CN"/>
+          </a:p>
+        </p:txBody>
+      </p:sp>
+      <p:sp>
+        <p:nvSpPr>
+          <p:cNvPr id="3" name="内容占位符 2"/>
+          <p:cNvSpPr>
+            <a:spLocks noGrp="1"/>
+          </p:cNvSpPr>
+          <p:nvPr>
+            <p:ph idx="1"/>
+          </p:nvPr>
+        </p:nvSpPr>
+        <p:spPr>
+          <a:xfrm>
+            <a:off x="838200" y="1211580"/>
+            <a:ext cx="4709795" cy="4549140"/>
+          </a:xfrm>
+        </p:spPr>
+        <p:txBody>
+          <a:bodyPr/>
+          <a:p>
+            <a:r>
+              <a:rPr lang="en-US" altLang="zh-CN"/>
+              <a:t>wsl --shutdown</a:t>
+            </a:r>
+            <a:endParaRPr lang="en-US" altLang="zh-CN"/>
+          </a:p>
+          <a:p>
+            <a:r>
+              <a:rPr lang="en-US" altLang="zh-CN"/>
+              <a:t>Copy .wslconfig to Windows $HOME</a:t>
+            </a:r>
+            <a:endParaRPr lang="en-US" altLang="zh-CN"/>
+          </a:p>
+          <a:p>
+            <a:pPr lvl="1"/>
+            <a:r>
+              <a:rPr lang="en-US" altLang="zh-CN"/>
+              <a:t>C:/Users/{username}/</a:t>
+            </a:r>
+            <a:endParaRPr lang="en-US" altLang="zh-CN"/>
+          </a:p>
+        </p:txBody>
+      </p:sp>
+      <p:sp>
+        <p:nvSpPr>
+          <p:cNvPr id="4" name="文本框 3"/>
+          <p:cNvSpPr txBox="1"/>
+          <p:nvPr/>
+        </p:nvSpPr>
+        <p:spPr>
+          <a:xfrm>
+            <a:off x="6727190" y="1290320"/>
+            <a:ext cx="4626610" cy="4030980"/>
+          </a:xfrm>
+          <a:prstGeom prst="rect">
+            <a:avLst/>
+          </a:prstGeom>
+          <a:noFill/>
+          <a:ln>
+            <a:solidFill>
+              <a:srgbClr val="C00000"/>
+            </a:solidFill>
+          </a:ln>
+        </p:spPr>
+        <p:txBody>
+          <a:bodyPr wrap="square" rtlCol="0">
+            <a:spAutoFit/>
+          </a:bodyPr>
+          <a:p>
+            <a:r>
+              <a:rPr lang="zh-CN" altLang="en-US" sz="1600"/>
+              <a:t># Settings apply across all Linux distros running on WSL 2</a:t>
+            </a:r>
+            <a:endParaRPr lang="zh-CN" altLang="en-US" sz="1600"/>
+          </a:p>
+          <a:p>
+            <a:r>
+              <a:rPr lang="zh-CN" altLang="en-US" sz="1600"/>
+              <a:t># Can see memory in wsl2 with "free -m"</a:t>
+            </a:r>
+            <a:endParaRPr lang="zh-CN" altLang="en-US" sz="1600"/>
+          </a:p>
+          <a:p>
+            <a:r>
+              <a:rPr lang="zh-CN" altLang="en-US" sz="1600"/>
+              <a:t># Goes in windows home directory as .wslconfig</a:t>
+            </a:r>
+            <a:endParaRPr lang="zh-CN" altLang="en-US" sz="1600"/>
+          </a:p>
+          <a:p>
+            <a:r>
+              <a:rPr lang="zh-CN" altLang="en-US" sz="1600"/>
+              <a:t>[wsl2]</a:t>
+            </a:r>
+            <a:endParaRPr lang="zh-CN" altLang="en-US" sz="1600"/>
+          </a:p>
+          <a:p>
+            <a:endParaRPr lang="zh-CN" altLang="en-US" sz="1600"/>
+          </a:p>
+          <a:p>
+            <a:r>
+              <a:rPr lang="zh-CN" altLang="en-US" sz="1600"/>
+              <a:t># Limits VM memory to use no more than 48 GB, defaults to 50% of ram</a:t>
+            </a:r>
+            <a:endParaRPr lang="zh-CN" altLang="en-US" sz="1600"/>
+          </a:p>
+          <a:p>
+            <a:r>
+              <a:rPr lang="zh-CN" altLang="en-US" sz="1600"/>
+              <a:t>memory=48GB</a:t>
+            </a:r>
+            <a:endParaRPr lang="zh-CN" altLang="en-US" sz="1600"/>
+          </a:p>
+          <a:p>
+            <a:endParaRPr lang="zh-CN" altLang="en-US" sz="1600"/>
+          </a:p>
+          <a:p>
+            <a:r>
+              <a:rPr lang="zh-CN" altLang="en-US" sz="1600"/>
+              <a:t># Sets the VM to use 8 virtual processors</a:t>
+            </a:r>
+            <a:endParaRPr lang="zh-CN" altLang="en-US" sz="1600"/>
+          </a:p>
+          <a:p>
+            <a:r>
+              <a:rPr lang="zh-CN" altLang="en-US" sz="1600"/>
+              <a:t>processors=8</a:t>
+            </a:r>
+            <a:endParaRPr lang="zh-CN" altLang="en-US" sz="1600"/>
+          </a:p>
+          <a:p>
+            <a:endParaRPr lang="zh-CN" altLang="en-US" sz="1600"/>
+          </a:p>
+          <a:p>
+            <a:r>
+              <a:rPr lang="zh-CN" altLang="en-US" sz="1600"/>
+              <a:t># Sets the amount of swap storage space to 8GB, default is 25% of available RAM</a:t>
+            </a:r>
+            <a:endParaRPr lang="zh-CN" altLang="en-US" sz="1600"/>
+          </a:p>
+          <a:p>
+            <a:r>
+              <a:rPr lang="zh-CN" altLang="en-US" sz="1600"/>
+              <a:t>swap=16GB</a:t>
+            </a:r>
+            <a:endParaRPr lang="zh-CN" altLang="en-US" sz="1600"/>
+          </a:p>
+        </p:txBody>
+      </p:sp>
+    </p:spTree>
+    <p:custDataLst>
+      <p:tags r:id="rId1"/>
+    </p:custDataLst>
+  </p:cSld>
+  <p:clrMapOvr>
+    <a:masterClrMapping/>
+  </p:clrMapOvr>
+</p:sld>
+</file>
+
+<file path=ppt/slides/slide13.xml><?xml version="1.0" encoding="utf-8"?>
+<p:sld xmlns:a="http://schemas.openxmlformats.org/drawingml/2006/main" xmlns:r="http://schemas.openxmlformats.org/officeDocument/2006/relationships" xmlns:p="http://schemas.openxmlformats.org/presentationml/2006/main">
+  <p:cSld>
+    <p:spTree>
+      <p:nvGrpSpPr>
+        <p:cNvPr id="1" name=""/>
+        <p:cNvGrpSpPr/>
+        <p:nvPr/>
+      </p:nvGrpSpPr>
+      <p:grpSpPr/>
+      <p:sp>
+        <p:nvSpPr>
+          <p:cNvPr id="2" name="标题 1"/>
+          <p:cNvSpPr>
+            <a:spLocks noGrp="1"/>
+          </p:cNvSpPr>
+          <p:nvPr>
+            <p:ph type="title"/>
+          </p:nvPr>
+        </p:nvSpPr>
+        <p:spPr/>
+        <p:txBody>
+          <a:bodyPr/>
+          <a:p>
+            <a:r>
+              <a:rPr lang="en-US" altLang="zh-CN"/>
               <a:t>FAQ</a:t>
             </a:r>
             <a:endParaRPr lang="en-US" altLang="zh-CN"/>
@@ -4354,83 +4563,134 @@
             <p:ph idx="1"/>
           </p:nvPr>
         </p:nvSpPr>
-        <p:spPr/>
-        <p:txBody>
-          <a:bodyPr/>
-          <a:p>
-            <a:r>
-              <a:rPr lang="zh-CN" altLang="en-US"/>
+        <p:spPr>
+          <a:xfrm>
+            <a:off x="838200" y="1211580"/>
+            <a:ext cx="10515600" cy="5026660"/>
+          </a:xfrm>
+        </p:spPr>
+        <p:txBody>
+          <a:bodyPr>
+            <a:normAutofit/>
+          </a:bodyPr>
+          <a:p>
+            <a:r>
+              <a:rPr lang="zh-CN" altLang="en-US" sz="2000"/>
               <a:t>C:\Users\</a:t>
             </a:r>
             <a:r>
-              <a:rPr lang="en-US" altLang="zh-CN"/>
+              <a:rPr lang="en-US" altLang="zh-CN" sz="2000"/>
               <a:t>{username}</a:t>
             </a:r>
             <a:r>
-              <a:rPr lang="zh-CN" altLang="en-US"/>
+              <a:rPr lang="zh-CN" altLang="en-US" sz="2000"/>
               <a:t>\AppData\Local\Packages</a:t>
             </a:r>
-            <a:endParaRPr lang="zh-CN" altLang="en-US"/>
+            <a:endParaRPr lang="zh-CN" altLang="en-US" sz="2000"/>
           </a:p>
           <a:p>
             <a:pPr lvl="1"/>
             <a:r>
-              <a:rPr lang="zh-CN" altLang="en-US"/>
+              <a:rPr lang="zh-CN" altLang="en-US" sz="1800"/>
               <a:t>CanonicalGroupLimited.Ubuntu18.04onWindows_79rhkp1fndgsc</a:t>
             </a:r>
-            <a:endParaRPr lang="zh-CN" altLang="en-US"/>
+            <a:endParaRPr lang="zh-CN" altLang="en-US" sz="1800"/>
           </a:p>
           <a:p>
             <a:pPr lvl="0"/>
             <a:r>
-              <a:rPr lang="en-US" altLang="zh-CN"/>
+              <a:rPr lang="en-US" altLang="zh-CN" sz="2000"/>
               <a:t>Disk in Linux</a:t>
             </a:r>
-            <a:endParaRPr lang="en-US" altLang="zh-CN"/>
+            <a:endParaRPr lang="en-US" altLang="zh-CN" sz="2000"/>
           </a:p>
           <a:p>
             <a:pPr lvl="1"/>
             <a:r>
-              <a:rPr lang="en-US" altLang="zh-CN"/>
+              <a:rPr lang="en-US" altLang="zh-CN" sz="1800"/>
               <a:t>C:\Windows\WinSxS\amd64_microsoft-windows-lxss-vm-mode_31bf3856ad364e35_10.0.18362.1049_none_dc51d333d925c283\ext4.vhdx.gz</a:t>
             </a:r>
-            <a:endParaRPr lang="en-US" altLang="zh-CN"/>
+            <a:endParaRPr lang="en-US" altLang="zh-CN" sz="1800"/>
           </a:p>
           <a:p>
             <a:pPr lvl="0"/>
             <a:r>
-              <a:rPr lang="en-US" altLang="zh-CN"/>
+              <a:rPr lang="en-US" altLang="zh-CN" sz="2000"/>
               <a:t>Shrink disk size in Linux</a:t>
             </a:r>
-            <a:endParaRPr lang="en-US" altLang="zh-CN"/>
+            <a:endParaRPr lang="en-US" altLang="zh-CN" sz="2000"/>
           </a:p>
           <a:p>
             <a:pPr lvl="1"/>
             <a:r>
-              <a:rPr lang="en-US" altLang="zh-CN"/>
+              <a:rPr lang="en-US" altLang="zh-CN" sz="1800"/>
               <a:t>References: https://stephenreescarter.net/how-to-shrink-a-wsl2-virtual-disk/</a:t>
             </a:r>
-            <a:endParaRPr lang="en-US" altLang="zh-CN"/>
+            <a:endParaRPr lang="en-US" altLang="zh-CN" sz="1800"/>
           </a:p>
           <a:p>
             <a:pPr lvl="1"/>
             <a:r>
-              <a:rPr lang="en-US" altLang="zh-CN"/>
+              <a:rPr lang="en-US" altLang="zh-CN" sz="1800"/>
               <a:t>wsl -l -v</a:t>
             </a:r>
-            <a:endParaRPr lang="en-US" altLang="zh-CN"/>
+            <a:endParaRPr lang="en-US" altLang="zh-CN" sz="1800"/>
           </a:p>
           <a:p>
             <a:pPr lvl="1"/>
             <a:r>
-              <a:rPr lang="en-US" altLang="zh-CN"/>
+              <a:rPr lang="en-US" altLang="zh-CN" sz="1800"/>
               <a:t>wsl --terminate {Ubuntu-18.04}</a:t>
             </a:r>
-            <a:endParaRPr lang="en-US" altLang="zh-CN"/>
+            <a:endParaRPr lang="en-US" altLang="zh-CN" sz="1800"/>
           </a:p>
           <a:p>
             <a:pPr lvl="1"/>
-            <a:endParaRPr lang="en-US" altLang="zh-CN"/>
+            <a:r>
+              <a:rPr lang="en-US" altLang="zh-CN" sz="1800"/>
+              <a:t>diskpart</a:t>
+            </a:r>
+            <a:endParaRPr lang="en-US" altLang="zh-CN" sz="1800"/>
+          </a:p>
+          <a:p>
+            <a:pPr lvl="2"/>
+            <a:r>
+              <a:rPr lang="en-US" altLang="zh-CN" sz="1600"/>
+              <a:t>select vdisk file="&lt;PATH-TO-VHDX&gt;"</a:t>
+            </a:r>
+            <a:endParaRPr lang="en-US" altLang="zh-CN" sz="1600"/>
+          </a:p>
+          <a:p>
+            <a:pPr lvl="2"/>
+            <a:r>
+              <a:rPr lang="en-US" altLang="zh-CN" sz="1600"/>
+              <a:t>attach vdisk readonly</a:t>
+            </a:r>
+            <a:endParaRPr lang="en-US" altLang="zh-CN" sz="1600"/>
+          </a:p>
+          <a:p>
+            <a:pPr lvl="2"/>
+            <a:r>
+              <a:rPr lang="en-US" altLang="zh-CN" sz="1600"/>
+              <a:t>compact vdisk</a:t>
+            </a:r>
+            <a:endParaRPr lang="en-US" altLang="zh-CN" sz="1600"/>
+          </a:p>
+          <a:p>
+            <a:pPr lvl="3"/>
+            <a:r>
+              <a:rPr lang="en-US" altLang="zh-CN" sz="1600"/>
+              <a:t>waiting...</a:t>
+            </a:r>
+            <a:endParaRPr lang="en-US" altLang="zh-CN" sz="1600"/>
+          </a:p>
+          <a:p>
+            <a:pPr lvl="2"/>
+            <a:r>
+              <a:rPr lang="en-US" altLang="zh-CN" sz="1600"/>
+              <a:t>detach vdisk</a:t>
+            </a:r>
+            <a:endParaRPr lang="en-US" altLang="zh-CN" sz="1600"/>
           </a:p>
         </p:txBody>
       </p:sp>
@@ -5196,6 +5456,20 @@
   <p:tag name="KSO_WM_BEAUTIFY_FLAG" val="#wm#"/>
   <p:tag name="KSO_WM_TEMPLATE_CATEGORY" val="custom"/>
   <p:tag name="KSO_WM_TEMPLATE_INDEX" val="160402"/>
+</p:tagLst>
+</file>
+
+<file path=ppt/tags/tag18.xml><?xml version="1.0" encoding="utf-8"?>
+<p:tagLst xmlns:p="http://schemas.openxmlformats.org/presentationml/2006/main">
+  <p:tag name="KSO_WM_BEAUTIFY_FLAG" val="#wm#"/>
+  <p:tag name="KSO_WM_TEMPLATE_CATEGORY" val="custom"/>
+  <p:tag name="KSO_WM_TEMPLATE_INDEX" val="160402"/>
+</p:tagLst>
+</file>
+
+<file path=ppt/tags/tag19.xml><?xml version="1.0" encoding="utf-8"?>
+<p:tagLst xmlns:p="http://schemas.openxmlformats.org/presentationml/2006/main">
+  <p:tag name="COMMONDATA" val="eyJoZGlkIjoiODcwZjc5M2RmYzUwOWE5MjVkODVjZGMyZDUwOTRjYmEifQ=="/>
 </p:tagLst>
 </file>
 

--- a/Linux/WSL_Notes.pptx
+++ b/Linux/WSL_Notes.pptx
@@ -8,7 +8,7 @@
     <p:notesMasterId r:id="rId4"/>
   </p:notesMasterIdLst>
   <p:handoutMasterIdLst>
-    <p:handoutMasterId r:id="rId17"/>
+    <p:handoutMasterId r:id="rId18"/>
   </p:handoutMasterIdLst>
   <p:sldIdLst>
     <p:sldId id="256" r:id="rId3"/>
@@ -21,14 +21,15 @@
     <p:sldId id="275" r:id="rId11"/>
     <p:sldId id="259" r:id="rId12"/>
     <p:sldId id="269" r:id="rId13"/>
-    <p:sldId id="274" r:id="rId14"/>
-    <p:sldId id="280" r:id="rId15"/>
-    <p:sldId id="279" r:id="rId16"/>
+    <p:sldId id="282" r:id="rId14"/>
+    <p:sldId id="274" r:id="rId15"/>
+    <p:sldId id="280" r:id="rId16"/>
+    <p:sldId id="279" r:id="rId17"/>
   </p:sldIdLst>
   <p:sldSz cx="12192000" cy="6858000"/>
   <p:notesSz cx="6858000" cy="9144000"/>
   <p:custDataLst>
-    <p:tags r:id="rId21"/>
+    <p:tags r:id="rId22"/>
   </p:custDataLst>
   <p:defaultTextStyle>
     <a:defPPr>
@@ -3901,7 +3902,7 @@
           <a:p>
             <a:r>
               <a:rPr lang="en-US" altLang="zh-CN"/>
-              <a:t>Commands</a:t>
+              <a:t>USB</a:t>
             </a:r>
             <a:endParaRPr lang="en-US" altLang="zh-CN"/>
           </a:p>
@@ -3919,32 +3920,125 @@
         </p:nvSpPr>
         <p:spPr/>
         <p:txBody>
-          <a:bodyPr/>
-          <a:p>
-            <a:r>
-              <a:rPr lang="en-US" altLang="zh-CN"/>
-              <a:t>wsl -l 	// List distro</a:t>
-            </a:r>
-            <a:endParaRPr lang="en-US" altLang="zh-CN"/>
-          </a:p>
-          <a:p>
-            <a:r>
-              <a:rPr lang="en-US" altLang="zh-CN"/>
-              <a:t>wsl --unregister &lt;distroName&gt;</a:t>
-            </a:r>
-            <a:endParaRPr lang="en-US" altLang="zh-CN"/>
-          </a:p>
-          <a:p>
-            <a:r>
-              <a:rPr lang="en-US" altLang="zh-CN"/>
-              <a:t>wsl -l -v</a:t>
-            </a:r>
-            <a:endParaRPr lang="en-US" altLang="zh-CN"/>
-          </a:p>
-          <a:p>
-            <a:r>
-              <a:rPr lang="en-US" altLang="zh-CN"/>
-              <a:t>wsl --terminate {distro-name}</a:t>
+          <a:bodyPr>
+            <a:normAutofit lnSpcReduction="20000"/>
+          </a:bodyPr>
+          <a:p>
+            <a:r>
+              <a:rPr lang="en-US" altLang="zh-CN"/>
+              <a:t>References</a:t>
+            </a:r>
+            <a:endParaRPr lang="en-US" altLang="zh-CN"/>
+          </a:p>
+          <a:p>
+            <a:pPr lvl="1"/>
+            <a:r>
+              <a:rPr lang="en-US" altLang="zh-CN"/>
+              <a:t>https://docs.microsoft.com/en-us/windows/wsl/connect-usb</a:t>
+            </a:r>
+            <a:endParaRPr lang="en-US" altLang="zh-CN"/>
+          </a:p>
+          <a:p>
+            <a:pPr lvl="0"/>
+            <a:r>
+              <a:rPr lang="en-US" altLang="zh-CN"/>
+              <a:t>Steps</a:t>
+            </a:r>
+            <a:endParaRPr lang="en-US" altLang="zh-CN"/>
+          </a:p>
+          <a:p>
+            <a:pPr lvl="1"/>
+            <a:r>
+              <a:rPr lang="en-US" altLang="zh-CN"/>
+              <a:t>download and install windows support</a:t>
+            </a:r>
+            <a:endParaRPr lang="en-US" altLang="zh-CN"/>
+          </a:p>
+          <a:p>
+            <a:pPr lvl="2"/>
+            <a:r>
+              <a:rPr lang="en-US" altLang="zh-CN"/>
+              <a:t>https://github.com/dorssel/usbipd-win/releases</a:t>
+            </a:r>
+            <a:endParaRPr lang="en-US" altLang="zh-CN"/>
+          </a:p>
+          <a:p>
+            <a:pPr lvl="2"/>
+            <a:r>
+              <a:rPr lang="en-US" altLang="zh-CN"/>
+              <a:t>winget install --interactive --exact dorssel.usbipd-win</a:t>
+            </a:r>
+            <a:endParaRPr lang="en-US" altLang="zh-CN"/>
+          </a:p>
+          <a:p>
+            <a:pPr lvl="1"/>
+            <a:r>
+              <a:rPr lang="en-US" altLang="zh-CN"/>
+              <a:t>install tools in Linux</a:t>
+            </a:r>
+            <a:endParaRPr lang="en-US" altLang="zh-CN"/>
+          </a:p>
+          <a:p>
+            <a:pPr lvl="2"/>
+            <a:r>
+              <a:rPr lang="en-US" altLang="zh-CN"/>
+              <a:t>sudo apt install linux-tools-5.4.0-77-generic hwdata</a:t>
+            </a:r>
+            <a:endParaRPr lang="en-US" altLang="zh-CN"/>
+          </a:p>
+          <a:p>
+            <a:pPr lvl="2"/>
+            <a:r>
+              <a:rPr lang="en-US" altLang="zh-CN"/>
+              <a:t>sudo update-alternatives --install /usr/local/bin/usbip usbip /usr/lib/linux-tools/5.4.0-77-generic/usbip 20</a:t>
+            </a:r>
+            <a:endParaRPr lang="en-US" altLang="zh-CN"/>
+          </a:p>
+          <a:p>
+            <a:pPr lvl="1"/>
+            <a:r>
+              <a:rPr lang="en-US" altLang="zh-CN"/>
+              <a:t>Connect</a:t>
+            </a:r>
+            <a:endParaRPr lang="en-US" altLang="zh-CN"/>
+          </a:p>
+          <a:p>
+            <a:pPr lvl="2"/>
+            <a:r>
+              <a:rPr lang="en-US" altLang="zh-CN"/>
+              <a:t>Windows</a:t>
+            </a:r>
+            <a:endParaRPr lang="en-US" altLang="zh-CN"/>
+          </a:p>
+          <a:p>
+            <a:pPr lvl="3"/>
+            <a:r>
+              <a:rPr lang="en-US" altLang="zh-CN"/>
+              <a:t>usbipd wsl list</a:t>
+            </a:r>
+            <a:endParaRPr lang="en-US" altLang="zh-CN"/>
+          </a:p>
+          <a:p>
+            <a:pPr lvl="3"/>
+            <a:r>
+              <a:rPr lang="en-US" altLang="zh-CN"/>
+              <a:t>usbipd wsl attach --busid &lt;busid&gt;</a:t>
+            </a:r>
+            <a:endParaRPr lang="en-US" altLang="zh-CN"/>
+          </a:p>
+          <a:p>
+            <a:pPr lvl="2"/>
+            <a:r>
+              <a:rPr lang="en-US" altLang="zh-CN"/>
+              <a:t>Linux</a:t>
+            </a:r>
+            <a:endParaRPr lang="en-US" altLang="zh-CN"/>
+          </a:p>
+          <a:p>
+            <a:pPr lvl="3"/>
+            <a:r>
+              <a:rPr lang="en-US" altLang="zh-CN"/>
+              <a:t>lsusb</a:t>
             </a:r>
             <a:endParaRPr lang="en-US" altLang="zh-CN"/>
           </a:p>
@@ -3987,6 +4081,92 @@
           <a:p>
             <a:r>
               <a:rPr lang="en-US" altLang="zh-CN"/>
+              <a:t>Commands</a:t>
+            </a:r>
+            <a:endParaRPr lang="en-US" altLang="zh-CN"/>
+          </a:p>
+        </p:txBody>
+      </p:sp>
+      <p:sp>
+        <p:nvSpPr>
+          <p:cNvPr id="3" name="内容占位符 2"/>
+          <p:cNvSpPr>
+            <a:spLocks noGrp="1"/>
+          </p:cNvSpPr>
+          <p:nvPr>
+            <p:ph idx="1"/>
+          </p:nvPr>
+        </p:nvSpPr>
+        <p:spPr/>
+        <p:txBody>
+          <a:bodyPr/>
+          <a:p>
+            <a:r>
+              <a:rPr lang="en-US" altLang="zh-CN"/>
+              <a:t>wsl -l 	// List distro</a:t>
+            </a:r>
+            <a:endParaRPr lang="en-US" altLang="zh-CN"/>
+          </a:p>
+          <a:p>
+            <a:r>
+              <a:rPr lang="en-US" altLang="zh-CN"/>
+              <a:t>wsl --unregister &lt;distroName&gt;</a:t>
+            </a:r>
+            <a:endParaRPr lang="en-US" altLang="zh-CN"/>
+          </a:p>
+          <a:p>
+            <a:r>
+              <a:rPr lang="en-US" altLang="zh-CN"/>
+              <a:t>wsl -l -v</a:t>
+            </a:r>
+            <a:endParaRPr lang="en-US" altLang="zh-CN"/>
+          </a:p>
+          <a:p>
+            <a:r>
+              <a:rPr lang="en-US" altLang="zh-CN"/>
+              <a:t>wsl --terminate {distro-name}</a:t>
+            </a:r>
+            <a:endParaRPr lang="en-US" altLang="zh-CN"/>
+          </a:p>
+        </p:txBody>
+      </p:sp>
+    </p:spTree>
+    <p:custDataLst>
+      <p:tags r:id="rId1"/>
+    </p:custDataLst>
+  </p:cSld>
+  <p:clrMapOvr>
+    <a:masterClrMapping/>
+  </p:clrMapOvr>
+</p:sld>
+</file>
+
+<file path=ppt/slides/slide13.xml><?xml version="1.0" encoding="utf-8"?>
+<p:sld xmlns:a="http://schemas.openxmlformats.org/drawingml/2006/main" xmlns:r="http://schemas.openxmlformats.org/officeDocument/2006/relationships" xmlns:p="http://schemas.openxmlformats.org/presentationml/2006/main">
+  <p:cSld>
+    <p:spTree>
+      <p:nvGrpSpPr>
+        <p:cNvPr id="1" name=""/>
+        <p:cNvGrpSpPr/>
+        <p:nvPr/>
+      </p:nvGrpSpPr>
+      <p:grpSpPr/>
+      <p:sp>
+        <p:nvSpPr>
+          <p:cNvPr id="2" name="标题 1"/>
+          <p:cNvSpPr>
+            <a:spLocks noGrp="1"/>
+          </p:cNvSpPr>
+          <p:nvPr>
+            <p:ph type="title"/>
+          </p:nvPr>
+        </p:nvSpPr>
+        <p:spPr/>
+        <p:txBody>
+          <a:bodyPr/>
+          <a:p>
+            <a:r>
+              <a:rPr lang="en-US" altLang="zh-CN"/>
               <a:t>Change Swap Size</a:t>
             </a:r>
             <a:endParaRPr lang="en-US" altLang="zh-CN"/>
@@ -4152,7 +4332,7 @@
 </p:sld>
 </file>
 
-<file path=ppt/slides/slide13.xml><?xml version="1.0" encoding="utf-8"?>
+<file path=ppt/slides/slide14.xml><?xml version="1.0" encoding="utf-8"?>
 <p:sld xmlns:a="http://schemas.openxmlformats.org/drawingml/2006/main" xmlns:r="http://schemas.openxmlformats.org/officeDocument/2006/relationships" xmlns:p="http://schemas.openxmlformats.org/presentationml/2006/main">
   <p:cSld>
     <p:spTree>
@@ -5469,7 +5649,9 @@
 
 <file path=ppt/tags/tag19.xml><?xml version="1.0" encoding="utf-8"?>
 <p:tagLst xmlns:p="http://schemas.openxmlformats.org/presentationml/2006/main">
-  <p:tag name="COMMONDATA" val="eyJoZGlkIjoiODcwZjc5M2RmYzUwOWE5MjVkODVjZGMyZDUwOTRjYmEifQ=="/>
+  <p:tag name="KSO_WM_BEAUTIFY_FLAG" val="#wm#"/>
+  <p:tag name="KSO_WM_TEMPLATE_CATEGORY" val="custom"/>
+  <p:tag name="KSO_WM_TEMPLATE_INDEX" val="160402"/>
 </p:tagLst>
 </file>
 
@@ -5478,6 +5660,12 @@
   <p:tag name="KSO_WM_TAG_VERSION" val="1.0"/>
   <p:tag name="KSO_WM_TEMPLATE_CATEGORY" val="custom"/>
   <p:tag name="KSO_WM_TEMPLATE_INDEX" val="160402"/>
+</p:tagLst>
+</file>
+
+<file path=ppt/tags/tag20.xml><?xml version="1.0" encoding="utf-8"?>
+<p:tagLst xmlns:p="http://schemas.openxmlformats.org/presentationml/2006/main">
+  <p:tag name="COMMONDATA" val="eyJoZGlkIjoiODcwZjc5M2RmYzUwOWE5MjVkODVjZGMyZDUwOTRjYmEifQ=="/>
 </p:tagLst>
 </file>
 

--- a/Linux/WSL_Notes.pptx
+++ b/Linux/WSL_Notes.pptx
@@ -8,7 +8,7 @@
     <p:notesMasterId r:id="rId4"/>
   </p:notesMasterIdLst>
   <p:handoutMasterIdLst>
-    <p:handoutMasterId r:id="rId18"/>
+    <p:handoutMasterId r:id="rId19"/>
   </p:handoutMasterIdLst>
   <p:sldIdLst>
     <p:sldId id="256" r:id="rId3"/>
@@ -24,12 +24,13 @@
     <p:sldId id="282" r:id="rId14"/>
     <p:sldId id="274" r:id="rId15"/>
     <p:sldId id="280" r:id="rId16"/>
-    <p:sldId id="279" r:id="rId17"/>
+    <p:sldId id="286" r:id="rId17"/>
+    <p:sldId id="279" r:id="rId18"/>
   </p:sldIdLst>
   <p:sldSz cx="12192000" cy="6858000"/>
   <p:notesSz cx="6858000" cy="9144000"/>
   <p:custDataLst>
-    <p:tags r:id="rId22"/>
+    <p:tags r:id="rId23"/>
   </p:custDataLst>
   <p:defaultTextStyle>
     <a:defPPr>
@@ -4358,6 +4359,151 @@
           <a:p>
             <a:r>
               <a:rPr lang="en-US" altLang="zh-CN"/>
+              <a:t>Support USB Disk</a:t>
+            </a:r>
+            <a:endParaRPr lang="en-US" altLang="zh-CN"/>
+          </a:p>
+        </p:txBody>
+      </p:sp>
+      <p:sp>
+        <p:nvSpPr>
+          <p:cNvPr id="3" name="内容占位符 2"/>
+          <p:cNvSpPr>
+            <a:spLocks noGrp="1"/>
+          </p:cNvSpPr>
+          <p:nvPr>
+            <p:ph idx="1"/>
+          </p:nvPr>
+        </p:nvSpPr>
+        <p:spPr/>
+        <p:txBody>
+          <a:bodyPr/>
+          <a:p>
+            <a:r>
+              <a:rPr lang="en-US" altLang="zh-CN"/>
+              <a:t>References</a:t>
+            </a:r>
+            <a:endParaRPr lang="en-US" altLang="zh-CN"/>
+          </a:p>
+          <a:p>
+            <a:pPr lvl="1"/>
+            <a:r>
+              <a:rPr lang="en-US" altLang="zh-CN"/>
+              <a:t>https://github.com/dorssel/usbipd-win</a:t>
+            </a:r>
+            <a:endParaRPr lang="en-US" altLang="zh-CN"/>
+          </a:p>
+          <a:p>
+            <a:pPr lvl="0"/>
+            <a:r>
+              <a:rPr lang="en-US" altLang="zh-CN"/>
+              <a:t>Steps</a:t>
+            </a:r>
+            <a:endParaRPr lang="en-US" altLang="zh-CN"/>
+          </a:p>
+          <a:p>
+            <a:pPr lvl="1"/>
+            <a:r>
+              <a:rPr lang="en-US" altLang="zh-CN"/>
+              <a:t>Windows</a:t>
+            </a:r>
+            <a:endParaRPr lang="en-US" altLang="zh-CN"/>
+          </a:p>
+          <a:p>
+            <a:pPr lvl="2"/>
+            <a:r>
+              <a:rPr lang="en-US" altLang="zh-CN"/>
+              <a:t>winget install usbipd</a:t>
+            </a:r>
+            <a:endParaRPr lang="en-US" altLang="zh-CN"/>
+          </a:p>
+          <a:p>
+            <a:pPr lvl="2"/>
+            <a:r>
+              <a:rPr lang="en-US" altLang="zh-CN"/>
+              <a:t>usbipd list</a:t>
+            </a:r>
+            <a:endParaRPr lang="en-US" altLang="zh-CN"/>
+          </a:p>
+          <a:p>
+            <a:pPr lvl="2"/>
+            <a:r>
+              <a:rPr lang="en-US" altLang="zh-CN"/>
+              <a:t>usbipd bind --busid=&lt;BUSID&gt;</a:t>
+            </a:r>
+            <a:endParaRPr lang="en-US" altLang="zh-CN"/>
+          </a:p>
+          <a:p>
+            <a:pPr lvl="1"/>
+            <a:r>
+              <a:rPr lang="en-US" altLang="zh-CN"/>
+              <a:t>WSL2</a:t>
+            </a:r>
+            <a:endParaRPr lang="en-US" altLang="zh-CN"/>
+          </a:p>
+          <a:p>
+            <a:pPr lvl="2"/>
+            <a:r>
+              <a:rPr lang="en-US" altLang="zh-CN"/>
+              <a:t>sudo apt install linux-tools-common</a:t>
+            </a:r>
+            <a:endParaRPr lang="en-US" altLang="zh-CN"/>
+          </a:p>
+          <a:p>
+            <a:pPr lvl="2"/>
+            <a:r>
+              <a:rPr lang="en-US" altLang="zh-CN"/>
+              <a:t>usbipd wsl list</a:t>
+            </a:r>
+            <a:endParaRPr lang="en-US" altLang="zh-CN"/>
+          </a:p>
+          <a:p>
+            <a:pPr lvl="2"/>
+            <a:r>
+              <a:rPr lang="en-US" altLang="zh-CN"/>
+              <a:t>usbipd wsl attach --busid=&lt;BUSID&gt;</a:t>
+            </a:r>
+            <a:endParaRPr lang="en-US" altLang="zh-CN"/>
+          </a:p>
+        </p:txBody>
+      </p:sp>
+    </p:spTree>
+    <p:custDataLst>
+      <p:tags r:id="rId1"/>
+    </p:custDataLst>
+  </p:cSld>
+  <p:clrMapOvr>
+    <a:masterClrMapping/>
+  </p:clrMapOvr>
+</p:sld>
+</file>
+
+<file path=ppt/slides/slide15.xml><?xml version="1.0" encoding="utf-8"?>
+<p:sld xmlns:a="http://schemas.openxmlformats.org/drawingml/2006/main" xmlns:r="http://schemas.openxmlformats.org/officeDocument/2006/relationships" xmlns:p="http://schemas.openxmlformats.org/presentationml/2006/main">
+  <p:cSld>
+    <p:spTree>
+      <p:nvGrpSpPr>
+        <p:cNvPr id="1" name=""/>
+        <p:cNvGrpSpPr/>
+        <p:nvPr/>
+      </p:nvGrpSpPr>
+      <p:grpSpPr/>
+      <p:sp>
+        <p:nvSpPr>
+          <p:cNvPr id="2" name="标题 1"/>
+          <p:cNvSpPr>
+            <a:spLocks noGrp="1"/>
+          </p:cNvSpPr>
+          <p:nvPr>
+            <p:ph type="title"/>
+          </p:nvPr>
+        </p:nvSpPr>
+        <p:spPr/>
+        <p:txBody>
+          <a:bodyPr/>
+          <a:p>
+            <a:r>
+              <a:rPr lang="en-US" altLang="zh-CN"/>
               <a:t>FAQ</a:t>
             </a:r>
             <a:endParaRPr lang="en-US" altLang="zh-CN"/>
@@ -5665,7 +5811,16 @@
 
 <file path=ppt/tags/tag20.xml><?xml version="1.0" encoding="utf-8"?>
 <p:tagLst xmlns:p="http://schemas.openxmlformats.org/presentationml/2006/main">
+  <p:tag name="KSO_WM_BEAUTIFY_FLAG" val="#wm#"/>
+  <p:tag name="KSO_WM_TEMPLATE_CATEGORY" val="custom"/>
+  <p:tag name="KSO_WM_TEMPLATE_INDEX" val="160402"/>
+</p:tagLst>
+</file>
+
+<file path=ppt/tags/tag21.xml><?xml version="1.0" encoding="utf-8"?>
+<p:tagLst xmlns:p="http://schemas.openxmlformats.org/presentationml/2006/main">
   <p:tag name="COMMONDATA" val="eyJoZGlkIjoiODcwZjc5M2RmYzUwOWE5MjVkODVjZGMyZDUwOTRjYmEifQ=="/>
+  <p:tag name="KSO_WPP_MARK_KEY" val="4a1a885f-1ec6-43c3-80e1-c5ff2134d3c6"/>
 </p:tagLst>
 </file>
 

--- a/Linux/WSL_Notes.pptx
+++ b/Linux/WSL_Notes.pptx
@@ -8,29 +8,31 @@
     <p:notesMasterId r:id="rId4"/>
   </p:notesMasterIdLst>
   <p:handoutMasterIdLst>
-    <p:handoutMasterId r:id="rId19"/>
+    <p:handoutMasterId r:id="rId21"/>
   </p:handoutMasterIdLst>
   <p:sldIdLst>
     <p:sldId id="256" r:id="rId3"/>
     <p:sldId id="258" r:id="rId5"/>
     <p:sldId id="257" r:id="rId6"/>
-    <p:sldId id="268" r:id="rId7"/>
-    <p:sldId id="261" r:id="rId8"/>
-    <p:sldId id="265" r:id="rId9"/>
-    <p:sldId id="263" r:id="rId10"/>
-    <p:sldId id="275" r:id="rId11"/>
-    <p:sldId id="259" r:id="rId12"/>
-    <p:sldId id="269" r:id="rId13"/>
-    <p:sldId id="282" r:id="rId14"/>
-    <p:sldId id="274" r:id="rId15"/>
-    <p:sldId id="280" r:id="rId16"/>
-    <p:sldId id="286" r:id="rId17"/>
-    <p:sldId id="279" r:id="rId18"/>
+    <p:sldId id="290" r:id="rId7"/>
+    <p:sldId id="291" r:id="rId8"/>
+    <p:sldId id="268" r:id="rId9"/>
+    <p:sldId id="261" r:id="rId10"/>
+    <p:sldId id="265" r:id="rId11"/>
+    <p:sldId id="263" r:id="rId12"/>
+    <p:sldId id="275" r:id="rId13"/>
+    <p:sldId id="259" r:id="rId14"/>
+    <p:sldId id="269" r:id="rId15"/>
+    <p:sldId id="282" r:id="rId16"/>
+    <p:sldId id="280" r:id="rId17"/>
+    <p:sldId id="286" r:id="rId18"/>
+    <p:sldId id="288" r:id="rId19"/>
+    <p:sldId id="279" r:id="rId20"/>
   </p:sldIdLst>
   <p:sldSz cx="12192000" cy="6858000"/>
   <p:notesSz cx="6858000" cy="9144000"/>
   <p:custDataLst>
-    <p:tags r:id="rId23"/>
+    <p:tags r:id="rId25"/>
   </p:custDataLst>
   <p:defaultTextStyle>
     <a:defPPr>
@@ -127,6 +129,22 @@
       </a:defRPr>
     </a:lvl9pPr>
   </p:defaultTextStyle>
+  <p:extLst>
+    <p:ext uri="{EFAFB233-063F-42B5-8137-9DF3F51BA10A}">
+      <p15:sldGuideLst xmlns:p15="http://schemas.microsoft.com/office/powerpoint/2012/main">
+        <p15:guide id="1" orient="horz" pos="2196" userDrawn="1">
+          <p15:clr>
+            <a:srgbClr val="A4A3A4"/>
+          </p15:clr>
+        </p15:guide>
+        <p15:guide id="2" pos="3840" userDrawn="1">
+          <p15:clr>
+            <a:srgbClr val="A4A3A4"/>
+          </p15:clr>
+        </p15:guide>
+      </p15:sldGuideLst>
+    </p:ext>
+  </p:extLst>
 </p:presentation>
 </file>
 
@@ -3842,7 +3860,7 @@
           <a:p>
             <a:r>
               <a:rPr lang="en-US" altLang="zh-CN"/>
-              <a:t>Audio</a:t>
+              <a:t>Network</a:t>
             </a:r>
             <a:endParaRPr lang="en-US" altLang="zh-CN"/>
           </a:p>
@@ -3862,6 +3880,18 @@
         <p:txBody>
           <a:bodyPr/>
           <a:p>
+            <a:r>
+              <a:rPr lang="en-US" altLang="zh-CN"/>
+              <a:t>Access Windows local host</a:t>
+            </a:r>
+            <a:endParaRPr lang="en-US" altLang="zh-CN"/>
+          </a:p>
+          <a:p>
+            <a:pPr lvl="1"/>
+            <a:r>
+              <a:rPr lang="en-US" altLang="zh-CN"/>
+              <a:t>cat /etc/resolve.conf</a:t>
+            </a:r>
             <a:endParaRPr lang="en-US" altLang="zh-CN"/>
           </a:p>
         </p:txBody>
@@ -3903,7 +3933,7 @@
           <a:p>
             <a:r>
               <a:rPr lang="en-US" altLang="zh-CN"/>
-              <a:t>USB</a:t>
+              <a:t>GPU</a:t>
             </a:r>
             <a:endParaRPr lang="en-US" altLang="zh-CN"/>
           </a:p>
@@ -3921,13 +3951,25 @@
         </p:nvSpPr>
         <p:spPr/>
         <p:txBody>
-          <a:bodyPr>
-            <a:normAutofit lnSpcReduction="20000"/>
-          </a:bodyPr>
-          <a:p>
-            <a:r>
-              <a:rPr lang="en-US" altLang="zh-CN"/>
-              <a:t>References</a:t>
+          <a:bodyPr/>
+          <a:p>
+            <a:r>
+              <a:rPr lang="en-US" altLang="zh-CN"/>
+              <a:t>sudo apt install nvidia-384</a:t>
+            </a:r>
+            <a:endParaRPr lang="en-US" altLang="zh-CN"/>
+          </a:p>
+          <a:p>
+            <a:r>
+              <a:rPr lang="en-US" altLang="zh-CN"/>
+              <a:t>glxinfo | grep “OpenGL”</a:t>
+            </a:r>
+            <a:endParaRPr lang="en-US" altLang="zh-CN"/>
+          </a:p>
+          <a:p>
+            <a:r>
+              <a:rPr lang="en-US" altLang="zh-CN"/>
+              <a:t>sudo apt install mesa-utils</a:t>
             </a:r>
             <a:endParaRPr lang="en-US" altLang="zh-CN"/>
           </a:p>
@@ -3935,111 +3977,7 @@
             <a:pPr lvl="1"/>
             <a:r>
               <a:rPr lang="en-US" altLang="zh-CN"/>
-              <a:t>https://docs.microsoft.com/en-us/windows/wsl/connect-usb</a:t>
-            </a:r>
-            <a:endParaRPr lang="en-US" altLang="zh-CN"/>
-          </a:p>
-          <a:p>
-            <a:pPr lvl="0"/>
-            <a:r>
-              <a:rPr lang="en-US" altLang="zh-CN"/>
-              <a:t>Steps</a:t>
-            </a:r>
-            <a:endParaRPr lang="en-US" altLang="zh-CN"/>
-          </a:p>
-          <a:p>
-            <a:pPr lvl="1"/>
-            <a:r>
-              <a:rPr lang="en-US" altLang="zh-CN"/>
-              <a:t>download and install windows support</a:t>
-            </a:r>
-            <a:endParaRPr lang="en-US" altLang="zh-CN"/>
-          </a:p>
-          <a:p>
-            <a:pPr lvl="2"/>
-            <a:r>
-              <a:rPr lang="en-US" altLang="zh-CN"/>
-              <a:t>https://github.com/dorssel/usbipd-win/releases</a:t>
-            </a:r>
-            <a:endParaRPr lang="en-US" altLang="zh-CN"/>
-          </a:p>
-          <a:p>
-            <a:pPr lvl="2"/>
-            <a:r>
-              <a:rPr lang="en-US" altLang="zh-CN"/>
-              <a:t>winget install --interactive --exact dorssel.usbipd-win</a:t>
-            </a:r>
-            <a:endParaRPr lang="en-US" altLang="zh-CN"/>
-          </a:p>
-          <a:p>
-            <a:pPr lvl="1"/>
-            <a:r>
-              <a:rPr lang="en-US" altLang="zh-CN"/>
-              <a:t>install tools in Linux</a:t>
-            </a:r>
-            <a:endParaRPr lang="en-US" altLang="zh-CN"/>
-          </a:p>
-          <a:p>
-            <a:pPr lvl="2"/>
-            <a:r>
-              <a:rPr lang="en-US" altLang="zh-CN"/>
-              <a:t>sudo apt install linux-tools-5.4.0-77-generic hwdata</a:t>
-            </a:r>
-            <a:endParaRPr lang="en-US" altLang="zh-CN"/>
-          </a:p>
-          <a:p>
-            <a:pPr lvl="2"/>
-            <a:r>
-              <a:rPr lang="en-US" altLang="zh-CN"/>
-              <a:t>sudo update-alternatives --install /usr/local/bin/usbip usbip /usr/lib/linux-tools/5.4.0-77-generic/usbip 20</a:t>
-            </a:r>
-            <a:endParaRPr lang="en-US" altLang="zh-CN"/>
-          </a:p>
-          <a:p>
-            <a:pPr lvl="1"/>
-            <a:r>
-              <a:rPr lang="en-US" altLang="zh-CN"/>
-              <a:t>Connect</a:t>
-            </a:r>
-            <a:endParaRPr lang="en-US" altLang="zh-CN"/>
-          </a:p>
-          <a:p>
-            <a:pPr lvl="2"/>
-            <a:r>
-              <a:rPr lang="en-US" altLang="zh-CN"/>
-              <a:t>Windows</a:t>
-            </a:r>
-            <a:endParaRPr lang="en-US" altLang="zh-CN"/>
-          </a:p>
-          <a:p>
-            <a:pPr lvl="3"/>
-            <a:r>
-              <a:rPr lang="en-US" altLang="zh-CN"/>
-              <a:t>usbipd wsl list</a:t>
-            </a:r>
-            <a:endParaRPr lang="en-US" altLang="zh-CN"/>
-          </a:p>
-          <a:p>
-            <a:pPr lvl="3"/>
-            <a:r>
-              <a:rPr lang="en-US" altLang="zh-CN"/>
-              <a:t>usbipd wsl attach --busid &lt;busid&gt;</a:t>
-            </a:r>
-            <a:endParaRPr lang="en-US" altLang="zh-CN"/>
-          </a:p>
-          <a:p>
-            <a:pPr lvl="2"/>
-            <a:r>
-              <a:rPr lang="en-US" altLang="zh-CN"/>
-              <a:t>Linux</a:t>
-            </a:r>
-            <a:endParaRPr lang="en-US" altLang="zh-CN"/>
-          </a:p>
-          <a:p>
-            <a:pPr lvl="3"/>
-            <a:r>
-              <a:rPr lang="en-US" altLang="zh-CN"/>
-              <a:t>lsusb</a:t>
+              <a:t>glxgears -info</a:t>
             </a:r>
             <a:endParaRPr lang="en-US" altLang="zh-CN"/>
           </a:p>
@@ -4082,7 +4020,7 @@
           <a:p>
             <a:r>
               <a:rPr lang="en-US" altLang="zh-CN"/>
-              <a:t>Commands</a:t>
+              <a:t>Audio</a:t>
             </a:r>
             <a:endParaRPr lang="en-US" altLang="zh-CN"/>
           </a:p>
@@ -4102,31 +4040,6 @@
         <p:txBody>
           <a:bodyPr/>
           <a:p>
-            <a:r>
-              <a:rPr lang="en-US" altLang="zh-CN"/>
-              <a:t>wsl -l 	// List distro</a:t>
-            </a:r>
-            <a:endParaRPr lang="en-US" altLang="zh-CN"/>
-          </a:p>
-          <a:p>
-            <a:r>
-              <a:rPr lang="en-US" altLang="zh-CN"/>
-              <a:t>wsl --unregister &lt;distroName&gt;</a:t>
-            </a:r>
-            <a:endParaRPr lang="en-US" altLang="zh-CN"/>
-          </a:p>
-          <a:p>
-            <a:r>
-              <a:rPr lang="en-US" altLang="zh-CN"/>
-              <a:t>wsl -l -v</a:t>
-            </a:r>
-            <a:endParaRPr lang="en-US" altLang="zh-CN"/>
-          </a:p>
-          <a:p>
-            <a:r>
-              <a:rPr lang="en-US" altLang="zh-CN"/>
-              <a:t>wsl --terminate {distro-name}</a:t>
-            </a:r>
             <a:endParaRPr lang="en-US" altLang="zh-CN"/>
           </a:p>
         </p:txBody>
@@ -4168,7 +4081,7 @@
           <a:p>
             <a:r>
               <a:rPr lang="en-US" altLang="zh-CN"/>
-              <a:t>Change Swap Size</a:t>
+              <a:t>USB</a:t>
             </a:r>
             <a:endParaRPr lang="en-US" altLang="zh-CN"/>
           </a:p>
@@ -4184,25 +4097,15 @@
             <p:ph idx="1"/>
           </p:nvPr>
         </p:nvSpPr>
-        <p:spPr>
-          <a:xfrm>
-            <a:off x="838200" y="1211580"/>
-            <a:ext cx="4709795" cy="4549140"/>
-          </a:xfrm>
-        </p:spPr>
-        <p:txBody>
-          <a:bodyPr/>
-          <a:p>
-            <a:r>
-              <a:rPr lang="en-US" altLang="zh-CN"/>
-              <a:t>wsl --shutdown</a:t>
-            </a:r>
-            <a:endParaRPr lang="en-US" altLang="zh-CN"/>
-          </a:p>
-          <a:p>
-            <a:r>
-              <a:rPr lang="en-US" altLang="zh-CN"/>
-              <a:t>Copy .wslconfig to Windows $HOME</a:t>
+        <p:spPr/>
+        <p:txBody>
+          <a:bodyPr>
+            <a:normAutofit lnSpcReduction="20000"/>
+          </a:bodyPr>
+          <a:p>
+            <a:r>
+              <a:rPr lang="en-US" altLang="zh-CN"/>
+              <a:t>References</a:t>
             </a:r>
             <a:endParaRPr lang="en-US" altLang="zh-CN"/>
           </a:p>
@@ -4210,115 +4113,113 @@
             <a:pPr lvl="1"/>
             <a:r>
               <a:rPr lang="en-US" altLang="zh-CN"/>
-              <a:t>C:/Users/{username}/</a:t>
-            </a:r>
-            <a:endParaRPr lang="en-US" altLang="zh-CN"/>
-          </a:p>
-        </p:txBody>
-      </p:sp>
-      <p:sp>
-        <p:nvSpPr>
-          <p:cNvPr id="4" name="文本框 3"/>
-          <p:cNvSpPr txBox="1"/>
-          <p:nvPr/>
-        </p:nvSpPr>
-        <p:spPr>
-          <a:xfrm>
-            <a:off x="6727190" y="1290320"/>
-            <a:ext cx="4626610" cy="4030980"/>
-          </a:xfrm>
-          <a:prstGeom prst="rect">
-            <a:avLst/>
-          </a:prstGeom>
-          <a:noFill/>
-          <a:ln>
-            <a:solidFill>
-              <a:srgbClr val="C00000"/>
-            </a:solidFill>
-          </a:ln>
-        </p:spPr>
-        <p:txBody>
-          <a:bodyPr wrap="square" rtlCol="0">
-            <a:spAutoFit/>
-          </a:bodyPr>
-          <a:p>
-            <a:r>
-              <a:rPr lang="zh-CN" altLang="en-US" sz="1600"/>
-              <a:t># Settings apply across all Linux distros running on WSL 2</a:t>
-            </a:r>
-            <a:endParaRPr lang="zh-CN" altLang="en-US" sz="1600"/>
-          </a:p>
-          <a:p>
-            <a:r>
-              <a:rPr lang="zh-CN" altLang="en-US" sz="1600"/>
-              <a:t># Can see memory in wsl2 with "free -m"</a:t>
-            </a:r>
-            <a:endParaRPr lang="zh-CN" altLang="en-US" sz="1600"/>
-          </a:p>
-          <a:p>
-            <a:r>
-              <a:rPr lang="zh-CN" altLang="en-US" sz="1600"/>
-              <a:t># Goes in windows home directory as .wslconfig</a:t>
-            </a:r>
-            <a:endParaRPr lang="zh-CN" altLang="en-US" sz="1600"/>
-          </a:p>
-          <a:p>
-            <a:r>
-              <a:rPr lang="zh-CN" altLang="en-US" sz="1600"/>
-              <a:t>[wsl2]</a:t>
-            </a:r>
-            <a:endParaRPr lang="zh-CN" altLang="en-US" sz="1600"/>
-          </a:p>
-          <a:p>
-            <a:endParaRPr lang="zh-CN" altLang="en-US" sz="1600"/>
-          </a:p>
-          <a:p>
-            <a:r>
-              <a:rPr lang="zh-CN" altLang="en-US" sz="1600"/>
-              <a:t># Limits VM memory to use no more than 48 GB, defaults to 50% of ram</a:t>
-            </a:r>
-            <a:endParaRPr lang="zh-CN" altLang="en-US" sz="1600"/>
-          </a:p>
-          <a:p>
-            <a:r>
-              <a:rPr lang="zh-CN" altLang="en-US" sz="1600"/>
-              <a:t>memory=48GB</a:t>
-            </a:r>
-            <a:endParaRPr lang="zh-CN" altLang="en-US" sz="1600"/>
-          </a:p>
-          <a:p>
-            <a:endParaRPr lang="zh-CN" altLang="en-US" sz="1600"/>
-          </a:p>
-          <a:p>
-            <a:r>
-              <a:rPr lang="zh-CN" altLang="en-US" sz="1600"/>
-              <a:t># Sets the VM to use 8 virtual processors</a:t>
-            </a:r>
-            <a:endParaRPr lang="zh-CN" altLang="en-US" sz="1600"/>
-          </a:p>
-          <a:p>
-            <a:r>
-              <a:rPr lang="zh-CN" altLang="en-US" sz="1600"/>
-              <a:t>processors=8</a:t>
-            </a:r>
-            <a:endParaRPr lang="zh-CN" altLang="en-US" sz="1600"/>
-          </a:p>
-          <a:p>
-            <a:endParaRPr lang="zh-CN" altLang="en-US" sz="1600"/>
-          </a:p>
-          <a:p>
-            <a:r>
-              <a:rPr lang="zh-CN" altLang="en-US" sz="1600"/>
-              <a:t># Sets the amount of swap storage space to 8GB, default is 25% of available RAM</a:t>
-            </a:r>
-            <a:endParaRPr lang="zh-CN" altLang="en-US" sz="1600"/>
-          </a:p>
-          <a:p>
-            <a:r>
-              <a:rPr lang="zh-CN" altLang="en-US" sz="1600"/>
-              <a:t>swap=16GB</a:t>
-            </a:r>
-            <a:endParaRPr lang="zh-CN" altLang="en-US" sz="1600"/>
+              <a:t>https://docs.microsoft.com/en-us/windows/wsl/connect-usb</a:t>
+            </a:r>
+            <a:endParaRPr lang="en-US" altLang="zh-CN"/>
+          </a:p>
+          <a:p>
+            <a:pPr lvl="0"/>
+            <a:r>
+              <a:rPr lang="en-US" altLang="zh-CN"/>
+              <a:t>Steps</a:t>
+            </a:r>
+            <a:endParaRPr lang="en-US" altLang="zh-CN"/>
+          </a:p>
+          <a:p>
+            <a:pPr lvl="1"/>
+            <a:r>
+              <a:rPr lang="en-US" altLang="zh-CN"/>
+              <a:t>download and install windows support</a:t>
+            </a:r>
+            <a:endParaRPr lang="en-US" altLang="zh-CN"/>
+          </a:p>
+          <a:p>
+            <a:pPr lvl="2"/>
+            <a:r>
+              <a:rPr lang="en-US" altLang="zh-CN"/>
+              <a:t>https://github.com/dorssel/usbipd-win/releases</a:t>
+            </a:r>
+            <a:endParaRPr lang="en-US" altLang="zh-CN"/>
+          </a:p>
+          <a:p>
+            <a:pPr lvl="2"/>
+            <a:r>
+              <a:rPr lang="en-US" altLang="zh-CN"/>
+              <a:t>winget install --interactive --exact dorssel.usbipd-win</a:t>
+            </a:r>
+            <a:endParaRPr lang="en-US" altLang="zh-CN"/>
+          </a:p>
+          <a:p>
+            <a:pPr lvl="1"/>
+            <a:r>
+              <a:rPr lang="en-US" altLang="zh-CN"/>
+              <a:t>install tools in Linux</a:t>
+            </a:r>
+            <a:endParaRPr lang="en-US" altLang="zh-CN"/>
+          </a:p>
+          <a:p>
+            <a:pPr lvl="2"/>
+            <a:r>
+              <a:rPr lang="en-US" altLang="zh-CN"/>
+              <a:t>sudo apt install linux-tools-5.4.0-77-generic hwdata</a:t>
+            </a:r>
+            <a:endParaRPr lang="en-US" altLang="zh-CN"/>
+          </a:p>
+          <a:p>
+            <a:pPr lvl="2"/>
+            <a:r>
+              <a:rPr lang="en-US" altLang="zh-CN"/>
+              <a:t>sudo update-alternatives --install /usr/local/bin/usbip usbip /usr/lib/linux-tools/5.4.0-77-generic/usbip 20</a:t>
+            </a:r>
+            <a:endParaRPr lang="en-US" altLang="zh-CN"/>
+          </a:p>
+          <a:p>
+            <a:pPr lvl="1"/>
+            <a:r>
+              <a:rPr lang="en-US" altLang="zh-CN"/>
+              <a:t>Connect</a:t>
+            </a:r>
+            <a:endParaRPr lang="en-US" altLang="zh-CN"/>
+          </a:p>
+          <a:p>
+            <a:pPr lvl="2"/>
+            <a:r>
+              <a:rPr lang="en-US" altLang="zh-CN"/>
+              <a:t>Windows</a:t>
+            </a:r>
+            <a:endParaRPr lang="en-US" altLang="zh-CN"/>
+          </a:p>
+          <a:p>
+            <a:pPr lvl="3"/>
+            <a:r>
+              <a:rPr lang="en-US" altLang="zh-CN"/>
+              <a:t>usbipd wsl list</a:t>
+            </a:r>
+            <a:endParaRPr lang="en-US" altLang="zh-CN"/>
+          </a:p>
+          <a:p>
+            <a:pPr lvl="3"/>
+            <a:r>
+              <a:rPr lang="en-US" altLang="zh-CN"/>
+              <a:t>usbipd wsl attach --busid &lt;busid&gt;</a:t>
+            </a:r>
+            <a:endParaRPr lang="en-US" altLang="zh-CN"/>
+          </a:p>
+          <a:p>
+            <a:pPr lvl="2"/>
+            <a:r>
+              <a:rPr lang="en-US" altLang="zh-CN"/>
+              <a:t>Linux</a:t>
+            </a:r>
+            <a:endParaRPr lang="en-US" altLang="zh-CN"/>
+          </a:p>
+          <a:p>
+            <a:pPr lvl="3"/>
+            <a:r>
+              <a:rPr lang="en-US" altLang="zh-CN"/>
+              <a:t>lsusb</a:t>
+            </a:r>
+            <a:endParaRPr lang="en-US" altLang="zh-CN"/>
           </a:p>
         </p:txBody>
       </p:sp>
@@ -4359,7 +4260,7 @@
           <a:p>
             <a:r>
               <a:rPr lang="en-US" altLang="zh-CN"/>
-              <a:t>Support USB Disk</a:t>
+              <a:t>Change Swap Size</a:t>
             </a:r>
             <a:endParaRPr lang="en-US" altLang="zh-CN"/>
           </a:p>
@@ -4375,13 +4276,25 @@
             <p:ph idx="1"/>
           </p:nvPr>
         </p:nvSpPr>
-        <p:spPr/>
+        <p:spPr>
+          <a:xfrm>
+            <a:off x="838200" y="1211580"/>
+            <a:ext cx="4709795" cy="4549140"/>
+          </a:xfrm>
+        </p:spPr>
         <p:txBody>
           <a:bodyPr/>
           <a:p>
             <a:r>
               <a:rPr lang="en-US" altLang="zh-CN"/>
-              <a:t>References</a:t>
+              <a:t>wsl --shutdown</a:t>
+            </a:r>
+            <a:endParaRPr lang="en-US" altLang="zh-CN"/>
+          </a:p>
+          <a:p>
+            <a:r>
+              <a:rPr lang="en-US" altLang="zh-CN"/>
+              <a:t>Copy .wslconfig to Windows $HOME</a:t>
             </a:r>
             <a:endParaRPr lang="en-US" altLang="zh-CN"/>
           </a:p>
@@ -4389,81 +4302,115 @@
             <a:pPr lvl="1"/>
             <a:r>
               <a:rPr lang="en-US" altLang="zh-CN"/>
-              <a:t>https://github.com/dorssel/usbipd-win</a:t>
-            </a:r>
-            <a:endParaRPr lang="en-US" altLang="zh-CN"/>
-          </a:p>
-          <a:p>
-            <a:pPr lvl="0"/>
-            <a:r>
-              <a:rPr lang="en-US" altLang="zh-CN"/>
-              <a:t>Steps</a:t>
-            </a:r>
-            <a:endParaRPr lang="en-US" altLang="zh-CN"/>
-          </a:p>
-          <a:p>
-            <a:pPr lvl="1"/>
-            <a:r>
-              <a:rPr lang="en-US" altLang="zh-CN"/>
-              <a:t>Windows</a:t>
-            </a:r>
-            <a:endParaRPr lang="en-US" altLang="zh-CN"/>
-          </a:p>
-          <a:p>
-            <a:pPr lvl="2"/>
-            <a:r>
-              <a:rPr lang="en-US" altLang="zh-CN"/>
-              <a:t>winget install usbipd</a:t>
-            </a:r>
-            <a:endParaRPr lang="en-US" altLang="zh-CN"/>
-          </a:p>
-          <a:p>
-            <a:pPr lvl="2"/>
-            <a:r>
-              <a:rPr lang="en-US" altLang="zh-CN"/>
-              <a:t>usbipd list</a:t>
-            </a:r>
-            <a:endParaRPr lang="en-US" altLang="zh-CN"/>
-          </a:p>
-          <a:p>
-            <a:pPr lvl="2"/>
-            <a:r>
-              <a:rPr lang="en-US" altLang="zh-CN"/>
-              <a:t>usbipd bind --busid=&lt;BUSID&gt;</a:t>
-            </a:r>
-            <a:endParaRPr lang="en-US" altLang="zh-CN"/>
-          </a:p>
-          <a:p>
-            <a:pPr lvl="1"/>
-            <a:r>
-              <a:rPr lang="en-US" altLang="zh-CN"/>
-              <a:t>WSL2</a:t>
-            </a:r>
-            <a:endParaRPr lang="en-US" altLang="zh-CN"/>
-          </a:p>
-          <a:p>
-            <a:pPr lvl="2"/>
-            <a:r>
-              <a:rPr lang="en-US" altLang="zh-CN"/>
-              <a:t>sudo apt install linux-tools-common</a:t>
-            </a:r>
-            <a:endParaRPr lang="en-US" altLang="zh-CN"/>
-          </a:p>
-          <a:p>
-            <a:pPr lvl="2"/>
-            <a:r>
-              <a:rPr lang="en-US" altLang="zh-CN"/>
-              <a:t>usbipd wsl list</a:t>
-            </a:r>
-            <a:endParaRPr lang="en-US" altLang="zh-CN"/>
-          </a:p>
-          <a:p>
-            <a:pPr lvl="2"/>
-            <a:r>
-              <a:rPr lang="en-US" altLang="zh-CN"/>
-              <a:t>usbipd wsl attach --busid=&lt;BUSID&gt;</a:t>
-            </a:r>
-            <a:endParaRPr lang="en-US" altLang="zh-CN"/>
+              <a:t>C:/Users/{username}/</a:t>
+            </a:r>
+            <a:endParaRPr lang="en-US" altLang="zh-CN"/>
+          </a:p>
+        </p:txBody>
+      </p:sp>
+      <p:sp>
+        <p:nvSpPr>
+          <p:cNvPr id="4" name="文本框 3"/>
+          <p:cNvSpPr txBox="1"/>
+          <p:nvPr/>
+        </p:nvSpPr>
+        <p:spPr>
+          <a:xfrm>
+            <a:off x="6727190" y="1290320"/>
+            <a:ext cx="4626610" cy="4030980"/>
+          </a:xfrm>
+          <a:prstGeom prst="rect">
+            <a:avLst/>
+          </a:prstGeom>
+          <a:noFill/>
+          <a:ln>
+            <a:solidFill>
+              <a:srgbClr val="C00000"/>
+            </a:solidFill>
+          </a:ln>
+        </p:spPr>
+        <p:txBody>
+          <a:bodyPr wrap="square" rtlCol="0">
+            <a:spAutoFit/>
+          </a:bodyPr>
+          <a:p>
+            <a:r>
+              <a:rPr lang="zh-CN" altLang="en-US" sz="1600"/>
+              <a:t># Settings apply across all Linux distros running on WSL 2</a:t>
+            </a:r>
+            <a:endParaRPr lang="zh-CN" altLang="en-US" sz="1600"/>
+          </a:p>
+          <a:p>
+            <a:r>
+              <a:rPr lang="zh-CN" altLang="en-US" sz="1600"/>
+              <a:t># Can see memory in wsl2 with "free -m"</a:t>
+            </a:r>
+            <a:endParaRPr lang="zh-CN" altLang="en-US" sz="1600"/>
+          </a:p>
+          <a:p>
+            <a:r>
+              <a:rPr lang="zh-CN" altLang="en-US" sz="1600"/>
+              <a:t># Goes in windows home directory as .wslconfig</a:t>
+            </a:r>
+            <a:endParaRPr lang="zh-CN" altLang="en-US" sz="1600"/>
+          </a:p>
+          <a:p>
+            <a:r>
+              <a:rPr lang="zh-CN" altLang="en-US" sz="1600"/>
+              <a:t>[wsl2]</a:t>
+            </a:r>
+            <a:endParaRPr lang="zh-CN" altLang="en-US" sz="1600"/>
+          </a:p>
+          <a:p>
+            <a:endParaRPr lang="zh-CN" altLang="en-US" sz="1600"/>
+          </a:p>
+          <a:p>
+            <a:r>
+              <a:rPr lang="zh-CN" altLang="en-US" sz="1600"/>
+              <a:t># Limits VM memory to use no more than 48 GB, defaults to 50% of ram</a:t>
+            </a:r>
+            <a:endParaRPr lang="zh-CN" altLang="en-US" sz="1600"/>
+          </a:p>
+          <a:p>
+            <a:r>
+              <a:rPr lang="zh-CN" altLang="en-US" sz="1600"/>
+              <a:t>memory=48GB</a:t>
+            </a:r>
+            <a:endParaRPr lang="zh-CN" altLang="en-US" sz="1600"/>
+          </a:p>
+          <a:p>
+            <a:endParaRPr lang="zh-CN" altLang="en-US" sz="1600"/>
+          </a:p>
+          <a:p>
+            <a:r>
+              <a:rPr lang="zh-CN" altLang="en-US" sz="1600"/>
+              <a:t># Sets the VM to use 8 virtual processors</a:t>
+            </a:r>
+            <a:endParaRPr lang="zh-CN" altLang="en-US" sz="1600"/>
+          </a:p>
+          <a:p>
+            <a:r>
+              <a:rPr lang="zh-CN" altLang="en-US" sz="1600"/>
+              <a:t>processors=8</a:t>
+            </a:r>
+            <a:endParaRPr lang="zh-CN" altLang="en-US" sz="1600"/>
+          </a:p>
+          <a:p>
+            <a:endParaRPr lang="zh-CN" altLang="en-US" sz="1600"/>
+          </a:p>
+          <a:p>
+            <a:r>
+              <a:rPr lang="zh-CN" altLang="en-US" sz="1600"/>
+              <a:t># Sets the amount of swap storage space to 8GB, default is 25% of available RAM</a:t>
+            </a:r>
+            <a:endParaRPr lang="zh-CN" altLang="en-US" sz="1600"/>
+          </a:p>
+          <a:p>
+            <a:r>
+              <a:rPr lang="zh-CN" altLang="en-US" sz="1600"/>
+              <a:t>swap=16GB</a:t>
+            </a:r>
+            <a:endParaRPr lang="zh-CN" altLang="en-US" sz="1600"/>
           </a:p>
         </p:txBody>
       </p:sp>
@@ -4504,6 +4451,304 @@
           <a:p>
             <a:r>
               <a:rPr lang="en-US" altLang="zh-CN"/>
+              <a:t>Support USB Disk</a:t>
+            </a:r>
+            <a:endParaRPr lang="en-US" altLang="zh-CN"/>
+          </a:p>
+        </p:txBody>
+      </p:sp>
+      <p:sp>
+        <p:nvSpPr>
+          <p:cNvPr id="3" name="内容占位符 2"/>
+          <p:cNvSpPr>
+            <a:spLocks noGrp="1"/>
+          </p:cNvSpPr>
+          <p:nvPr>
+            <p:ph idx="1"/>
+          </p:nvPr>
+        </p:nvSpPr>
+        <p:spPr/>
+        <p:txBody>
+          <a:bodyPr/>
+          <a:p>
+            <a:r>
+              <a:rPr lang="en-US" altLang="zh-CN"/>
+              <a:t>References</a:t>
+            </a:r>
+            <a:endParaRPr lang="en-US" altLang="zh-CN"/>
+          </a:p>
+          <a:p>
+            <a:pPr lvl="1"/>
+            <a:r>
+              <a:rPr lang="en-US" altLang="zh-CN"/>
+              <a:t>https://github.com/dorssel/usbipd-win</a:t>
+            </a:r>
+            <a:endParaRPr lang="en-US" altLang="zh-CN"/>
+          </a:p>
+          <a:p>
+            <a:pPr lvl="0"/>
+            <a:r>
+              <a:rPr lang="en-US" altLang="zh-CN"/>
+              <a:t>Steps</a:t>
+            </a:r>
+            <a:endParaRPr lang="en-US" altLang="zh-CN"/>
+          </a:p>
+          <a:p>
+            <a:pPr lvl="1"/>
+            <a:r>
+              <a:rPr lang="en-US" altLang="zh-CN"/>
+              <a:t>Windows</a:t>
+            </a:r>
+            <a:endParaRPr lang="en-US" altLang="zh-CN"/>
+          </a:p>
+          <a:p>
+            <a:pPr lvl="2"/>
+            <a:r>
+              <a:rPr lang="en-US" altLang="zh-CN"/>
+              <a:t>winget install usbipd</a:t>
+            </a:r>
+            <a:endParaRPr lang="en-US" altLang="zh-CN"/>
+          </a:p>
+          <a:p>
+            <a:pPr lvl="2"/>
+            <a:r>
+              <a:rPr lang="en-US" altLang="zh-CN"/>
+              <a:t>usbipd list</a:t>
+            </a:r>
+            <a:endParaRPr lang="en-US" altLang="zh-CN"/>
+          </a:p>
+          <a:p>
+            <a:pPr lvl="2"/>
+            <a:r>
+              <a:rPr lang="en-US" altLang="zh-CN"/>
+              <a:t>usbipd bind --busid=&lt;BUSID&gt;</a:t>
+            </a:r>
+            <a:endParaRPr lang="en-US" altLang="zh-CN"/>
+          </a:p>
+          <a:p>
+            <a:pPr lvl="1"/>
+            <a:r>
+              <a:rPr lang="en-US" altLang="zh-CN"/>
+              <a:t>WSL2</a:t>
+            </a:r>
+            <a:endParaRPr lang="en-US" altLang="zh-CN"/>
+          </a:p>
+          <a:p>
+            <a:pPr lvl="2"/>
+            <a:r>
+              <a:rPr lang="en-US" altLang="zh-CN"/>
+              <a:t>sudo apt install linux-tools-common</a:t>
+            </a:r>
+            <a:endParaRPr lang="en-US" altLang="zh-CN"/>
+          </a:p>
+          <a:p>
+            <a:pPr lvl="2"/>
+            <a:r>
+              <a:rPr lang="en-US" altLang="zh-CN"/>
+              <a:t>usbipd wsl list</a:t>
+            </a:r>
+            <a:endParaRPr lang="en-US" altLang="zh-CN"/>
+          </a:p>
+          <a:p>
+            <a:pPr lvl="2"/>
+            <a:r>
+              <a:rPr lang="en-US" altLang="zh-CN"/>
+              <a:t>usbipd wsl attach --busid=&lt;BUSID&gt;</a:t>
+            </a:r>
+            <a:endParaRPr lang="en-US" altLang="zh-CN"/>
+          </a:p>
+        </p:txBody>
+      </p:sp>
+    </p:spTree>
+    <p:custDataLst>
+      <p:tags r:id="rId1"/>
+    </p:custDataLst>
+  </p:cSld>
+  <p:clrMapOvr>
+    <a:masterClrMapping/>
+  </p:clrMapOvr>
+</p:sld>
+</file>
+
+<file path=ppt/slides/slide16.xml><?xml version="1.0" encoding="utf-8"?>
+<p:sld xmlns:a="http://schemas.openxmlformats.org/drawingml/2006/main" xmlns:r="http://schemas.openxmlformats.org/officeDocument/2006/relationships" xmlns:p="http://schemas.openxmlformats.org/presentationml/2006/main">
+  <p:cSld>
+    <p:spTree>
+      <p:nvGrpSpPr>
+        <p:cNvPr id="1" name=""/>
+        <p:cNvGrpSpPr/>
+        <p:nvPr/>
+      </p:nvGrpSpPr>
+      <p:grpSpPr/>
+      <p:sp>
+        <p:nvSpPr>
+          <p:cNvPr id="2" name="标题 1"/>
+          <p:cNvSpPr>
+            <a:spLocks noGrp="1"/>
+          </p:cNvSpPr>
+          <p:nvPr>
+            <p:ph type="title"/>
+          </p:nvPr>
+        </p:nvSpPr>
+        <p:spPr/>
+        <p:txBody>
+          <a:bodyPr/>
+          <a:p>
+            <a:r>
+              <a:rPr lang="en-US" altLang="zh-CN"/>
+              <a:t>Back and Move</a:t>
+            </a:r>
+            <a:endParaRPr lang="en-US" altLang="zh-CN"/>
+          </a:p>
+        </p:txBody>
+      </p:sp>
+      <p:sp>
+        <p:nvSpPr>
+          <p:cNvPr id="3" name="内容占位符 2"/>
+          <p:cNvSpPr>
+            <a:spLocks noGrp="1"/>
+          </p:cNvSpPr>
+          <p:nvPr>
+            <p:ph idx="1"/>
+          </p:nvPr>
+        </p:nvSpPr>
+        <p:spPr/>
+        <p:txBody>
+          <a:bodyPr/>
+          <a:p>
+            <a:r>
+              <a:rPr lang="en-US" altLang="zh-CN"/>
+              <a:t>Export</a:t>
+            </a:r>
+            <a:endParaRPr lang="en-US" altLang="zh-CN"/>
+          </a:p>
+          <a:p>
+            <a:pPr lvl="1"/>
+            <a:r>
+              <a:rPr lang="en-US" altLang="zh-CN"/>
+              <a:t>wsl --list --verbose	// get linux distribution name</a:t>
+            </a:r>
+            <a:endParaRPr lang="en-US" altLang="zh-CN"/>
+          </a:p>
+          <a:p>
+            <a:pPr lvl="1"/>
+            <a:r>
+              <a:rPr lang="en-US" altLang="zh-CN"/>
+              <a:t>wsl --shutdown</a:t>
+            </a:r>
+            <a:endParaRPr lang="en-US" altLang="zh-CN"/>
+          </a:p>
+          <a:p>
+            <a:pPr lvl="1"/>
+            <a:r>
+              <a:rPr lang="en-US" altLang="zh-CN"/>
+              <a:t>mkdir D:\backup</a:t>
+            </a:r>
+            <a:endParaRPr lang="en-US" altLang="zh-CN"/>
+          </a:p>
+          <a:p>
+            <a:pPr lvl="1"/>
+            <a:r>
+              <a:rPr lang="en-US" altLang="zh-CN"/>
+              <a:t>wsl --export {Ubuntu-18.04} D:\backup\ubuntu-18.04.tar</a:t>
+            </a:r>
+            <a:endParaRPr lang="en-US" altLang="zh-CN"/>
+          </a:p>
+          <a:p>
+            <a:pPr lvl="1"/>
+            <a:r>
+              <a:rPr lang="en-US" altLang="zh-CN"/>
+              <a:t>wsl --unregister {Ubuntu-18.04}</a:t>
+            </a:r>
+            <a:endParaRPr lang="en-US" altLang="zh-CN"/>
+          </a:p>
+          <a:p>
+            <a:pPr lvl="0"/>
+            <a:r>
+              <a:rPr lang="en-US" altLang="zh-CN" sz="2400"/>
+              <a:t>Import</a:t>
+            </a:r>
+            <a:endParaRPr lang="en-US" altLang="zh-CN"/>
+          </a:p>
+          <a:p>
+            <a:pPr lvl="1"/>
+            <a:r>
+              <a:rPr lang="en-US" altLang="zh-CN"/>
+              <a:t>mkdir D:\WSL\</a:t>
+            </a:r>
+            <a:endParaRPr lang="en-US" altLang="zh-CN"/>
+          </a:p>
+          <a:p>
+            <a:pPr lvl="1"/>
+            <a:r>
+              <a:rPr lang="en-US" altLang="zh-CN"/>
+              <a:t>wsl --import {Ubuntu-18.04} D:\WSL\ D:\backup\ubuntu-18.04.tar</a:t>
+            </a:r>
+            <a:endParaRPr lang="en-US" altLang="zh-CN"/>
+          </a:p>
+          <a:p>
+            <a:pPr lvl="1"/>
+            <a:r>
+              <a:rPr lang="en-US" altLang="zh-CN"/>
+              <a:t>cd $env:USERPROFILE\AppData\Local\Microsoft\WindowsApps</a:t>
+            </a:r>
+            <a:endParaRPr lang="en-US" altLang="zh-CN"/>
+          </a:p>
+          <a:p>
+            <a:pPr lvl="1"/>
+            <a:r>
+              <a:rPr lang="en-US" altLang="zh-CN"/>
+              <a:t>.\ubuntu1804.exe config --default-user lgm</a:t>
+            </a:r>
+            <a:endParaRPr lang="en-US" altLang="zh-CN"/>
+          </a:p>
+          <a:p>
+            <a:pPr lvl="1"/>
+            <a:r>
+              <a:rPr lang="en-US" altLang="zh-CN"/>
+              <a:t>wsl --distribution {Ubuntu-18.04}</a:t>
+            </a:r>
+            <a:endParaRPr lang="en-US" altLang="zh-CN"/>
+          </a:p>
+        </p:txBody>
+      </p:sp>
+    </p:spTree>
+    <p:custDataLst>
+      <p:tags r:id="rId1"/>
+    </p:custDataLst>
+  </p:cSld>
+  <p:clrMapOvr>
+    <a:masterClrMapping/>
+  </p:clrMapOvr>
+</p:sld>
+</file>
+
+<file path=ppt/slides/slide17.xml><?xml version="1.0" encoding="utf-8"?>
+<p:sld xmlns:a="http://schemas.openxmlformats.org/drawingml/2006/main" xmlns:r="http://schemas.openxmlformats.org/officeDocument/2006/relationships" xmlns:p="http://schemas.openxmlformats.org/presentationml/2006/main">
+  <p:cSld>
+    <p:spTree>
+      <p:nvGrpSpPr>
+        <p:cNvPr id="1" name=""/>
+        <p:cNvGrpSpPr/>
+        <p:nvPr/>
+      </p:nvGrpSpPr>
+      <p:grpSpPr/>
+      <p:sp>
+        <p:nvSpPr>
+          <p:cNvPr id="2" name="标题 1"/>
+          <p:cNvSpPr>
+            <a:spLocks noGrp="1"/>
+          </p:cNvSpPr>
+          <p:nvPr>
+            <p:ph type="title"/>
+          </p:nvPr>
+        </p:nvSpPr>
+        <p:spPr/>
+        <p:txBody>
+          <a:bodyPr/>
+          <a:p>
+            <a:r>
+              <a:rPr lang="en-US" altLang="zh-CN"/>
               <a:t>FAQ</a:t>
             </a:r>
             <a:endParaRPr lang="en-US" altLang="zh-CN"/>
@@ -4535,6 +4780,38 @@
             <a:r>
               <a:rPr lang="en-US" altLang="zh-CN"/>
               <a:t>Use “sudo service redis-server start” instead</a:t>
+            </a:r>
+            <a:endParaRPr lang="en-US" altLang="zh-CN"/>
+          </a:p>
+          <a:p>
+            <a:pPr lvl="0"/>
+            <a:r>
+              <a:rPr lang="en-US" altLang="zh-CN"/>
+              <a:t>datetime is incorrect</a:t>
+            </a:r>
+            <a:endParaRPr lang="en-US" altLang="zh-CN"/>
+          </a:p>
+          <a:p>
+            <a:pPr lvl="1"/>
+            <a:r>
+              <a:rPr lang="en-US" altLang="zh-CN"/>
+              <a:t>sudo hwclock -s</a:t>
+            </a:r>
+            <a:endParaRPr lang="en-US" altLang="zh-CN"/>
+          </a:p>
+          <a:p>
+            <a:pPr lvl="1"/>
+            <a:r>
+              <a:rPr lang="en-US" altLang="zh-CN"/>
+              <a:t>sudo crontab -e</a:t>
+            </a:r>
+            <a:endParaRPr lang="en-US" altLang="zh-CN"/>
+          </a:p>
+          <a:p>
+            <a:pPr lvl="2"/>
+            <a:r>
+              <a:rPr lang="en-US" altLang="zh-CN"/>
+              <a:t>10 * * * * ntpdate time.windows.com </a:t>
             </a:r>
             <a:endParaRPr lang="en-US" altLang="zh-CN"/>
           </a:p>
@@ -4624,6 +4901,13 @@
             </a:r>
             <a:endParaRPr lang="zh-CN" altLang="en-US"/>
           </a:p>
+          <a:p>
+            <a:r>
+              <a:rPr lang="zh-CN" altLang="en-US"/>
+              <a:t>https://learn.microsoft.com/en-us/windows/wsl/basic-commands</a:t>
+            </a:r>
+            <a:endParaRPr lang="zh-CN" altLang="en-US"/>
+          </a:p>
         </p:txBody>
       </p:sp>
     </p:spTree>
@@ -4873,7 +5157,301 @@
           <a:p>
             <a:r>
               <a:rPr lang="en-US" altLang="zh-CN"/>
-              <a:t>Storage</a:t>
+              <a:t>Commands</a:t>
+            </a:r>
+            <a:endParaRPr lang="en-US" altLang="zh-CN"/>
+          </a:p>
+        </p:txBody>
+      </p:sp>
+      <p:graphicFrame>
+        <p:nvGraphicFramePr>
+          <p:cNvPr id="4" name="表格 3"/>
+          <p:cNvGraphicFramePr/>
+          <p:nvPr>
+            <p:custDataLst>
+              <p:tags r:id="rId1"/>
+            </p:custDataLst>
+          </p:nvPr>
+        </p:nvGraphicFramePr>
+        <p:xfrm>
+          <a:off x="914400" y="1276350"/>
+          <a:ext cx="10439400" cy="3385820"/>
+        </p:xfrm>
+        <a:graphic>
+          <a:graphicData uri="http://schemas.openxmlformats.org/drawingml/2006/table">
+            <a:tbl>
+              <a:tblPr firstRow="1" bandRow="1">
+                <a:tableStyleId>{5C22544A-7EE6-4342-B048-85BDC9FD1C3A}</a:tableStyleId>
+              </a:tblPr>
+              <a:tblGrid>
+                <a:gridCol w="3267710"/>
+                <a:gridCol w="3691890"/>
+                <a:gridCol w="3479800"/>
+              </a:tblGrid>
+              <a:tr h="617855">
+                <a:tc>
+                  <a:txBody>
+                    <a:bodyPr/>
+                    <a:p>
+                      <a:pPr algn="ctr">
+                        <a:buNone/>
+                      </a:pPr>
+                      <a:r>
+                        <a:rPr lang="en-US" altLang="zh-CN"/>
+                        <a:t>Command</a:t>
+                      </a:r>
+                      <a:endParaRPr lang="en-US" altLang="zh-CN"/>
+                    </a:p>
+                  </a:txBody>
+                  <a:tcPr anchor="ctr" anchorCtr="0"/>
+                </a:tc>
+                <a:tc>
+                  <a:txBody>
+                    <a:bodyPr/>
+                    <a:p>
+                      <a:pPr algn="ctr">
+                        <a:buNone/>
+                      </a:pPr>
+                      <a:r>
+                        <a:rPr lang="en-US" altLang="zh-CN"/>
+                        <a:t>Meaning</a:t>
+                      </a:r>
+                      <a:endParaRPr lang="en-US" altLang="zh-CN"/>
+                    </a:p>
+                  </a:txBody>
+                  <a:tcPr anchor="ctr" anchorCtr="0"/>
+                </a:tc>
+                <a:tc>
+                  <a:txBody>
+                    <a:bodyPr/>
+                    <a:p>
+                      <a:pPr algn="ctr">
+                        <a:buNone/>
+                      </a:pPr>
+                      <a:r>
+                        <a:rPr lang="en-US" altLang="zh-CN"/>
+                        <a:t>Note</a:t>
+                      </a:r>
+                      <a:endParaRPr lang="en-US" altLang="zh-CN"/>
+                    </a:p>
+                  </a:txBody>
+                  <a:tcPr anchor="ctr" anchorCtr="0"/>
+                </a:tc>
+              </a:tr>
+              <a:tr h="617855">
+                <a:tc>
+                  <a:txBody>
+                    <a:bodyPr/>
+                    <a:p>
+                      <a:pPr>
+                        <a:buNone/>
+                      </a:pPr>
+                      <a:r>
+                        <a:rPr lang="en-US" altLang="zh-CN"/>
+                        <a:t>wsl --list --all</a:t>
+                      </a:r>
+                      <a:endParaRPr lang="en-US" altLang="zh-CN"/>
+                    </a:p>
+                  </a:txBody>
+                  <a:tcPr anchor="ctr" anchorCtr="0"/>
+                </a:tc>
+                <a:tc>
+                  <a:txBody>
+                    <a:bodyPr/>
+                    <a:p>
+                      <a:pPr>
+                        <a:buNone/>
+                      </a:pPr>
+                      <a:r>
+                        <a:rPr lang="en-US" altLang="zh-CN"/>
+                        <a:t>List all installed distributions</a:t>
+                      </a:r>
+                      <a:endParaRPr lang="en-US" altLang="zh-CN"/>
+                    </a:p>
+                  </a:txBody>
+                  <a:tcPr anchor="ctr" anchorCtr="0"/>
+                </a:tc>
+                <a:tc>
+                  <a:txBody>
+                    <a:bodyPr/>
+                    <a:p>
+                      <a:pPr>
+                        <a:buNone/>
+                      </a:pPr>
+                      <a:endParaRPr lang="zh-CN" altLang="en-US"/>
+                    </a:p>
+                  </a:txBody>
+                  <a:tcPr anchor="ctr" anchorCtr="0"/>
+                </a:tc>
+              </a:tr>
+              <a:tr h="617855">
+                <a:tc>
+                  <a:txBody>
+                    <a:bodyPr/>
+                    <a:p>
+                      <a:pPr>
+                        <a:buNone/>
+                      </a:pPr>
+                      <a:r>
+                        <a:rPr lang="en-US" altLang="zh-CN"/>
+                        <a:t>wsl --distribution {distributionName} --user {userName}</a:t>
+                      </a:r>
+                      <a:endParaRPr lang="en-US" altLang="zh-CN"/>
+                    </a:p>
+                  </a:txBody>
+                  <a:tcPr anchor="ctr" anchorCtr="0"/>
+                </a:tc>
+                <a:tc>
+                  <a:txBody>
+                    <a:bodyPr/>
+                    <a:p>
+                      <a:pPr>
+                        <a:buNone/>
+                      </a:pPr>
+                      <a:r>
+                        <a:rPr lang="en-US" altLang="zh-CN"/>
+                        <a:t>Start a distribution with specified user</a:t>
+                      </a:r>
+                      <a:endParaRPr lang="en-US" altLang="zh-CN"/>
+                    </a:p>
+                  </a:txBody>
+                  <a:tcPr anchor="ctr" anchorCtr="0"/>
+                </a:tc>
+                <a:tc>
+                  <a:txBody>
+                    <a:bodyPr/>
+                    <a:p>
+                      <a:pPr>
+                        <a:buNone/>
+                      </a:pPr>
+                      <a:endParaRPr lang="zh-CN" altLang="en-US"/>
+                    </a:p>
+                  </a:txBody>
+                  <a:tcPr anchor="ctr" anchorCtr="0"/>
+                </a:tc>
+              </a:tr>
+              <a:tr h="617855">
+                <a:tc>
+                  <a:txBody>
+                    <a:bodyPr/>
+                    <a:p>
+                      <a:pPr>
+                        <a:buNone/>
+                      </a:pPr>
+                      <a:r>
+                        <a:rPr lang="en-US" altLang="zh-CN"/>
+                        <a:t>wsl --unregister {distributionName}</a:t>
+                      </a:r>
+                      <a:endParaRPr lang="en-US" altLang="zh-CN"/>
+                    </a:p>
+                  </a:txBody>
+                  <a:tcPr anchor="ctr" anchorCtr="0"/>
+                </a:tc>
+                <a:tc>
+                  <a:txBody>
+                    <a:bodyPr/>
+                    <a:p>
+                      <a:pPr>
+                        <a:buNone/>
+                      </a:pPr>
+                      <a:endParaRPr lang="zh-CN" altLang="en-US"/>
+                    </a:p>
+                  </a:txBody>
+                  <a:tcPr anchor="ctr" anchorCtr="0"/>
+                </a:tc>
+                <a:tc>
+                  <a:txBody>
+                    <a:bodyPr/>
+                    <a:p>
+                      <a:pPr>
+                        <a:buNone/>
+                      </a:pPr>
+                      <a:endParaRPr lang="zh-CN" altLang="en-US"/>
+                    </a:p>
+                  </a:txBody>
+                  <a:tcPr anchor="ctr" anchorCtr="0"/>
+                </a:tc>
+              </a:tr>
+              <a:tr h="617855">
+                <a:tc>
+                  <a:txBody>
+                    <a:bodyPr/>
+                    <a:p>
+                      <a:pPr>
+                        <a:buNone/>
+                      </a:pPr>
+                      <a:endParaRPr lang="zh-CN" altLang="en-US"/>
+                    </a:p>
+                  </a:txBody>
+                  <a:tcPr anchor="ctr" anchorCtr="0"/>
+                </a:tc>
+                <a:tc>
+                  <a:txBody>
+                    <a:bodyPr/>
+                    <a:p>
+                      <a:pPr>
+                        <a:buNone/>
+                      </a:pPr>
+                      <a:endParaRPr lang="zh-CN" altLang="en-US"/>
+                    </a:p>
+                  </a:txBody>
+                  <a:tcPr anchor="ctr" anchorCtr="0"/>
+                </a:tc>
+                <a:tc>
+                  <a:txBody>
+                    <a:bodyPr/>
+                    <a:p>
+                      <a:pPr>
+                        <a:buNone/>
+                      </a:pPr>
+                      <a:endParaRPr lang="zh-CN" altLang="en-US"/>
+                    </a:p>
+                  </a:txBody>
+                  <a:tcPr anchor="ctr" anchorCtr="0"/>
+                </a:tc>
+              </a:tr>
+            </a:tbl>
+          </a:graphicData>
+        </a:graphic>
+      </p:graphicFrame>
+    </p:spTree>
+    <p:custDataLst>
+      <p:tags r:id="rId2"/>
+    </p:custDataLst>
+  </p:cSld>
+  <p:clrMapOvr>
+    <a:masterClrMapping/>
+  </p:clrMapOvr>
+</p:sld>
+</file>
+
+<file path=ppt/slides/slide5.xml><?xml version="1.0" encoding="utf-8"?>
+<p:sld xmlns:a="http://schemas.openxmlformats.org/drawingml/2006/main" xmlns:r="http://schemas.openxmlformats.org/officeDocument/2006/relationships" xmlns:p="http://schemas.openxmlformats.org/presentationml/2006/main">
+  <p:cSld>
+    <p:spTree>
+      <p:nvGrpSpPr>
+        <p:cNvPr id="1" name=""/>
+        <p:cNvGrpSpPr/>
+        <p:nvPr/>
+      </p:nvGrpSpPr>
+      <p:grpSpPr/>
+      <p:sp>
+        <p:nvSpPr>
+          <p:cNvPr id="2" name="标题 1"/>
+          <p:cNvSpPr>
+            <a:spLocks noGrp="1"/>
+          </p:cNvSpPr>
+          <p:nvPr>
+            <p:ph type="title"/>
+          </p:nvPr>
+        </p:nvSpPr>
+        <p:spPr/>
+        <p:txBody>
+          <a:bodyPr/>
+          <a:p>
+            <a:r>
+              <a:rPr lang="en-US" altLang="zh-CN"/>
+              <a:t>Config</a:t>
             </a:r>
             <a:endParaRPr lang="en-US" altLang="zh-CN"/>
           </a:p>
@@ -4889,134 +5467,38 @@
             <p:ph idx="1"/>
           </p:nvPr>
         </p:nvSpPr>
-        <p:spPr>
-          <a:xfrm>
-            <a:off x="838200" y="1211580"/>
-            <a:ext cx="10515600" cy="5026660"/>
-          </a:xfrm>
-        </p:spPr>
-        <p:txBody>
-          <a:bodyPr>
-            <a:normAutofit/>
-          </a:bodyPr>
-          <a:p>
-            <a:r>
-              <a:rPr lang="zh-CN" altLang="en-US" sz="2000"/>
-              <a:t>C:\Users\</a:t>
-            </a:r>
+        <p:spPr/>
+        <p:txBody>
+          <a:bodyPr/>
+          <a:p>
+            <a:r>
+              <a:rPr lang="en-US" altLang="zh-CN"/>
+              <a:t>${user_home}/.wslconfig</a:t>
+            </a:r>
+            <a:endParaRPr lang="en-US" altLang="zh-CN"/>
+          </a:p>
+          <a:p>
+            <a:pPr lvl="1"/>
             <a:r>
               <a:rPr lang="en-US" altLang="zh-CN" sz="2000"/>
-              <a:t>{username}</a:t>
-            </a:r>
-            <a:r>
-              <a:rPr lang="zh-CN" altLang="en-US" sz="2000"/>
-              <a:t>\AppData\Local\Packages</a:t>
-            </a:r>
-            <a:endParaRPr lang="zh-CN" altLang="en-US" sz="2000"/>
+              <a:t>global for all distributions</a:t>
+            </a:r>
+            <a:endParaRPr lang="en-US" altLang="zh-CN"/>
+          </a:p>
+          <a:p>
+            <a:r>
+              <a:rPr lang="en-US" altLang="zh-CN"/>
+              <a:t>/etc/wsl.config</a:t>
+            </a:r>
+            <a:endParaRPr lang="en-US" altLang="zh-CN"/>
           </a:p>
           <a:p>
             <a:pPr lvl="1"/>
             <a:r>
-              <a:rPr lang="zh-CN" altLang="en-US" sz="1800"/>
-              <a:t>CanonicalGroupLimited.Ubuntu18.04onWindows_79rhkp1fndgsc</a:t>
-            </a:r>
-            <a:endParaRPr lang="zh-CN" altLang="en-US" sz="1800"/>
-          </a:p>
-          <a:p>
-            <a:pPr lvl="0"/>
-            <a:r>
-              <a:rPr lang="en-US" altLang="zh-CN" sz="2000"/>
-              <a:t>Disk in Linux</a:t>
-            </a:r>
-            <a:endParaRPr lang="en-US" altLang="zh-CN" sz="2000"/>
-          </a:p>
-          <a:p>
-            <a:pPr lvl="1"/>
-            <a:r>
-              <a:rPr lang="en-US" altLang="zh-CN" sz="1800"/>
-              <a:t>C:\Windows\WinSxS\amd64_microsoft-windows-lxss-vm-mode_31bf3856ad364e35_10.0.18362.1049_none_dc51d333d925c283\ext4.vhdx.gz</a:t>
-            </a:r>
-            <a:endParaRPr lang="en-US" altLang="zh-CN" sz="1800"/>
-          </a:p>
-          <a:p>
-            <a:pPr lvl="0"/>
-            <a:r>
-              <a:rPr lang="en-US" altLang="zh-CN" sz="2000"/>
-              <a:t>Shrink disk size in Linux</a:t>
-            </a:r>
-            <a:endParaRPr lang="en-US" altLang="zh-CN" sz="2000"/>
-          </a:p>
-          <a:p>
-            <a:pPr lvl="1"/>
-            <a:r>
-              <a:rPr lang="en-US" altLang="zh-CN" sz="1800"/>
-              <a:t>References: https://stephenreescarter.net/how-to-shrink-a-wsl2-virtual-disk/</a:t>
-            </a:r>
-            <a:endParaRPr lang="en-US" altLang="zh-CN" sz="1800"/>
-          </a:p>
-          <a:p>
-            <a:pPr lvl="1"/>
-            <a:r>
-              <a:rPr lang="en-US" altLang="zh-CN" sz="1800"/>
-              <a:t>wsl -l -v</a:t>
-            </a:r>
-            <a:endParaRPr lang="en-US" altLang="zh-CN" sz="1800"/>
-          </a:p>
-          <a:p>
-            <a:pPr lvl="1"/>
-            <a:r>
-              <a:rPr lang="en-US" altLang="zh-CN" sz="1800"/>
-              <a:t>wsl --terminate {Ubuntu-18.04}</a:t>
-            </a:r>
-            <a:endParaRPr lang="en-US" altLang="zh-CN" sz="1800"/>
-          </a:p>
-          <a:p>
-            <a:pPr lvl="1"/>
-            <a:r>
-              <a:rPr lang="en-US" altLang="zh-CN" sz="1800"/>
-              <a:t>diskpart</a:t>
-            </a:r>
-            <a:endParaRPr lang="en-US" altLang="zh-CN" sz="1800"/>
-          </a:p>
-          <a:p>
-            <a:pPr lvl="2"/>
-            <a:r>
-              <a:rPr lang="en-US" altLang="zh-CN" sz="1600"/>
-              <a:t>select vdisk file="&lt;PATH-TO-VHDX&gt;"</a:t>
-            </a:r>
-            <a:endParaRPr lang="en-US" altLang="zh-CN" sz="1600"/>
-          </a:p>
-          <a:p>
-            <a:pPr lvl="2"/>
-            <a:r>
-              <a:rPr lang="en-US" altLang="zh-CN" sz="1600"/>
-              <a:t>attach vdisk readonly</a:t>
-            </a:r>
-            <a:endParaRPr lang="en-US" altLang="zh-CN" sz="1600"/>
-          </a:p>
-          <a:p>
-            <a:pPr lvl="2"/>
-            <a:r>
-              <a:rPr lang="en-US" altLang="zh-CN" sz="1600"/>
-              <a:t>compact vdisk</a:t>
-            </a:r>
-            <a:endParaRPr lang="en-US" altLang="zh-CN" sz="1600"/>
-          </a:p>
-          <a:p>
-            <a:pPr lvl="3"/>
-            <a:r>
-              <a:rPr lang="en-US" altLang="zh-CN" sz="1600"/>
-              <a:t>waiting...</a:t>
-            </a:r>
-            <a:endParaRPr lang="en-US" altLang="zh-CN" sz="1600"/>
-          </a:p>
-          <a:p>
-            <a:pPr lvl="2"/>
-            <a:r>
-              <a:rPr lang="en-US" altLang="zh-CN" sz="1600"/>
-              <a:t>detach vdisk</a:t>
-            </a:r>
-            <a:endParaRPr lang="en-US" altLang="zh-CN" sz="1600"/>
+              <a:rPr lang="en-US" altLang="zh-CN"/>
+              <a:t>for each distribution</a:t>
+            </a:r>
+            <a:endParaRPr lang="en-US" altLang="zh-CN"/>
           </a:p>
         </p:txBody>
       </p:sp>
@@ -5031,7 +5513,191 @@
 </p:sld>
 </file>
 
-<file path=ppt/slides/slide5.xml><?xml version="1.0" encoding="utf-8"?>
+<file path=ppt/slides/slide6.xml><?xml version="1.0" encoding="utf-8"?>
+<p:sld xmlns:a="http://schemas.openxmlformats.org/drawingml/2006/main" xmlns:r="http://schemas.openxmlformats.org/officeDocument/2006/relationships" xmlns:p="http://schemas.openxmlformats.org/presentationml/2006/main">
+  <p:cSld>
+    <p:spTree>
+      <p:nvGrpSpPr>
+        <p:cNvPr id="1" name=""/>
+        <p:cNvGrpSpPr/>
+        <p:nvPr/>
+      </p:nvGrpSpPr>
+      <p:grpSpPr/>
+      <p:sp>
+        <p:nvSpPr>
+          <p:cNvPr id="2" name="标题 1"/>
+          <p:cNvSpPr>
+            <a:spLocks noGrp="1"/>
+          </p:cNvSpPr>
+          <p:nvPr>
+            <p:ph type="title"/>
+          </p:nvPr>
+        </p:nvSpPr>
+        <p:spPr/>
+        <p:txBody>
+          <a:bodyPr/>
+          <a:p>
+            <a:r>
+              <a:rPr lang="en-US" altLang="zh-CN"/>
+              <a:t>Storage</a:t>
+            </a:r>
+            <a:endParaRPr lang="en-US" altLang="zh-CN"/>
+          </a:p>
+        </p:txBody>
+      </p:sp>
+      <p:sp>
+        <p:nvSpPr>
+          <p:cNvPr id="3" name="内容占位符 2"/>
+          <p:cNvSpPr>
+            <a:spLocks noGrp="1"/>
+          </p:cNvSpPr>
+          <p:nvPr>
+            <p:ph idx="1"/>
+          </p:nvPr>
+        </p:nvSpPr>
+        <p:spPr>
+          <a:xfrm>
+            <a:off x="838200" y="1211580"/>
+            <a:ext cx="10515600" cy="5026660"/>
+          </a:xfrm>
+        </p:spPr>
+        <p:txBody>
+          <a:bodyPr>
+            <a:normAutofit/>
+          </a:bodyPr>
+          <a:p>
+            <a:r>
+              <a:rPr lang="zh-CN" altLang="en-US" sz="2000"/>
+              <a:t>C:\Users\</a:t>
+            </a:r>
+            <a:r>
+              <a:rPr lang="en-US" altLang="zh-CN" sz="2000"/>
+              <a:t>{username}</a:t>
+            </a:r>
+            <a:r>
+              <a:rPr lang="zh-CN" altLang="en-US" sz="2000"/>
+              <a:t>\AppData\Local\Packages</a:t>
+            </a:r>
+            <a:endParaRPr lang="zh-CN" altLang="en-US" sz="2000"/>
+          </a:p>
+          <a:p>
+            <a:pPr lvl="1"/>
+            <a:r>
+              <a:rPr lang="zh-CN" altLang="en-US" sz="1800"/>
+              <a:t>CanonicalGroupLimited.Ubuntu18.04onWindows_79rhkp1fndgsc</a:t>
+            </a:r>
+            <a:endParaRPr lang="zh-CN" altLang="en-US" sz="1800"/>
+          </a:p>
+          <a:p>
+            <a:pPr lvl="0"/>
+            <a:r>
+              <a:rPr lang="en-US" altLang="zh-CN" sz="2000"/>
+              <a:t>Disk in Linux</a:t>
+            </a:r>
+            <a:endParaRPr lang="en-US" altLang="zh-CN" sz="2000"/>
+          </a:p>
+          <a:p>
+            <a:pPr lvl="1"/>
+            <a:r>
+              <a:rPr lang="en-US" altLang="zh-CN" sz="1800"/>
+              <a:t>C:\Windows\WinSxS\amd64_microsoft-windows-lxss-vm-mode_31bf3856ad364e35_10.0.18362.1049_none_dc51d333d925c283\ext4.vhdx.gz</a:t>
+            </a:r>
+            <a:endParaRPr lang="en-US" altLang="zh-CN" sz="1800"/>
+          </a:p>
+          <a:p>
+            <a:pPr lvl="0"/>
+            <a:r>
+              <a:rPr lang="en-US" altLang="zh-CN" sz="2000"/>
+              <a:t>Shrink disk size in Linux</a:t>
+            </a:r>
+            <a:endParaRPr lang="en-US" altLang="zh-CN" sz="2000"/>
+          </a:p>
+          <a:p>
+            <a:pPr lvl="1"/>
+            <a:r>
+              <a:rPr lang="en-US" altLang="zh-CN" sz="1800"/>
+              <a:t>References: https://stephenreescarter.net/how-to-shrink-a-wsl2-virtual-disk/</a:t>
+            </a:r>
+            <a:endParaRPr lang="en-US" altLang="zh-CN" sz="1800"/>
+          </a:p>
+          <a:p>
+            <a:pPr lvl="1"/>
+            <a:r>
+              <a:rPr lang="en-US" altLang="zh-CN" sz="1800"/>
+              <a:t>wsl -l -v</a:t>
+            </a:r>
+            <a:endParaRPr lang="en-US" altLang="zh-CN" sz="1800"/>
+          </a:p>
+          <a:p>
+            <a:pPr lvl="1"/>
+            <a:r>
+              <a:rPr lang="en-US" altLang="zh-CN" sz="1800"/>
+              <a:t>wsl --terminate {Ubuntu-18.04}</a:t>
+            </a:r>
+            <a:endParaRPr lang="en-US" altLang="zh-CN" sz="1800"/>
+          </a:p>
+          <a:p>
+            <a:pPr lvl="1"/>
+            <a:r>
+              <a:rPr lang="en-US" altLang="zh-CN" sz="1800"/>
+              <a:t>diskpart</a:t>
+            </a:r>
+            <a:endParaRPr lang="en-US" altLang="zh-CN" sz="1800"/>
+          </a:p>
+          <a:p>
+            <a:pPr lvl="2"/>
+            <a:r>
+              <a:rPr lang="en-US" altLang="zh-CN" sz="1600"/>
+              <a:t>select vdisk file="&lt;PATH-TO-VHDX&gt;"</a:t>
+            </a:r>
+            <a:endParaRPr lang="en-US" altLang="zh-CN" sz="1600"/>
+          </a:p>
+          <a:p>
+            <a:pPr lvl="2"/>
+            <a:r>
+              <a:rPr lang="en-US" altLang="zh-CN" sz="1600"/>
+              <a:t>attach vdisk readonly</a:t>
+            </a:r>
+            <a:endParaRPr lang="en-US" altLang="zh-CN" sz="1600"/>
+          </a:p>
+          <a:p>
+            <a:pPr lvl="2"/>
+            <a:r>
+              <a:rPr lang="en-US" altLang="zh-CN" sz="1600"/>
+              <a:t>compact vdisk</a:t>
+            </a:r>
+            <a:endParaRPr lang="en-US" altLang="zh-CN" sz="1600"/>
+          </a:p>
+          <a:p>
+            <a:pPr lvl="3"/>
+            <a:r>
+              <a:rPr lang="en-US" altLang="zh-CN" sz="1600"/>
+              <a:t>waiting...</a:t>
+            </a:r>
+            <a:endParaRPr lang="en-US" altLang="zh-CN" sz="1600"/>
+          </a:p>
+          <a:p>
+            <a:pPr lvl="2"/>
+            <a:r>
+              <a:rPr lang="en-US" altLang="zh-CN" sz="1600"/>
+              <a:t>detach vdisk</a:t>
+            </a:r>
+            <a:endParaRPr lang="en-US" altLang="zh-CN" sz="1600"/>
+          </a:p>
+        </p:txBody>
+      </p:sp>
+    </p:spTree>
+    <p:custDataLst>
+      <p:tags r:id="rId1"/>
+    </p:custDataLst>
+  </p:cSld>
+  <p:clrMapOvr>
+    <a:masterClrMapping/>
+  </p:clrMapOvr>
+</p:sld>
+</file>
+
+<file path=ppt/slides/slide7.xml><?xml version="1.0" encoding="utf-8"?>
 <p:sld xmlns:a="http://schemas.openxmlformats.org/drawingml/2006/main" xmlns:r="http://schemas.openxmlformats.org/officeDocument/2006/relationships" xmlns:p="http://schemas.openxmlformats.org/presentationml/2006/main">
   <p:cSld>
     <p:spTree>
@@ -5235,7 +5901,7 @@
 </p:sld>
 </file>
 
-<file path=ppt/slides/slide6.xml><?xml version="1.0" encoding="utf-8"?>
+<file path=ppt/slides/slide8.xml><?xml version="1.0" encoding="utf-8"?>
 <p:sld xmlns:a="http://schemas.openxmlformats.org/drawingml/2006/main" xmlns:r="http://schemas.openxmlformats.org/officeDocument/2006/relationships" xmlns:p="http://schemas.openxmlformats.org/presentationml/2006/main">
   <p:cSld>
     <p:spTree>
@@ -5481,151 +6147,6 @@
 </p:sld>
 </file>
 
-<file path=ppt/slides/slide7.xml><?xml version="1.0" encoding="utf-8"?>
-<p:sld xmlns:a="http://schemas.openxmlformats.org/drawingml/2006/main" xmlns:r="http://schemas.openxmlformats.org/officeDocument/2006/relationships" xmlns:p="http://schemas.openxmlformats.org/presentationml/2006/main">
-  <p:cSld>
-    <p:spTree>
-      <p:nvGrpSpPr>
-        <p:cNvPr id="1" name=""/>
-        <p:cNvGrpSpPr/>
-        <p:nvPr/>
-      </p:nvGrpSpPr>
-      <p:grpSpPr/>
-      <p:sp>
-        <p:nvSpPr>
-          <p:cNvPr id="2" name="标题 1"/>
-          <p:cNvSpPr>
-            <a:spLocks noGrp="1"/>
-          </p:cNvSpPr>
-          <p:nvPr>
-            <p:ph type="title"/>
-          </p:nvPr>
-        </p:nvSpPr>
-        <p:spPr/>
-        <p:txBody>
-          <a:bodyPr/>
-          <a:p>
-            <a:r>
-              <a:rPr lang="en-US" altLang="zh-CN"/>
-              <a:t>Access WSL files in Windows</a:t>
-            </a:r>
-            <a:endParaRPr lang="en-US" altLang="zh-CN"/>
-          </a:p>
-        </p:txBody>
-      </p:sp>
-      <p:sp>
-        <p:nvSpPr>
-          <p:cNvPr id="3" name="内容占位符 2"/>
-          <p:cNvSpPr>
-            <a:spLocks noGrp="1"/>
-          </p:cNvSpPr>
-          <p:nvPr>
-            <p:ph idx="1"/>
-          </p:nvPr>
-        </p:nvSpPr>
-        <p:spPr/>
-        <p:txBody>
-          <a:bodyPr/>
-          <a:p>
-            <a:r>
-              <a:rPr lang="en-US" altLang="zh-CN"/>
-              <a:t>In Explorer, input “\\wsl$”</a:t>
-            </a:r>
-            <a:endParaRPr lang="en-US" altLang="zh-CN"/>
-          </a:p>
-          <a:p>
-            <a:r>
-              <a:rPr lang="en-US" altLang="zh-CN"/>
-              <a:t>In WSL, input “explorer.exe .”</a:t>
-            </a:r>
-            <a:endParaRPr lang="en-US" altLang="zh-CN"/>
-          </a:p>
-        </p:txBody>
-      </p:sp>
-    </p:spTree>
-    <p:custDataLst>
-      <p:tags r:id="rId1"/>
-    </p:custDataLst>
-  </p:cSld>
-  <p:clrMapOvr>
-    <a:masterClrMapping/>
-  </p:clrMapOvr>
-</p:sld>
-</file>
-
-<file path=ppt/slides/slide8.xml><?xml version="1.0" encoding="utf-8"?>
-<p:sld xmlns:a="http://schemas.openxmlformats.org/drawingml/2006/main" xmlns:r="http://schemas.openxmlformats.org/officeDocument/2006/relationships" xmlns:p="http://schemas.openxmlformats.org/presentationml/2006/main">
-  <p:cSld>
-    <p:spTree>
-      <p:nvGrpSpPr>
-        <p:cNvPr id="1" name=""/>
-        <p:cNvGrpSpPr/>
-        <p:nvPr/>
-      </p:nvGrpSpPr>
-      <p:grpSpPr/>
-      <p:sp>
-        <p:nvSpPr>
-          <p:cNvPr id="2" name="标题 1"/>
-          <p:cNvSpPr>
-            <a:spLocks noGrp="1"/>
-          </p:cNvSpPr>
-          <p:nvPr>
-            <p:ph type="title"/>
-          </p:nvPr>
-        </p:nvSpPr>
-        <p:spPr/>
-        <p:txBody>
-          <a:bodyPr/>
-          <a:p>
-            <a:r>
-              <a:rPr lang="en-US" altLang="zh-CN"/>
-              <a:t>Network</a:t>
-            </a:r>
-            <a:endParaRPr lang="en-US" altLang="zh-CN"/>
-          </a:p>
-        </p:txBody>
-      </p:sp>
-      <p:sp>
-        <p:nvSpPr>
-          <p:cNvPr id="3" name="内容占位符 2"/>
-          <p:cNvSpPr>
-            <a:spLocks noGrp="1"/>
-          </p:cNvSpPr>
-          <p:nvPr>
-            <p:ph idx="1"/>
-          </p:nvPr>
-        </p:nvSpPr>
-        <p:spPr/>
-        <p:txBody>
-          <a:bodyPr/>
-          <a:p>
-            <a:r>
-              <a:rPr lang="en-US" altLang="zh-CN"/>
-              <a:t>Access Windows local host</a:t>
-            </a:r>
-            <a:endParaRPr lang="en-US" altLang="zh-CN"/>
-          </a:p>
-          <a:p>
-            <a:pPr lvl="1"/>
-            <a:r>
-              <a:rPr lang="en-US" altLang="zh-CN"/>
-              <a:t>cat /etc/resolve.conf</a:t>
-            </a:r>
-            <a:endParaRPr lang="en-US" altLang="zh-CN"/>
-          </a:p>
-        </p:txBody>
-      </p:sp>
-    </p:spTree>
-    <p:custDataLst>
-      <p:tags r:id="rId1"/>
-    </p:custDataLst>
-  </p:cSld>
-  <p:clrMapOvr>
-    <a:masterClrMapping/>
-  </p:clrMapOvr>
-</p:sld>
-</file>
-
 <file path=ppt/slides/slide9.xml><?xml version="1.0" encoding="utf-8"?>
 <p:sld xmlns:a="http://schemas.openxmlformats.org/drawingml/2006/main" xmlns:r="http://schemas.openxmlformats.org/officeDocument/2006/relationships" xmlns:p="http://schemas.openxmlformats.org/presentationml/2006/main">
   <p:cSld>
@@ -5652,7 +6173,7 @@
           <a:p>
             <a:r>
               <a:rPr lang="en-US" altLang="zh-CN"/>
-              <a:t>GPU</a:t>
+              <a:t>Access WSL files in Windows</a:t>
             </a:r>
             <a:endParaRPr lang="en-US" altLang="zh-CN"/>
           </a:p>
@@ -5674,29 +6195,14 @@
           <a:p>
             <a:r>
               <a:rPr lang="en-US" altLang="zh-CN"/>
-              <a:t>sudo apt install nvidia-384</a:t>
-            </a:r>
-            <a:endParaRPr lang="en-US" altLang="zh-CN"/>
-          </a:p>
-          <a:p>
-            <a:r>
-              <a:rPr lang="en-US" altLang="zh-CN"/>
-              <a:t>glxinfo | grep “OpenGL”</a:t>
-            </a:r>
-            <a:endParaRPr lang="en-US" altLang="zh-CN"/>
-          </a:p>
-          <a:p>
-            <a:r>
-              <a:rPr lang="en-US" altLang="zh-CN"/>
-              <a:t>sudo apt install mesa-utils</a:t>
-            </a:r>
-            <a:endParaRPr lang="en-US" altLang="zh-CN"/>
-          </a:p>
-          <a:p>
-            <a:pPr lvl="1"/>
-            <a:r>
-              <a:rPr lang="en-US" altLang="zh-CN"/>
-              <a:t>glxgears -info</a:t>
+              <a:t>In Explorer, input “\\wsl$”</a:t>
+            </a:r>
+            <a:endParaRPr lang="en-US" altLang="zh-CN"/>
+          </a:p>
+          <a:p>
+            <a:r>
+              <a:rPr lang="en-US" altLang="zh-CN"/>
+              <a:t>In WSL, input “explorer.exe .”</a:t>
             </a:r>
             <a:endParaRPr lang="en-US" altLang="zh-CN"/>
           </a:p>
@@ -5819,7 +6325,31 @@
 
 <file path=ppt/tags/tag21.xml><?xml version="1.0" encoding="utf-8"?>
 <p:tagLst xmlns:p="http://schemas.openxmlformats.org/presentationml/2006/main">
-  <p:tag name="COMMONDATA" val="eyJoZGlkIjoiODcwZjc5M2RmYzUwOWE5MjVkODVjZGMyZDUwOTRjYmEifQ=="/>
+  <p:tag name="KSO_WM_BEAUTIFY_FLAG" val="#wm#"/>
+  <p:tag name="KSO_WM_TEMPLATE_CATEGORY" val="custom"/>
+  <p:tag name="KSO_WM_TEMPLATE_INDEX" val="160402"/>
+</p:tagLst>
+</file>
+
+<file path=ppt/tags/tag22.xml><?xml version="1.0" encoding="utf-8"?>
+<p:tagLst xmlns:p="http://schemas.openxmlformats.org/presentationml/2006/main">
+  <p:tag name="KSO_WM_BEAUTIFY_FLAG" val="#wm#"/>
+  <p:tag name="KSO_WM_TEMPLATE_CATEGORY" val="custom"/>
+  <p:tag name="KSO_WM_TEMPLATE_INDEX" val="160402"/>
+</p:tagLst>
+</file>
+
+<file path=ppt/tags/tag23.xml><?xml version="1.0" encoding="utf-8"?>
+<p:tagLst xmlns:p="http://schemas.openxmlformats.org/presentationml/2006/main">
+  <p:tag name="KSO_WM_BEAUTIFY_FLAG" val="#wm#"/>
+  <p:tag name="KSO_WM_TEMPLATE_CATEGORY" val="custom"/>
+  <p:tag name="KSO_WM_TEMPLATE_INDEX" val="160402"/>
+</p:tagLst>
+</file>
+
+<file path=ppt/tags/tag24.xml><?xml version="1.0" encoding="utf-8"?>
+<p:tagLst xmlns:p="http://schemas.openxmlformats.org/presentationml/2006/main">
+  <p:tag name="COMMONDATA" val="eyJoZGlkIjoiYjRhZjQ5NWVmZmQxNmM3NmNkNDYxNWRmNzNmMjA1ZDAifQ=="/>
   <p:tag name="KSO_WPP_MARK_KEY" val="4a1a885f-1ec6-43c3-80e1-c5ff2134d3c6"/>
 </p:tagLst>
 </file>
@@ -5911,9 +6441,9 @@
 
 <file path=ppt/tags/tag9.xml><?xml version="1.0" encoding="utf-8"?>
 <p:tagLst xmlns:p="http://schemas.openxmlformats.org/presentationml/2006/main">
-  <p:tag name="KSO_WM_BEAUTIFY_FLAG" val="#wm#"/>
-  <p:tag name="KSO_WM_TEMPLATE_CATEGORY" val="custom"/>
-  <p:tag name="KSO_WM_TEMPLATE_INDEX" val="160402"/>
+  <p:tag name="KSO_WM_UNIT_TABLE_BEAUTIFY" val="smartTable{03bc658e-fe58-45c3-8748-114003af1683}"/>
+  <p:tag name="TABLE_ENDDRAG_ORIGIN_RECT" val="821*243"/>
+  <p:tag name="TABLE_ENDDRAG_RECT" val="72*100*821*243"/>
 </p:tagLst>
 </file>
 

--- a/Linux/WSL_Notes.pptx
+++ b/Linux/WSL_Notes.pptx
@@ -8,7 +8,7 @@
     <p:notesMasterId r:id="rId4"/>
   </p:notesMasterIdLst>
   <p:handoutMasterIdLst>
-    <p:handoutMasterId r:id="rId21"/>
+    <p:handoutMasterId r:id="rId22"/>
   </p:handoutMasterIdLst>
   <p:sldIdLst>
     <p:sldId id="256" r:id="rId3"/>
@@ -23,16 +23,17 @@
     <p:sldId id="275" r:id="rId13"/>
     <p:sldId id="259" r:id="rId14"/>
     <p:sldId id="269" r:id="rId15"/>
-    <p:sldId id="282" r:id="rId16"/>
-    <p:sldId id="280" r:id="rId17"/>
-    <p:sldId id="286" r:id="rId18"/>
-    <p:sldId id="288" r:id="rId19"/>
-    <p:sldId id="279" r:id="rId20"/>
+    <p:sldId id="304" r:id="rId16"/>
+    <p:sldId id="282" r:id="rId17"/>
+    <p:sldId id="280" r:id="rId18"/>
+    <p:sldId id="286" r:id="rId19"/>
+    <p:sldId id="288" r:id="rId20"/>
+    <p:sldId id="279" r:id="rId21"/>
   </p:sldIdLst>
   <p:sldSz cx="12192000" cy="6858000"/>
   <p:notesSz cx="6858000" cy="9144000"/>
   <p:custDataLst>
-    <p:tags r:id="rId25"/>
+    <p:tags r:id="rId26"/>
   </p:custDataLst>
   <p:defaultTextStyle>
     <a:defPPr>
@@ -4099,13 +4100,11 @@
         </p:nvSpPr>
         <p:spPr/>
         <p:txBody>
-          <a:bodyPr>
-            <a:normAutofit lnSpcReduction="20000"/>
-          </a:bodyPr>
-          <a:p>
-            <a:r>
-              <a:rPr lang="en-US" altLang="zh-CN"/>
-              <a:t>References</a:t>
+          <a:bodyPr/>
+          <a:p>
+            <a:r>
+              <a:rPr lang="en-US" altLang="zh-CN"/>
+              <a:t>Steps</a:t>
             </a:r>
             <a:endParaRPr lang="en-US" altLang="zh-CN"/>
           </a:p>
@@ -4113,111 +4112,31 @@
             <a:pPr lvl="1"/>
             <a:r>
               <a:rPr lang="en-US" altLang="zh-CN"/>
-              <a:t>https://docs.microsoft.com/en-us/windows/wsl/connect-usb</a:t>
-            </a:r>
-            <a:endParaRPr lang="en-US" altLang="zh-CN"/>
-          </a:p>
-          <a:p>
-            <a:pPr lvl="0"/>
-            <a:r>
-              <a:rPr lang="en-US" altLang="zh-CN"/>
-              <a:t>Steps</a:t>
+              <a:t>wsl --shutdown</a:t>
             </a:r>
             <a:endParaRPr lang="en-US" altLang="zh-CN"/>
           </a:p>
           <a:p>
             <a:pPr lvl="1"/>
             <a:r>
-              <a:rPr lang="en-US" altLang="zh-CN"/>
-              <a:t>download and install windows support</a:t>
-            </a:r>
-            <a:endParaRPr lang="en-US" altLang="zh-CN"/>
-          </a:p>
-          <a:p>
-            <a:pPr lvl="2"/>
-            <a:r>
-              <a:rPr lang="en-US" altLang="zh-CN"/>
-              <a:t>https://github.com/dorssel/usbipd-win/releases</a:t>
-            </a:r>
-            <a:endParaRPr lang="en-US" altLang="zh-CN"/>
-          </a:p>
-          <a:p>
-            <a:pPr lvl="2"/>
-            <a:r>
-              <a:rPr lang="en-US" altLang="zh-CN"/>
-              <a:t>winget install --interactive --exact dorssel.usbipd-win</a:t>
-            </a:r>
-            <a:endParaRPr lang="en-US" altLang="zh-CN"/>
+              <a:rPr lang="zh-CN" altLang="en-US"/>
+              <a:t>插入</a:t>
+            </a:r>
+            <a:r>
+              <a:rPr lang="en-US" altLang="zh-CN"/>
+              <a:t>U</a:t>
+            </a:r>
+            <a:r>
+              <a:rPr lang="zh-CN" altLang="en-US"/>
+              <a:t>盘</a:t>
+            </a:r>
+            <a:endParaRPr lang="zh-CN" altLang="en-US"/>
           </a:p>
           <a:p>
             <a:pPr lvl="1"/>
             <a:r>
               <a:rPr lang="en-US" altLang="zh-CN"/>
-              <a:t>install tools in Linux</a:t>
-            </a:r>
-            <a:endParaRPr lang="en-US" altLang="zh-CN"/>
-          </a:p>
-          <a:p>
-            <a:pPr lvl="2"/>
-            <a:r>
-              <a:rPr lang="en-US" altLang="zh-CN"/>
-              <a:t>sudo apt install linux-tools-5.4.0-77-generic hwdata</a:t>
-            </a:r>
-            <a:endParaRPr lang="en-US" altLang="zh-CN"/>
-          </a:p>
-          <a:p>
-            <a:pPr lvl="2"/>
-            <a:r>
-              <a:rPr lang="en-US" altLang="zh-CN"/>
-              <a:t>sudo update-alternatives --install /usr/local/bin/usbip usbip /usr/lib/linux-tools/5.4.0-77-generic/usbip 20</a:t>
-            </a:r>
-            <a:endParaRPr lang="en-US" altLang="zh-CN"/>
-          </a:p>
-          <a:p>
-            <a:pPr lvl="1"/>
-            <a:r>
-              <a:rPr lang="en-US" altLang="zh-CN"/>
-              <a:t>Connect</a:t>
-            </a:r>
-            <a:endParaRPr lang="en-US" altLang="zh-CN"/>
-          </a:p>
-          <a:p>
-            <a:pPr lvl="2"/>
-            <a:r>
-              <a:rPr lang="en-US" altLang="zh-CN"/>
-              <a:t>Windows</a:t>
-            </a:r>
-            <a:endParaRPr lang="en-US" altLang="zh-CN"/>
-          </a:p>
-          <a:p>
-            <a:pPr lvl="3"/>
-            <a:r>
-              <a:rPr lang="en-US" altLang="zh-CN"/>
-              <a:t>usbipd wsl list</a:t>
-            </a:r>
-            <a:endParaRPr lang="en-US" altLang="zh-CN"/>
-          </a:p>
-          <a:p>
-            <a:pPr lvl="3"/>
-            <a:r>
-              <a:rPr lang="en-US" altLang="zh-CN"/>
-              <a:t>usbipd wsl attach --busid &lt;busid&gt;</a:t>
-            </a:r>
-            <a:endParaRPr lang="en-US" altLang="zh-CN"/>
-          </a:p>
-          <a:p>
-            <a:pPr lvl="2"/>
-            <a:r>
-              <a:rPr lang="en-US" altLang="zh-CN"/>
-              <a:t>Linux</a:t>
-            </a:r>
-            <a:endParaRPr lang="en-US" altLang="zh-CN"/>
-          </a:p>
-          <a:p>
-            <a:pPr lvl="3"/>
-            <a:r>
-              <a:rPr lang="en-US" altLang="zh-CN"/>
-              <a:t>lsusb</a:t>
+              <a:t>wsl --distribution {Ubuntu20}</a:t>
             </a:r>
             <a:endParaRPr lang="en-US" altLang="zh-CN"/>
           </a:p>
@@ -4260,7 +4179,7 @@
           <a:p>
             <a:r>
               <a:rPr lang="en-US" altLang="zh-CN"/>
-              <a:t>Change Swap Size</a:t>
+              <a:t>USB</a:t>
             </a:r>
             <a:endParaRPr lang="en-US" altLang="zh-CN"/>
           </a:p>
@@ -4276,141 +4195,309 @@
             <p:ph idx="1"/>
           </p:nvPr>
         </p:nvSpPr>
-        <p:spPr>
-          <a:xfrm>
-            <a:off x="838200" y="1211580"/>
-            <a:ext cx="4709795" cy="4549140"/>
-          </a:xfrm>
-        </p:spPr>
-        <p:txBody>
-          <a:bodyPr/>
-          <a:p>
-            <a:r>
-              <a:rPr lang="en-US" altLang="zh-CN"/>
-              <a:t>wsl --shutdown</a:t>
-            </a:r>
-            <a:endParaRPr lang="en-US" altLang="zh-CN"/>
-          </a:p>
-          <a:p>
-            <a:r>
-              <a:rPr lang="en-US" altLang="zh-CN"/>
-              <a:t>Copy .wslconfig to Windows $HOME</a:t>
-            </a:r>
-            <a:endParaRPr lang="en-US" altLang="zh-CN"/>
+        <p:spPr/>
+        <p:txBody>
+          <a:bodyPr>
+            <a:normAutofit lnSpcReduction="20000"/>
+          </a:bodyPr>
+          <a:p>
+            <a:r>
+              <a:rPr lang="en-US" altLang="zh-CN">
+                <a:solidFill>
+                  <a:schemeClr val="bg1">
+                    <a:lumMod val="50000"/>
+                  </a:schemeClr>
+                </a:solidFill>
+              </a:rPr>
+              <a:t>References</a:t>
+            </a:r>
+            <a:endParaRPr lang="en-US" altLang="zh-CN">
+              <a:solidFill>
+                <a:schemeClr val="bg1">
+                  <a:lumMod val="50000"/>
+                </a:schemeClr>
+              </a:solidFill>
+            </a:endParaRPr>
           </a:p>
           <a:p>
             <a:pPr lvl="1"/>
             <a:r>
-              <a:rPr lang="en-US" altLang="zh-CN"/>
-              <a:t>C:/Users/{username}/</a:t>
-            </a:r>
-            <a:endParaRPr lang="en-US" altLang="zh-CN"/>
-          </a:p>
-        </p:txBody>
-      </p:sp>
-      <p:sp>
-        <p:nvSpPr>
-          <p:cNvPr id="4" name="文本框 3"/>
-          <p:cNvSpPr txBox="1"/>
-          <p:nvPr/>
-        </p:nvSpPr>
-        <p:spPr>
-          <a:xfrm>
-            <a:off x="6727190" y="1290320"/>
-            <a:ext cx="4626610" cy="4030980"/>
-          </a:xfrm>
-          <a:prstGeom prst="rect">
-            <a:avLst/>
-          </a:prstGeom>
-          <a:noFill/>
-          <a:ln>
-            <a:solidFill>
-              <a:srgbClr val="C00000"/>
-            </a:solidFill>
-          </a:ln>
-        </p:spPr>
-        <p:txBody>
-          <a:bodyPr wrap="square" rtlCol="0">
-            <a:spAutoFit/>
-          </a:bodyPr>
-          <a:p>
-            <a:r>
-              <a:rPr lang="zh-CN" altLang="en-US" sz="1600"/>
-              <a:t># Settings apply across all Linux distros running on WSL 2</a:t>
-            </a:r>
-            <a:endParaRPr lang="zh-CN" altLang="en-US" sz="1600"/>
-          </a:p>
-          <a:p>
-            <a:r>
-              <a:rPr lang="zh-CN" altLang="en-US" sz="1600"/>
-              <a:t># Can see memory in wsl2 with "free -m"</a:t>
-            </a:r>
-            <a:endParaRPr lang="zh-CN" altLang="en-US" sz="1600"/>
-          </a:p>
-          <a:p>
-            <a:r>
-              <a:rPr lang="zh-CN" altLang="en-US" sz="1600"/>
-              <a:t># Goes in windows home directory as .wslconfig</a:t>
-            </a:r>
-            <a:endParaRPr lang="zh-CN" altLang="en-US" sz="1600"/>
-          </a:p>
-          <a:p>
-            <a:r>
-              <a:rPr lang="zh-CN" altLang="en-US" sz="1600"/>
-              <a:t>[wsl2]</a:t>
-            </a:r>
-            <a:endParaRPr lang="zh-CN" altLang="en-US" sz="1600"/>
-          </a:p>
-          <a:p>
-            <a:endParaRPr lang="zh-CN" altLang="en-US" sz="1600"/>
-          </a:p>
-          <a:p>
-            <a:r>
-              <a:rPr lang="zh-CN" altLang="en-US" sz="1600"/>
-              <a:t># Limits VM memory to use no more than 48 GB, defaults to 50% of ram</a:t>
-            </a:r>
-            <a:endParaRPr lang="zh-CN" altLang="en-US" sz="1600"/>
-          </a:p>
-          <a:p>
-            <a:r>
-              <a:rPr lang="zh-CN" altLang="en-US" sz="1600"/>
-              <a:t>memory=48GB</a:t>
-            </a:r>
-            <a:endParaRPr lang="zh-CN" altLang="en-US" sz="1600"/>
-          </a:p>
-          <a:p>
-            <a:endParaRPr lang="zh-CN" altLang="en-US" sz="1600"/>
-          </a:p>
-          <a:p>
-            <a:r>
-              <a:rPr lang="zh-CN" altLang="en-US" sz="1600"/>
-              <a:t># Sets the VM to use 8 virtual processors</a:t>
-            </a:r>
-            <a:endParaRPr lang="zh-CN" altLang="en-US" sz="1600"/>
-          </a:p>
-          <a:p>
-            <a:r>
-              <a:rPr lang="zh-CN" altLang="en-US" sz="1600"/>
-              <a:t>processors=8</a:t>
-            </a:r>
-            <a:endParaRPr lang="zh-CN" altLang="en-US" sz="1600"/>
-          </a:p>
-          <a:p>
-            <a:endParaRPr lang="zh-CN" altLang="en-US" sz="1600"/>
-          </a:p>
-          <a:p>
-            <a:r>
-              <a:rPr lang="zh-CN" altLang="en-US" sz="1600"/>
-              <a:t># Sets the amount of swap storage space to 8GB, default is 25% of available RAM</a:t>
-            </a:r>
-            <a:endParaRPr lang="zh-CN" altLang="en-US" sz="1600"/>
-          </a:p>
-          <a:p>
-            <a:r>
-              <a:rPr lang="zh-CN" altLang="en-US" sz="1600"/>
-              <a:t>swap=16GB</a:t>
-            </a:r>
-            <a:endParaRPr lang="zh-CN" altLang="en-US" sz="1600"/>
+              <a:rPr lang="en-US" altLang="zh-CN">
+                <a:solidFill>
+                  <a:schemeClr val="bg1">
+                    <a:lumMod val="50000"/>
+                  </a:schemeClr>
+                </a:solidFill>
+              </a:rPr>
+              <a:t>https://docs.microsoft.com/en-us/windows/wsl/connect-usb</a:t>
+            </a:r>
+            <a:endParaRPr lang="en-US" altLang="zh-CN">
+              <a:solidFill>
+                <a:schemeClr val="bg1">
+                  <a:lumMod val="50000"/>
+                </a:schemeClr>
+              </a:solidFill>
+            </a:endParaRPr>
+          </a:p>
+          <a:p>
+            <a:pPr lvl="0"/>
+            <a:r>
+              <a:rPr lang="en-US" altLang="zh-CN">
+                <a:solidFill>
+                  <a:schemeClr val="bg1">
+                    <a:lumMod val="50000"/>
+                  </a:schemeClr>
+                </a:solidFill>
+              </a:rPr>
+              <a:t>Steps</a:t>
+            </a:r>
+            <a:endParaRPr lang="en-US" altLang="zh-CN">
+              <a:solidFill>
+                <a:schemeClr val="bg1">
+                  <a:lumMod val="50000"/>
+                </a:schemeClr>
+              </a:solidFill>
+            </a:endParaRPr>
+          </a:p>
+          <a:p>
+            <a:pPr lvl="1"/>
+            <a:r>
+              <a:rPr lang="en-US" altLang="zh-CN">
+                <a:solidFill>
+                  <a:schemeClr val="bg1">
+                    <a:lumMod val="50000"/>
+                  </a:schemeClr>
+                </a:solidFill>
+              </a:rPr>
+              <a:t>download and install windows support</a:t>
+            </a:r>
+            <a:endParaRPr lang="en-US" altLang="zh-CN">
+              <a:solidFill>
+                <a:schemeClr val="bg1">
+                  <a:lumMod val="50000"/>
+                </a:schemeClr>
+              </a:solidFill>
+            </a:endParaRPr>
+          </a:p>
+          <a:p>
+            <a:pPr lvl="2"/>
+            <a:r>
+              <a:rPr lang="en-US" altLang="zh-CN">
+                <a:solidFill>
+                  <a:schemeClr val="bg1">
+                    <a:lumMod val="50000"/>
+                  </a:schemeClr>
+                </a:solidFill>
+              </a:rPr>
+              <a:t>https://github.com/dorssel/usbipd-win/releases</a:t>
+            </a:r>
+            <a:endParaRPr lang="en-US" altLang="zh-CN">
+              <a:solidFill>
+                <a:schemeClr val="bg1">
+                  <a:lumMod val="50000"/>
+                </a:schemeClr>
+              </a:solidFill>
+            </a:endParaRPr>
+          </a:p>
+          <a:p>
+            <a:pPr lvl="2"/>
+            <a:r>
+              <a:rPr lang="en-US" altLang="zh-CN">
+                <a:solidFill>
+                  <a:schemeClr val="bg1">
+                    <a:lumMod val="50000"/>
+                  </a:schemeClr>
+                </a:solidFill>
+              </a:rPr>
+              <a:t>winget install --interactive --exact dorssel.usbipd-win</a:t>
+            </a:r>
+            <a:endParaRPr lang="en-US" altLang="zh-CN">
+              <a:solidFill>
+                <a:schemeClr val="bg1">
+                  <a:lumMod val="50000"/>
+                </a:schemeClr>
+              </a:solidFill>
+            </a:endParaRPr>
+          </a:p>
+          <a:p>
+            <a:pPr lvl="1"/>
+            <a:r>
+              <a:rPr lang="en-US" altLang="zh-CN">
+                <a:solidFill>
+                  <a:schemeClr val="bg1">
+                    <a:lumMod val="50000"/>
+                  </a:schemeClr>
+                </a:solidFill>
+              </a:rPr>
+              <a:t>install tools in Linux</a:t>
+            </a:r>
+            <a:endParaRPr lang="en-US" altLang="zh-CN">
+              <a:solidFill>
+                <a:schemeClr val="bg1">
+                  <a:lumMod val="50000"/>
+                </a:schemeClr>
+              </a:solidFill>
+            </a:endParaRPr>
+          </a:p>
+          <a:p>
+            <a:pPr lvl="2"/>
+            <a:r>
+              <a:rPr lang="en-US" altLang="zh-CN">
+                <a:solidFill>
+                  <a:schemeClr val="bg1">
+                    <a:lumMod val="50000"/>
+                  </a:schemeClr>
+                </a:solidFill>
+              </a:rPr>
+              <a:t>sudo apt install linux-tools-5.4.0-77-generic hwdata</a:t>
+            </a:r>
+            <a:endParaRPr lang="en-US" altLang="zh-CN">
+              <a:solidFill>
+                <a:schemeClr val="bg1">
+                  <a:lumMod val="50000"/>
+                </a:schemeClr>
+              </a:solidFill>
+            </a:endParaRPr>
+          </a:p>
+          <a:p>
+            <a:pPr lvl="2"/>
+            <a:r>
+              <a:rPr lang="en-US" altLang="zh-CN">
+                <a:solidFill>
+                  <a:schemeClr val="bg1">
+                    <a:lumMod val="50000"/>
+                  </a:schemeClr>
+                </a:solidFill>
+              </a:rPr>
+              <a:t>sudo update-alternatives --install /usr/local/bin/usbip usbip /usr/lib/linux-tools/5.4.0-77-generic/usbip 20</a:t>
+            </a:r>
+            <a:endParaRPr lang="en-US" altLang="zh-CN">
+              <a:solidFill>
+                <a:schemeClr val="bg1">
+                  <a:lumMod val="50000"/>
+                </a:schemeClr>
+              </a:solidFill>
+            </a:endParaRPr>
+          </a:p>
+          <a:p>
+            <a:pPr lvl="1"/>
+            <a:r>
+              <a:rPr lang="en-US" altLang="zh-CN">
+                <a:solidFill>
+                  <a:schemeClr val="bg1">
+                    <a:lumMod val="50000"/>
+                  </a:schemeClr>
+                </a:solidFill>
+              </a:rPr>
+              <a:t>Connect</a:t>
+            </a:r>
+            <a:endParaRPr lang="en-US" altLang="zh-CN">
+              <a:solidFill>
+                <a:schemeClr val="bg1">
+                  <a:lumMod val="50000"/>
+                </a:schemeClr>
+              </a:solidFill>
+            </a:endParaRPr>
+          </a:p>
+          <a:p>
+            <a:pPr lvl="2"/>
+            <a:r>
+              <a:rPr lang="en-US" altLang="zh-CN">
+                <a:solidFill>
+                  <a:schemeClr val="bg1">
+                    <a:lumMod val="50000"/>
+                  </a:schemeClr>
+                </a:solidFill>
+              </a:rPr>
+              <a:t>Windows</a:t>
+            </a:r>
+            <a:endParaRPr lang="en-US" altLang="zh-CN">
+              <a:solidFill>
+                <a:schemeClr val="bg1">
+                  <a:lumMod val="50000"/>
+                </a:schemeClr>
+              </a:solidFill>
+            </a:endParaRPr>
+          </a:p>
+          <a:p>
+            <a:pPr lvl="3"/>
+            <a:r>
+              <a:rPr lang="en-US" altLang="zh-CN">
+                <a:solidFill>
+                  <a:schemeClr val="bg1">
+                    <a:lumMod val="50000"/>
+                  </a:schemeClr>
+                </a:solidFill>
+              </a:rPr>
+              <a:t>usbipd wsl list</a:t>
+            </a:r>
+            <a:endParaRPr lang="en-US" altLang="zh-CN">
+              <a:solidFill>
+                <a:schemeClr val="bg1">
+                  <a:lumMod val="50000"/>
+                </a:schemeClr>
+              </a:solidFill>
+            </a:endParaRPr>
+          </a:p>
+          <a:p>
+            <a:pPr lvl="3"/>
+            <a:r>
+              <a:rPr lang="en-US" altLang="zh-CN">
+                <a:solidFill>
+                  <a:schemeClr val="bg1">
+                    <a:lumMod val="50000"/>
+                  </a:schemeClr>
+                </a:solidFill>
+              </a:rPr>
+              <a:t>usbipd wsl attach --busid &lt;busid&gt;</a:t>
+            </a:r>
+            <a:endParaRPr lang="en-US" altLang="zh-CN">
+              <a:solidFill>
+                <a:schemeClr val="bg1">
+                  <a:lumMod val="50000"/>
+                </a:schemeClr>
+              </a:solidFill>
+            </a:endParaRPr>
+          </a:p>
+          <a:p>
+            <a:pPr lvl="2"/>
+            <a:r>
+              <a:rPr lang="en-US" altLang="zh-CN">
+                <a:solidFill>
+                  <a:schemeClr val="bg1">
+                    <a:lumMod val="50000"/>
+                  </a:schemeClr>
+                </a:solidFill>
+              </a:rPr>
+              <a:t>Linux</a:t>
+            </a:r>
+            <a:endParaRPr lang="en-US" altLang="zh-CN">
+              <a:solidFill>
+                <a:schemeClr val="bg1">
+                  <a:lumMod val="50000"/>
+                </a:schemeClr>
+              </a:solidFill>
+            </a:endParaRPr>
+          </a:p>
+          <a:p>
+            <a:pPr lvl="3"/>
+            <a:r>
+              <a:rPr lang="en-US" altLang="zh-CN">
+                <a:solidFill>
+                  <a:schemeClr val="bg1">
+                    <a:lumMod val="50000"/>
+                  </a:schemeClr>
+                </a:solidFill>
+              </a:rPr>
+              <a:t>lsusb</a:t>
+            </a:r>
+            <a:endParaRPr lang="en-US" altLang="zh-CN">
+              <a:solidFill>
+                <a:schemeClr val="bg1">
+                  <a:lumMod val="50000"/>
+                </a:schemeClr>
+              </a:solidFill>
+            </a:endParaRPr>
           </a:p>
         </p:txBody>
       </p:sp>
@@ -4451,7 +4538,7 @@
           <a:p>
             <a:r>
               <a:rPr lang="en-US" altLang="zh-CN"/>
-              <a:t>Support USB Disk</a:t>
+              <a:t>Change Swap Size</a:t>
             </a:r>
             <a:endParaRPr lang="en-US" altLang="zh-CN"/>
           </a:p>
@@ -4467,13 +4554,25 @@
             <p:ph idx="1"/>
           </p:nvPr>
         </p:nvSpPr>
-        <p:spPr/>
+        <p:spPr>
+          <a:xfrm>
+            <a:off x="838200" y="1211580"/>
+            <a:ext cx="4709795" cy="4549140"/>
+          </a:xfrm>
+        </p:spPr>
         <p:txBody>
           <a:bodyPr/>
           <a:p>
             <a:r>
               <a:rPr lang="en-US" altLang="zh-CN"/>
-              <a:t>References</a:t>
+              <a:t>wsl --shutdown</a:t>
+            </a:r>
+            <a:endParaRPr lang="en-US" altLang="zh-CN"/>
+          </a:p>
+          <a:p>
+            <a:r>
+              <a:rPr lang="en-US" altLang="zh-CN"/>
+              <a:t>Copy .wslconfig to Windows $HOME</a:t>
             </a:r>
             <a:endParaRPr lang="en-US" altLang="zh-CN"/>
           </a:p>
@@ -4481,81 +4580,115 @@
             <a:pPr lvl="1"/>
             <a:r>
               <a:rPr lang="en-US" altLang="zh-CN"/>
-              <a:t>https://github.com/dorssel/usbipd-win</a:t>
-            </a:r>
-            <a:endParaRPr lang="en-US" altLang="zh-CN"/>
-          </a:p>
-          <a:p>
-            <a:pPr lvl="0"/>
-            <a:r>
-              <a:rPr lang="en-US" altLang="zh-CN"/>
-              <a:t>Steps</a:t>
-            </a:r>
-            <a:endParaRPr lang="en-US" altLang="zh-CN"/>
-          </a:p>
-          <a:p>
-            <a:pPr lvl="1"/>
-            <a:r>
-              <a:rPr lang="en-US" altLang="zh-CN"/>
-              <a:t>Windows</a:t>
-            </a:r>
-            <a:endParaRPr lang="en-US" altLang="zh-CN"/>
-          </a:p>
-          <a:p>
-            <a:pPr lvl="2"/>
-            <a:r>
-              <a:rPr lang="en-US" altLang="zh-CN"/>
-              <a:t>winget install usbipd</a:t>
-            </a:r>
-            <a:endParaRPr lang="en-US" altLang="zh-CN"/>
-          </a:p>
-          <a:p>
-            <a:pPr lvl="2"/>
-            <a:r>
-              <a:rPr lang="en-US" altLang="zh-CN"/>
-              <a:t>usbipd list</a:t>
-            </a:r>
-            <a:endParaRPr lang="en-US" altLang="zh-CN"/>
-          </a:p>
-          <a:p>
-            <a:pPr lvl="2"/>
-            <a:r>
-              <a:rPr lang="en-US" altLang="zh-CN"/>
-              <a:t>usbipd bind --busid=&lt;BUSID&gt;</a:t>
-            </a:r>
-            <a:endParaRPr lang="en-US" altLang="zh-CN"/>
-          </a:p>
-          <a:p>
-            <a:pPr lvl="1"/>
-            <a:r>
-              <a:rPr lang="en-US" altLang="zh-CN"/>
-              <a:t>WSL2</a:t>
-            </a:r>
-            <a:endParaRPr lang="en-US" altLang="zh-CN"/>
-          </a:p>
-          <a:p>
-            <a:pPr lvl="2"/>
-            <a:r>
-              <a:rPr lang="en-US" altLang="zh-CN"/>
-              <a:t>sudo apt install linux-tools-common</a:t>
-            </a:r>
-            <a:endParaRPr lang="en-US" altLang="zh-CN"/>
-          </a:p>
-          <a:p>
-            <a:pPr lvl="2"/>
-            <a:r>
-              <a:rPr lang="en-US" altLang="zh-CN"/>
-              <a:t>usbipd wsl list</a:t>
-            </a:r>
-            <a:endParaRPr lang="en-US" altLang="zh-CN"/>
-          </a:p>
-          <a:p>
-            <a:pPr lvl="2"/>
-            <a:r>
-              <a:rPr lang="en-US" altLang="zh-CN"/>
-              <a:t>usbipd wsl attach --busid=&lt;BUSID&gt;</a:t>
-            </a:r>
-            <a:endParaRPr lang="en-US" altLang="zh-CN"/>
+              <a:t>C:/Users/{username}/</a:t>
+            </a:r>
+            <a:endParaRPr lang="en-US" altLang="zh-CN"/>
+          </a:p>
+        </p:txBody>
+      </p:sp>
+      <p:sp>
+        <p:nvSpPr>
+          <p:cNvPr id="4" name="文本框 3"/>
+          <p:cNvSpPr txBox="1"/>
+          <p:nvPr/>
+        </p:nvSpPr>
+        <p:spPr>
+          <a:xfrm>
+            <a:off x="6727190" y="1290320"/>
+            <a:ext cx="4626610" cy="4030980"/>
+          </a:xfrm>
+          <a:prstGeom prst="rect">
+            <a:avLst/>
+          </a:prstGeom>
+          <a:noFill/>
+          <a:ln>
+            <a:solidFill>
+              <a:srgbClr val="C00000"/>
+            </a:solidFill>
+          </a:ln>
+        </p:spPr>
+        <p:txBody>
+          <a:bodyPr wrap="square" rtlCol="0">
+            <a:spAutoFit/>
+          </a:bodyPr>
+          <a:p>
+            <a:r>
+              <a:rPr lang="zh-CN" altLang="en-US" sz="1600"/>
+              <a:t># Settings apply across all Linux distros running on WSL 2</a:t>
+            </a:r>
+            <a:endParaRPr lang="zh-CN" altLang="en-US" sz="1600"/>
+          </a:p>
+          <a:p>
+            <a:r>
+              <a:rPr lang="zh-CN" altLang="en-US" sz="1600"/>
+              <a:t># Can see memory in wsl2 with "free -m"</a:t>
+            </a:r>
+            <a:endParaRPr lang="zh-CN" altLang="en-US" sz="1600"/>
+          </a:p>
+          <a:p>
+            <a:r>
+              <a:rPr lang="zh-CN" altLang="en-US" sz="1600"/>
+              <a:t># Goes in windows home directory as .wslconfig</a:t>
+            </a:r>
+            <a:endParaRPr lang="zh-CN" altLang="en-US" sz="1600"/>
+          </a:p>
+          <a:p>
+            <a:r>
+              <a:rPr lang="zh-CN" altLang="en-US" sz="1600"/>
+              <a:t>[wsl2]</a:t>
+            </a:r>
+            <a:endParaRPr lang="zh-CN" altLang="en-US" sz="1600"/>
+          </a:p>
+          <a:p>
+            <a:endParaRPr lang="zh-CN" altLang="en-US" sz="1600"/>
+          </a:p>
+          <a:p>
+            <a:r>
+              <a:rPr lang="zh-CN" altLang="en-US" sz="1600"/>
+              <a:t># Limits VM memory to use no more than 48 GB, defaults to 50% of ram</a:t>
+            </a:r>
+            <a:endParaRPr lang="zh-CN" altLang="en-US" sz="1600"/>
+          </a:p>
+          <a:p>
+            <a:r>
+              <a:rPr lang="zh-CN" altLang="en-US" sz="1600"/>
+              <a:t>memory=48GB</a:t>
+            </a:r>
+            <a:endParaRPr lang="zh-CN" altLang="en-US" sz="1600"/>
+          </a:p>
+          <a:p>
+            <a:endParaRPr lang="zh-CN" altLang="en-US" sz="1600"/>
+          </a:p>
+          <a:p>
+            <a:r>
+              <a:rPr lang="zh-CN" altLang="en-US" sz="1600"/>
+              <a:t># Sets the VM to use 8 virtual processors</a:t>
+            </a:r>
+            <a:endParaRPr lang="zh-CN" altLang="en-US" sz="1600"/>
+          </a:p>
+          <a:p>
+            <a:r>
+              <a:rPr lang="zh-CN" altLang="en-US" sz="1600"/>
+              <a:t>processors=8</a:t>
+            </a:r>
+            <a:endParaRPr lang="zh-CN" altLang="en-US" sz="1600"/>
+          </a:p>
+          <a:p>
+            <a:endParaRPr lang="zh-CN" altLang="en-US" sz="1600"/>
+          </a:p>
+          <a:p>
+            <a:r>
+              <a:rPr lang="zh-CN" altLang="en-US" sz="1600"/>
+              <a:t># Sets the amount of swap storage space to 8GB, default is 25% of available RAM</a:t>
+            </a:r>
+            <a:endParaRPr lang="zh-CN" altLang="en-US" sz="1600"/>
+          </a:p>
+          <a:p>
+            <a:r>
+              <a:rPr lang="zh-CN" altLang="en-US" sz="1600"/>
+              <a:t>swap=16GB</a:t>
+            </a:r>
+            <a:endParaRPr lang="zh-CN" altLang="en-US" sz="1600"/>
           </a:p>
         </p:txBody>
       </p:sp>
@@ -4596,7 +4729,7 @@
           <a:p>
             <a:r>
               <a:rPr lang="en-US" altLang="zh-CN"/>
-              <a:t>Back and Move</a:t>
+              <a:t>Support USB Disk</a:t>
             </a:r>
             <a:endParaRPr lang="en-US" altLang="zh-CN"/>
           </a:p>
@@ -4618,7 +4751,7 @@
           <a:p>
             <a:r>
               <a:rPr lang="en-US" altLang="zh-CN"/>
-              <a:t>Export</a:t>
+              <a:t>References</a:t>
             </a:r>
             <a:endParaRPr lang="en-US" altLang="zh-CN"/>
           </a:p>
@@ -4626,7 +4759,15 @@
             <a:pPr lvl="1"/>
             <a:r>
               <a:rPr lang="en-US" altLang="zh-CN"/>
-              <a:t>wsl --list --verbose	// get linux distribution name</a:t>
+              <a:t>https://github.com/dorssel/usbipd-win</a:t>
+            </a:r>
+            <a:endParaRPr lang="en-US" altLang="zh-CN"/>
+          </a:p>
+          <a:p>
+            <a:pPr lvl="0"/>
+            <a:r>
+              <a:rPr lang="en-US" altLang="zh-CN"/>
+              <a:t>Steps</a:t>
             </a:r>
             <a:endParaRPr lang="en-US" altLang="zh-CN"/>
           </a:p>
@@ -4634,7 +4775,31 @@
             <a:pPr lvl="1"/>
             <a:r>
               <a:rPr lang="en-US" altLang="zh-CN"/>
-              <a:t>wsl --shutdown</a:t>
+              <a:t>Windows</a:t>
+            </a:r>
+            <a:endParaRPr lang="en-US" altLang="zh-CN"/>
+          </a:p>
+          <a:p>
+            <a:pPr lvl="2"/>
+            <a:r>
+              <a:rPr lang="en-US" altLang="zh-CN"/>
+              <a:t>winget install usbipd</a:t>
+            </a:r>
+            <a:endParaRPr lang="en-US" altLang="zh-CN"/>
+          </a:p>
+          <a:p>
+            <a:pPr lvl="2"/>
+            <a:r>
+              <a:rPr lang="en-US" altLang="zh-CN"/>
+              <a:t>usbipd list</a:t>
+            </a:r>
+            <a:endParaRPr lang="en-US" altLang="zh-CN"/>
+          </a:p>
+          <a:p>
+            <a:pPr lvl="2"/>
+            <a:r>
+              <a:rPr lang="en-US" altLang="zh-CN"/>
+              <a:t>usbipd bind --busid=&lt;BUSID&gt;</a:t>
             </a:r>
             <a:endParaRPr lang="en-US" altLang="zh-CN"/>
           </a:p>
@@ -4642,71 +4807,31 @@
             <a:pPr lvl="1"/>
             <a:r>
               <a:rPr lang="en-US" altLang="zh-CN"/>
-              <a:t>mkdir D:\backup</a:t>
-            </a:r>
-            <a:endParaRPr lang="en-US" altLang="zh-CN"/>
-          </a:p>
-          <a:p>
-            <a:pPr lvl="1"/>
-            <a:r>
-              <a:rPr lang="en-US" altLang="zh-CN"/>
-              <a:t>wsl --export {Ubuntu-18.04} D:\backup\ubuntu-18.04.tar</a:t>
-            </a:r>
-            <a:endParaRPr lang="en-US" altLang="zh-CN"/>
-          </a:p>
-          <a:p>
-            <a:pPr lvl="1"/>
-            <a:r>
-              <a:rPr lang="en-US" altLang="zh-CN"/>
-              <a:t>wsl --unregister {Ubuntu-18.04}</a:t>
-            </a:r>
-            <a:endParaRPr lang="en-US" altLang="zh-CN"/>
-          </a:p>
-          <a:p>
-            <a:pPr lvl="0"/>
-            <a:r>
-              <a:rPr lang="en-US" altLang="zh-CN" sz="2400"/>
-              <a:t>Import</a:t>
-            </a:r>
-            <a:endParaRPr lang="en-US" altLang="zh-CN"/>
-          </a:p>
-          <a:p>
-            <a:pPr lvl="1"/>
-            <a:r>
-              <a:rPr lang="en-US" altLang="zh-CN"/>
-              <a:t>mkdir D:\WSL\</a:t>
-            </a:r>
-            <a:endParaRPr lang="en-US" altLang="zh-CN"/>
-          </a:p>
-          <a:p>
-            <a:pPr lvl="1"/>
-            <a:r>
-              <a:rPr lang="en-US" altLang="zh-CN"/>
-              <a:t>wsl --import {Ubuntu-18.04} D:\WSL\ D:\backup\ubuntu-18.04.tar</a:t>
-            </a:r>
-            <a:endParaRPr lang="en-US" altLang="zh-CN"/>
-          </a:p>
-          <a:p>
-            <a:pPr lvl="1"/>
-            <a:r>
-              <a:rPr lang="en-US" altLang="zh-CN"/>
-              <a:t>cd $env:USERPROFILE\AppData\Local\Microsoft\WindowsApps</a:t>
-            </a:r>
-            <a:endParaRPr lang="en-US" altLang="zh-CN"/>
-          </a:p>
-          <a:p>
-            <a:pPr lvl="1"/>
-            <a:r>
-              <a:rPr lang="en-US" altLang="zh-CN"/>
-              <a:t>.\ubuntu1804.exe config --default-user lgm</a:t>
-            </a:r>
-            <a:endParaRPr lang="en-US" altLang="zh-CN"/>
-          </a:p>
-          <a:p>
-            <a:pPr lvl="1"/>
-            <a:r>
-              <a:rPr lang="en-US" altLang="zh-CN"/>
-              <a:t>wsl --distribution {Ubuntu-18.04}</a:t>
+              <a:t>WSL2</a:t>
+            </a:r>
+            <a:endParaRPr lang="en-US" altLang="zh-CN"/>
+          </a:p>
+          <a:p>
+            <a:pPr lvl="2"/>
+            <a:r>
+              <a:rPr lang="en-US" altLang="zh-CN"/>
+              <a:t>sudo apt install linux-tools-common</a:t>
+            </a:r>
+            <a:endParaRPr lang="en-US" altLang="zh-CN"/>
+          </a:p>
+          <a:p>
+            <a:pPr lvl="2"/>
+            <a:r>
+              <a:rPr lang="en-US" altLang="zh-CN"/>
+              <a:t>usbipd wsl list</a:t>
+            </a:r>
+            <a:endParaRPr lang="en-US" altLang="zh-CN"/>
+          </a:p>
+          <a:p>
+            <a:pPr lvl="2"/>
+            <a:r>
+              <a:rPr lang="en-US" altLang="zh-CN"/>
+              <a:t>usbipd wsl attach --busid=&lt;BUSID&gt;</a:t>
             </a:r>
             <a:endParaRPr lang="en-US" altLang="zh-CN"/>
           </a:p>
@@ -4724,6 +4849,159 @@
 </file>
 
 <file path=ppt/slides/slide17.xml><?xml version="1.0" encoding="utf-8"?>
+<p:sld xmlns:a="http://schemas.openxmlformats.org/drawingml/2006/main" xmlns:r="http://schemas.openxmlformats.org/officeDocument/2006/relationships" xmlns:p="http://schemas.openxmlformats.org/presentationml/2006/main">
+  <p:cSld>
+    <p:spTree>
+      <p:nvGrpSpPr>
+        <p:cNvPr id="1" name=""/>
+        <p:cNvGrpSpPr/>
+        <p:nvPr/>
+      </p:nvGrpSpPr>
+      <p:grpSpPr/>
+      <p:sp>
+        <p:nvSpPr>
+          <p:cNvPr id="2" name="标题 1"/>
+          <p:cNvSpPr>
+            <a:spLocks noGrp="1"/>
+          </p:cNvSpPr>
+          <p:nvPr>
+            <p:ph type="title"/>
+          </p:nvPr>
+        </p:nvSpPr>
+        <p:spPr/>
+        <p:txBody>
+          <a:bodyPr/>
+          <a:p>
+            <a:r>
+              <a:rPr lang="en-US" altLang="zh-CN"/>
+              <a:t>Back and Move</a:t>
+            </a:r>
+            <a:endParaRPr lang="en-US" altLang="zh-CN"/>
+          </a:p>
+        </p:txBody>
+      </p:sp>
+      <p:sp>
+        <p:nvSpPr>
+          <p:cNvPr id="3" name="内容占位符 2"/>
+          <p:cNvSpPr>
+            <a:spLocks noGrp="1"/>
+          </p:cNvSpPr>
+          <p:nvPr>
+            <p:ph idx="1"/>
+          </p:nvPr>
+        </p:nvSpPr>
+        <p:spPr/>
+        <p:txBody>
+          <a:bodyPr/>
+          <a:p>
+            <a:r>
+              <a:rPr lang="en-US" altLang="zh-CN"/>
+              <a:t>Export</a:t>
+            </a:r>
+            <a:endParaRPr lang="en-US" altLang="zh-CN"/>
+          </a:p>
+          <a:p>
+            <a:pPr lvl="1"/>
+            <a:r>
+              <a:rPr lang="en-US" altLang="zh-CN"/>
+              <a:t>wsl --list --verbose	// get linux distribution name</a:t>
+            </a:r>
+            <a:endParaRPr lang="en-US" altLang="zh-CN"/>
+          </a:p>
+          <a:p>
+            <a:pPr lvl="1"/>
+            <a:r>
+              <a:rPr lang="en-US" altLang="zh-CN"/>
+              <a:t>wsl --shutdown</a:t>
+            </a:r>
+            <a:endParaRPr lang="en-US" altLang="zh-CN"/>
+          </a:p>
+          <a:p>
+            <a:pPr lvl="1"/>
+            <a:r>
+              <a:rPr lang="en-US" altLang="zh-CN"/>
+              <a:t>mkdir D:\backup</a:t>
+            </a:r>
+            <a:endParaRPr lang="en-US" altLang="zh-CN"/>
+          </a:p>
+          <a:p>
+            <a:pPr lvl="1"/>
+            <a:r>
+              <a:rPr lang="en-US" altLang="zh-CN"/>
+              <a:t>wsl --export {Ubuntu-18.04} D:\backup\ubuntu-18.04.tar</a:t>
+            </a:r>
+            <a:endParaRPr lang="en-US" altLang="zh-CN"/>
+          </a:p>
+          <a:p>
+            <a:pPr lvl="1"/>
+            <a:r>
+              <a:rPr lang="en-US" altLang="zh-CN"/>
+              <a:t>wsl --unregister {Ubuntu-18.04}</a:t>
+            </a:r>
+            <a:endParaRPr lang="en-US" altLang="zh-CN"/>
+          </a:p>
+          <a:p>
+            <a:pPr lvl="0"/>
+            <a:r>
+              <a:rPr lang="en-US" altLang="zh-CN" sz="2400"/>
+              <a:t>Import</a:t>
+            </a:r>
+            <a:endParaRPr lang="en-US" altLang="zh-CN"/>
+          </a:p>
+          <a:p>
+            <a:pPr lvl="1"/>
+            <a:r>
+              <a:rPr lang="en-US" altLang="zh-CN"/>
+              <a:t>mkdir D:\WSL\</a:t>
+            </a:r>
+            <a:endParaRPr lang="en-US" altLang="zh-CN"/>
+          </a:p>
+          <a:p>
+            <a:pPr lvl="1"/>
+            <a:r>
+              <a:rPr lang="en-US" altLang="zh-CN"/>
+              <a:t>wsl --import {Ubuntu-18.04} D:\WSL\ D:\backup\ubuntu-18.04.tar</a:t>
+            </a:r>
+            <a:endParaRPr lang="en-US" altLang="zh-CN"/>
+          </a:p>
+          <a:p>
+            <a:pPr lvl="1"/>
+            <a:r>
+              <a:rPr lang="en-US" altLang="zh-CN"/>
+              <a:t>cd $env:USERPROFILE\AppData\Local\Microsoft\WindowsApps</a:t>
+            </a:r>
+            <a:endParaRPr lang="en-US" altLang="zh-CN"/>
+          </a:p>
+          <a:p>
+            <a:pPr lvl="1"/>
+            <a:r>
+              <a:rPr lang="en-US" altLang="zh-CN"/>
+              <a:t>.\ubuntu1804.exe config --default-user lgm</a:t>
+            </a:r>
+            <a:endParaRPr lang="en-US" altLang="zh-CN"/>
+          </a:p>
+          <a:p>
+            <a:pPr lvl="1"/>
+            <a:r>
+              <a:rPr lang="en-US" altLang="zh-CN"/>
+              <a:t>wsl --distribution {Ubuntu-18.04}</a:t>
+            </a:r>
+            <a:endParaRPr lang="en-US" altLang="zh-CN"/>
+          </a:p>
+        </p:txBody>
+      </p:sp>
+    </p:spTree>
+    <p:custDataLst>
+      <p:tags r:id="rId1"/>
+    </p:custDataLst>
+  </p:cSld>
+  <p:clrMapOvr>
+    <a:masterClrMapping/>
+  </p:clrMapOvr>
+</p:sld>
+</file>
+
+<file path=ppt/slides/slide18.xml><?xml version="1.0" encoding="utf-8"?>
 <p:sld xmlns:a="http://schemas.openxmlformats.org/drawingml/2006/main" xmlns:r="http://schemas.openxmlformats.org/officeDocument/2006/relationships" xmlns:p="http://schemas.openxmlformats.org/presentationml/2006/main">
   <p:cSld>
     <p:spTree>
@@ -5380,6 +5658,10 @@
                       <a:pPr>
                         <a:buNone/>
                       </a:pPr>
+                      <a:r>
+                        <a:rPr lang="zh-CN" altLang="en-US"/>
+                        <a:t>wsl –mount \\.\PHYSICALDRIVE0 –partition1.</a:t>
+                      </a:r>
                       <a:endParaRPr lang="zh-CN" altLang="en-US"/>
                     </a:p>
                   </a:txBody>
@@ -5404,6 +5686,12 @@
                       <a:pPr>
                         <a:buNone/>
                       </a:pPr>
+                      <a:r>
+                        <a:rPr lang="en-US" altLang="zh-CN" sz="1800">
+                          <a:sym typeface="+mn-ea"/>
+                        </a:rPr>
+                        <a:t>Windows command: wmic diskdrive list brief // list drives</a:t>
+                      </a:r>
                       <a:endParaRPr lang="zh-CN" altLang="en-US"/>
                     </a:p>
                   </a:txBody>
@@ -6349,6 +6637,14 @@
 
 <file path=ppt/tags/tag24.xml><?xml version="1.0" encoding="utf-8"?>
 <p:tagLst xmlns:p="http://schemas.openxmlformats.org/presentationml/2006/main">
+  <p:tag name="KSO_WM_BEAUTIFY_FLAG" val="#wm#"/>
+  <p:tag name="KSO_WM_TEMPLATE_CATEGORY" val="custom"/>
+  <p:tag name="KSO_WM_TEMPLATE_INDEX" val="160402"/>
+</p:tagLst>
+</file>
+
+<file path=ppt/tags/tag25.xml><?xml version="1.0" encoding="utf-8"?>
+<p:tagLst xmlns:p="http://schemas.openxmlformats.org/presentationml/2006/main">
   <p:tag name="COMMONDATA" val="eyJoZGlkIjoiYjRhZjQ5NWVmZmQxNmM3NmNkNDYxNWRmNzNmMjA1ZDAifQ=="/>
   <p:tag name="KSO_WPP_MARK_KEY" val="4a1a885f-1ec6-43c3-80e1-c5ff2134d3c6"/>
 </p:tagLst>
@@ -6441,7 +6737,7 @@
 
 <file path=ppt/tags/tag9.xml><?xml version="1.0" encoding="utf-8"?>
 <p:tagLst xmlns:p="http://schemas.openxmlformats.org/presentationml/2006/main">
-  <p:tag name="KSO_WM_UNIT_TABLE_BEAUTIFY" val="smartTable{03bc658e-fe58-45c3-8748-114003af1683}"/>
+  <p:tag name="KSO_WM_UNIT_TABLE_BEAUTIFY" val="smartTable{8c134ad6-4265-4557-889e-f682acb320a6}"/>
   <p:tag name="TABLE_ENDDRAG_ORIGIN_RECT" val="821*243"/>
   <p:tag name="TABLE_ENDDRAG_RECT" val="72*100*821*243"/>
 </p:tagLst>
